--- a/images/sampling/power.pptx
+++ b/images/sampling/power.pptx
@@ -104,6 +104,11 @@
       </a:defRPr>
     </a:lvl9pPr>
   </p:defaultTextStyle>
+  <p:extLst>
+    <p:ext uri="{EFAFB233-063F-42B5-8137-9DF3F51BA10A}">
+      <p15:sldGuideLst xmlns:p15="http://schemas.microsoft.com/office/powerpoint/2012/main"/>
+    </p:ext>
+  </p:extLst>
 </p:presentation>
 </file>
 
@@ -2378,6 +2383,195 @@
 </inkml:ink>
 </file>
 
+<file path=ppt/ink/ink173.xml><?xml version="1.0" encoding="utf-8"?>
+<inkml:ink xmlns:inkml="http://www.w3.org/2003/InkML">
+  <inkml:definitions>
+    <inkml:context xml:id="ctx0">
+      <inkml:inkSource xml:id="inkSrc0">
+        <inkml:traceFormat>
+          <inkml:channel name="X" type="integer" min="-2.14748E9" max="2.14748E9" units="cm"/>
+          <inkml:channel name="Y" type="integer" min="-2.14748E9" max="2.14748E9" units="cm"/>
+          <inkml:channel name="F" type="integer" max="32767" units="dev"/>
+        </inkml:traceFormat>
+        <inkml:channelProperties>
+          <inkml:channelProperty channel="X" name="resolution" value="1000" units="1/cm"/>
+          <inkml:channelProperty channel="Y" name="resolution" value="1000" units="1/cm"/>
+          <inkml:channelProperty channel="F" name="resolution" value="0" units="1/dev"/>
+        </inkml:channelProperties>
+      </inkml:inkSource>
+      <inkml:timestamp xml:id="ts0" timeString="2022-11-01T21:02:04.569"/>
+    </inkml:context>
+    <inkml:brush xml:id="br0">
+      <inkml:brushProperty name="width" value="0.1" units="cm"/>
+      <inkml:brushProperty name="height" value="0.1" units="cm"/>
+    </inkml:brush>
+  </inkml:definitions>
+  <inkml:trace contextRef="#ctx0" brushRef="#br0">0 1 24575,'0'31'0,"0"5"0,0-17 0,0 9 0,0-11 0,0 0 0,0-1 0,0-6 0,0-4 0,0-1 0</inkml:trace>
+</inkml:ink>
+</file>
+
+<file path=ppt/ink/ink174.xml><?xml version="1.0" encoding="utf-8"?>
+<inkml:ink xmlns:inkml="http://www.w3.org/2003/InkML">
+  <inkml:definitions>
+    <inkml:context xml:id="ctx0">
+      <inkml:inkSource xml:id="inkSrc0">
+        <inkml:traceFormat>
+          <inkml:channel name="X" type="integer" min="-2.14748E9" max="2.14748E9" units="cm"/>
+          <inkml:channel name="Y" type="integer" min="-2.14748E9" max="2.14748E9" units="cm"/>
+          <inkml:channel name="F" type="integer" max="32767" units="dev"/>
+        </inkml:traceFormat>
+        <inkml:channelProperties>
+          <inkml:channelProperty channel="X" name="resolution" value="1000" units="1/cm"/>
+          <inkml:channelProperty channel="Y" name="resolution" value="1000" units="1/cm"/>
+          <inkml:channelProperty channel="F" name="resolution" value="0" units="1/dev"/>
+        </inkml:channelProperties>
+      </inkml:inkSource>
+      <inkml:timestamp xml:id="ts0" timeString="2022-11-01T21:02:04.570"/>
+    </inkml:context>
+    <inkml:brush xml:id="br0">
+      <inkml:brushProperty name="width" value="0.1" units="cm"/>
+      <inkml:brushProperty name="height" value="0.1" units="cm"/>
+    </inkml:brush>
+  </inkml:definitions>
+  <inkml:trace contextRef="#ctx0" brushRef="#br0">1 0 24575,'0'20'0,"0"-2"0,0-8 0,0 0 0,0 1 0,0-1 0,0-5 0,0 0 0</inkml:trace>
+</inkml:ink>
+</file>
+
+<file path=ppt/ink/ink175.xml><?xml version="1.0" encoding="utf-8"?>
+<inkml:ink xmlns:inkml="http://www.w3.org/2003/InkML">
+  <inkml:definitions>
+    <inkml:context xml:id="ctx0">
+      <inkml:inkSource xml:id="inkSrc0">
+        <inkml:traceFormat>
+          <inkml:channel name="X" type="integer" min="-2.14748E9" max="2.14748E9" units="cm"/>
+          <inkml:channel name="Y" type="integer" min="-2.14748E9" max="2.14748E9" units="cm"/>
+          <inkml:channel name="F" type="integer" max="32767" units="dev"/>
+        </inkml:traceFormat>
+        <inkml:channelProperties>
+          <inkml:channelProperty channel="X" name="resolution" value="1000" units="1/cm"/>
+          <inkml:channelProperty channel="Y" name="resolution" value="1000" units="1/cm"/>
+          <inkml:channelProperty channel="F" name="resolution" value="0" units="1/dev"/>
+        </inkml:channelProperties>
+      </inkml:inkSource>
+      <inkml:timestamp xml:id="ts0" timeString="2022-11-01T21:02:04.571"/>
+    </inkml:context>
+    <inkml:brush xml:id="br0">
+      <inkml:brushProperty name="width" value="0.1" units="cm"/>
+      <inkml:brushProperty name="height" value="0.1" units="cm"/>
+    </inkml:brush>
+  </inkml:definitions>
+  <inkml:trace contextRef="#ctx0" brushRef="#br0">1 0 24575,'0'35'0,"0"0"0,0 2 0,0-6 0,0-2 0,0-12 0,0 4 0,0-9 0,0 4 0,0-7 0,0 1 0,0-5 0,0-1 0</inkml:trace>
+</inkml:ink>
+</file>
+
+<file path=ppt/ink/ink176.xml><?xml version="1.0" encoding="utf-8"?>
+<inkml:ink xmlns:inkml="http://www.w3.org/2003/InkML">
+  <inkml:definitions>
+    <inkml:context xml:id="ctx0">
+      <inkml:inkSource xml:id="inkSrc0">
+        <inkml:traceFormat>
+          <inkml:channel name="X" type="integer" min="-2.14748E9" max="2.14748E9" units="cm"/>
+          <inkml:channel name="Y" type="integer" min="-2.14748E9" max="2.14748E9" units="cm"/>
+          <inkml:channel name="F" type="integer" max="32767" units="dev"/>
+        </inkml:traceFormat>
+        <inkml:channelProperties>
+          <inkml:channelProperty channel="X" name="resolution" value="1000" units="1/cm"/>
+          <inkml:channelProperty channel="Y" name="resolution" value="1000" units="1/cm"/>
+          <inkml:channelProperty channel="F" name="resolution" value="0" units="1/dev"/>
+        </inkml:channelProperties>
+      </inkml:inkSource>
+      <inkml:timestamp xml:id="ts0" timeString="2022-11-01T21:02:04.572"/>
+    </inkml:context>
+    <inkml:brush xml:id="br0">
+      <inkml:brushProperty name="width" value="0.1" units="cm"/>
+      <inkml:brushProperty name="height" value="0.1" units="cm"/>
+    </inkml:brush>
+  </inkml:definitions>
+  <inkml:trace contextRef="#ctx0" brushRef="#br0">1 1 24575,'0'20'0,"0"2"0,0 0 0,0-4 0,0-3 0,0 1 0,0-4 0,0 3 0,0 1 0,0 0 0,0 1 0,0-6 0,0-7 0</inkml:trace>
+</inkml:ink>
+</file>
+
+<file path=ppt/ink/ink177.xml><?xml version="1.0" encoding="utf-8"?>
+<inkml:ink xmlns:inkml="http://www.w3.org/2003/InkML">
+  <inkml:definitions>
+    <inkml:context xml:id="ctx0">
+      <inkml:inkSource xml:id="inkSrc0">
+        <inkml:traceFormat>
+          <inkml:channel name="X" type="integer" min="-2.14748E9" max="2.14748E9" units="cm"/>
+          <inkml:channel name="Y" type="integer" min="-2.14748E9" max="2.14748E9" units="cm"/>
+          <inkml:channel name="F" type="integer" max="32767" units="dev"/>
+        </inkml:traceFormat>
+        <inkml:channelProperties>
+          <inkml:channelProperty channel="X" name="resolution" value="1000" units="1/cm"/>
+          <inkml:channelProperty channel="Y" name="resolution" value="1000" units="1/cm"/>
+          <inkml:channelProperty channel="F" name="resolution" value="0" units="1/dev"/>
+        </inkml:channelProperties>
+      </inkml:inkSource>
+      <inkml:timestamp xml:id="ts0" timeString="2022-11-01T21:02:04.573"/>
+    </inkml:context>
+    <inkml:brush xml:id="br0">
+      <inkml:brushProperty name="width" value="0.1" units="cm"/>
+      <inkml:brushProperty name="height" value="0.1" units="cm"/>
+    </inkml:brush>
+  </inkml:definitions>
+  <inkml:trace contextRef="#ctx0" brushRef="#br0">1 0 24575,'0'21'0,"0"-1"0,0 3 0,0-6 0,0 5 0,0-5 0,0 5 0,0-4 0,0-3 0,0-5 0,0-4 0,0-2 0</inkml:trace>
+</inkml:ink>
+</file>
+
+<file path=ppt/ink/ink178.xml><?xml version="1.0" encoding="utf-8"?>
+<inkml:ink xmlns:inkml="http://www.w3.org/2003/InkML">
+  <inkml:definitions>
+    <inkml:context xml:id="ctx0">
+      <inkml:inkSource xml:id="inkSrc0">
+        <inkml:traceFormat>
+          <inkml:channel name="X" type="integer" min="-2.14748E9" max="2.14748E9" units="cm"/>
+          <inkml:channel name="Y" type="integer" min="-2.14748E9" max="2.14748E9" units="cm"/>
+          <inkml:channel name="F" type="integer" max="32767" units="dev"/>
+        </inkml:traceFormat>
+        <inkml:channelProperties>
+          <inkml:channelProperty channel="X" name="resolution" value="1000" units="1/cm"/>
+          <inkml:channelProperty channel="Y" name="resolution" value="1000" units="1/cm"/>
+          <inkml:channelProperty channel="F" name="resolution" value="0" units="1/dev"/>
+        </inkml:channelProperties>
+      </inkml:inkSource>
+      <inkml:timestamp xml:id="ts0" timeString="2022-11-01T21:02:04.574"/>
+    </inkml:context>
+    <inkml:brush xml:id="br0">
+      <inkml:brushProperty name="width" value="0.1" units="cm"/>
+      <inkml:brushProperty name="height" value="0.1" units="cm"/>
+    </inkml:brush>
+  </inkml:definitions>
+  <inkml:trace contextRef="#ctx0" brushRef="#br0">1 1 24575,'0'26'0,"0"-3"0,0 0 0,0-1 0,0-5 0,0 0 0,0-6 0,0-6 0</inkml:trace>
+</inkml:ink>
+</file>
+
+<file path=ppt/ink/ink179.xml><?xml version="1.0" encoding="utf-8"?>
+<inkml:ink xmlns:inkml="http://www.w3.org/2003/InkML">
+  <inkml:definitions>
+    <inkml:context xml:id="ctx0">
+      <inkml:inkSource xml:id="inkSrc0">
+        <inkml:traceFormat>
+          <inkml:channel name="X" type="integer" min="-2.14748E9" max="2.14748E9" units="cm"/>
+          <inkml:channel name="Y" type="integer" min="-2.14748E9" max="2.14748E9" units="cm"/>
+          <inkml:channel name="F" type="integer" max="32767" units="dev"/>
+        </inkml:traceFormat>
+        <inkml:channelProperties>
+          <inkml:channelProperty channel="X" name="resolution" value="1000" units="1/cm"/>
+          <inkml:channelProperty channel="Y" name="resolution" value="1000" units="1/cm"/>
+          <inkml:channelProperty channel="F" name="resolution" value="0" units="1/dev"/>
+        </inkml:channelProperties>
+      </inkml:inkSource>
+      <inkml:timestamp xml:id="ts0" timeString="2022-11-01T21:02:04.575"/>
+    </inkml:context>
+    <inkml:brush xml:id="br0">
+      <inkml:brushProperty name="width" value="0.1" units="cm"/>
+      <inkml:brushProperty name="height" value="0.1" units="cm"/>
+    </inkml:brush>
+  </inkml:definitions>
+  <inkml:trace contextRef="#ctx0" brushRef="#br0">1 1 24575,'0'0'0</inkml:trace>
+</inkml:ink>
+</file>
+
 <file path=ppt/ink/ink18.xml><?xml version="1.0" encoding="utf-8"?>
 <inkml:ink xmlns:inkml="http://www.w3.org/2003/InkML">
   <inkml:definitions>
@@ -2402,6 +2596,195 @@
     </inkml:brush>
   </inkml:definitions>
   <inkml:trace contextRef="#ctx0" brushRef="#br0">0 1 24575,'0'15'0,"0"-1"0,0-4 0,0 4 0,0 2 0,0 5 0,6 8 0,0-5 0,1 12 0,3-12 0,-9 6 0,4-8 0,-5 1 0,0-6 0,0-1 0,0-6 0,0 0 0,0-4 0,0-2 0</inkml:trace>
+</inkml:ink>
+</file>
+
+<file path=ppt/ink/ink180.xml><?xml version="1.0" encoding="utf-8"?>
+<inkml:ink xmlns:inkml="http://www.w3.org/2003/InkML">
+  <inkml:definitions>
+    <inkml:context xml:id="ctx0">
+      <inkml:inkSource xml:id="inkSrc0">
+        <inkml:traceFormat>
+          <inkml:channel name="X" type="integer" min="-2.14748E9" max="2.14748E9" units="cm"/>
+          <inkml:channel name="Y" type="integer" min="-2.14748E9" max="2.14748E9" units="cm"/>
+          <inkml:channel name="F" type="integer" max="32767" units="dev"/>
+        </inkml:traceFormat>
+        <inkml:channelProperties>
+          <inkml:channelProperty channel="X" name="resolution" value="1000" units="1/cm"/>
+          <inkml:channelProperty channel="Y" name="resolution" value="1000" units="1/cm"/>
+          <inkml:channelProperty channel="F" name="resolution" value="0" units="1/dev"/>
+        </inkml:channelProperties>
+      </inkml:inkSource>
+      <inkml:timestamp xml:id="ts0" timeString="2022-11-01T21:02:04.576"/>
+    </inkml:context>
+    <inkml:brush xml:id="br0">
+      <inkml:brushProperty name="width" value="0.1" units="cm"/>
+      <inkml:brushProperty name="height" value="0.1" units="cm"/>
+    </inkml:brush>
+  </inkml:definitions>
+  <inkml:trace contextRef="#ctx0" brushRef="#br0">1 0 24575,'0'24'0,"0"-1"0,0-1 0,0-4 0,0-7 0,0-7 0</inkml:trace>
+</inkml:ink>
+</file>
+
+<file path=ppt/ink/ink181.xml><?xml version="1.0" encoding="utf-8"?>
+<inkml:ink xmlns:inkml="http://www.w3.org/2003/InkML">
+  <inkml:definitions>
+    <inkml:context xml:id="ctx0">
+      <inkml:inkSource xml:id="inkSrc0">
+        <inkml:traceFormat>
+          <inkml:channel name="X" type="integer" min="-2.14748E9" max="2.14748E9" units="cm"/>
+          <inkml:channel name="Y" type="integer" min="-2.14748E9" max="2.14748E9" units="cm"/>
+          <inkml:channel name="F" type="integer" max="32767" units="dev"/>
+        </inkml:traceFormat>
+        <inkml:channelProperties>
+          <inkml:channelProperty channel="X" name="resolution" value="1000" units="1/cm"/>
+          <inkml:channelProperty channel="Y" name="resolution" value="1000" units="1/cm"/>
+          <inkml:channelProperty channel="F" name="resolution" value="0" units="1/dev"/>
+        </inkml:channelProperties>
+      </inkml:inkSource>
+      <inkml:timestamp xml:id="ts0" timeString="2022-11-01T21:02:04.577"/>
+    </inkml:context>
+    <inkml:brush xml:id="br0">
+      <inkml:brushProperty name="width" value="0.1" units="cm"/>
+      <inkml:brushProperty name="height" value="0.1" units="cm"/>
+    </inkml:brush>
+  </inkml:definitions>
+  <inkml:trace contextRef="#ctx0" brushRef="#br0">1 1 24575,'0'15'0,"0"-1"0,0-4 0,0 0 0,0 0 0,0 0 0,0 0 0,0 0 0,0-1 0,0 1 0,0-1 0,0-3 0,0-2 0</inkml:trace>
+</inkml:ink>
+</file>
+
+<file path=ppt/ink/ink182.xml><?xml version="1.0" encoding="utf-8"?>
+<inkml:ink xmlns:inkml="http://www.w3.org/2003/InkML">
+  <inkml:definitions>
+    <inkml:context xml:id="ctx0">
+      <inkml:inkSource xml:id="inkSrc0">
+        <inkml:traceFormat>
+          <inkml:channel name="X" type="integer" min="-2.14748E9" max="2.14748E9" units="cm"/>
+          <inkml:channel name="Y" type="integer" min="-2.14748E9" max="2.14748E9" units="cm"/>
+          <inkml:channel name="F" type="integer" max="32767" units="dev"/>
+        </inkml:traceFormat>
+        <inkml:channelProperties>
+          <inkml:channelProperty channel="X" name="resolution" value="1000" units="1/cm"/>
+          <inkml:channelProperty channel="Y" name="resolution" value="1000" units="1/cm"/>
+          <inkml:channelProperty channel="F" name="resolution" value="0" units="1/dev"/>
+        </inkml:channelProperties>
+      </inkml:inkSource>
+      <inkml:timestamp xml:id="ts0" timeString="2022-11-01T21:02:04.578"/>
+    </inkml:context>
+    <inkml:brush xml:id="br0">
+      <inkml:brushProperty name="width" value="0.1" units="cm"/>
+      <inkml:brushProperty name="height" value="0.1" units="cm"/>
+    </inkml:brush>
+  </inkml:definitions>
+  <inkml:trace contextRef="#ctx0" brushRef="#br0">0 0 24575,'0'15'0,"0"5"0,0-9 0,0 5 0,0 0 0,0-5 0,0 5 0,0-6 0,0 0 0,0 0 0,0-4 0,0-2 0</inkml:trace>
+</inkml:ink>
+</file>
+
+<file path=ppt/ink/ink183.xml><?xml version="1.0" encoding="utf-8"?>
+<inkml:ink xmlns:inkml="http://www.w3.org/2003/InkML">
+  <inkml:definitions>
+    <inkml:context xml:id="ctx0">
+      <inkml:inkSource xml:id="inkSrc0">
+        <inkml:traceFormat>
+          <inkml:channel name="X" type="integer" min="-2.14748E9" max="2.14748E9" units="cm"/>
+          <inkml:channel name="Y" type="integer" min="-2.14748E9" max="2.14748E9" units="cm"/>
+          <inkml:channel name="F" type="integer" max="32767" units="dev"/>
+        </inkml:traceFormat>
+        <inkml:channelProperties>
+          <inkml:channelProperty channel="X" name="resolution" value="1000" units="1/cm"/>
+          <inkml:channelProperty channel="Y" name="resolution" value="1000" units="1/cm"/>
+          <inkml:channelProperty channel="F" name="resolution" value="0" units="1/dev"/>
+        </inkml:channelProperties>
+      </inkml:inkSource>
+      <inkml:timestamp xml:id="ts0" timeString="2022-11-01T21:02:04.579"/>
+    </inkml:context>
+    <inkml:brush xml:id="br0">
+      <inkml:brushProperty name="width" value="0.1" units="cm"/>
+      <inkml:brushProperty name="height" value="0.1" units="cm"/>
+    </inkml:brush>
+  </inkml:definitions>
+  <inkml:trace contextRef="#ctx0" brushRef="#br0">0 1 24575,'0'15'0,"0"-1"0,0-4 0,0 4 0,0 2 0,0 5 0,6 8 0,0-5 0,1 12 0,3-12 0,-9 6 0,4-8 0,-5 1 0,0-6 0,0-1 0,0-6 0,0 0 0,0-4 0,0-2 0</inkml:trace>
+</inkml:ink>
+</file>
+
+<file path=ppt/ink/ink184.xml><?xml version="1.0" encoding="utf-8"?>
+<inkml:ink xmlns:inkml="http://www.w3.org/2003/InkML">
+  <inkml:definitions>
+    <inkml:context xml:id="ctx0">
+      <inkml:inkSource xml:id="inkSrc0">
+        <inkml:traceFormat>
+          <inkml:channel name="X" type="integer" min="-2.14748E9" max="2.14748E9" units="cm"/>
+          <inkml:channel name="Y" type="integer" min="-2.14748E9" max="2.14748E9" units="cm"/>
+          <inkml:channel name="F" type="integer" max="32767" units="dev"/>
+        </inkml:traceFormat>
+        <inkml:channelProperties>
+          <inkml:channelProperty channel="X" name="resolution" value="1000" units="1/cm"/>
+          <inkml:channelProperty channel="Y" name="resolution" value="1000" units="1/cm"/>
+          <inkml:channelProperty channel="F" name="resolution" value="0" units="1/dev"/>
+        </inkml:channelProperties>
+      </inkml:inkSource>
+      <inkml:timestamp xml:id="ts0" timeString="2022-11-01T21:02:04.580"/>
+    </inkml:context>
+    <inkml:brush xml:id="br0">
+      <inkml:brushProperty name="width" value="0.1" units="cm"/>
+      <inkml:brushProperty name="height" value="0.1" units="cm"/>
+    </inkml:brush>
+  </inkml:definitions>
+  <inkml:trace contextRef="#ctx0" brushRef="#br0">1 0 24575,'0'23'0,"0"-4"0,0-8 0,0-1 0,0-5 0,0-1 0</inkml:trace>
+</inkml:ink>
+</file>
+
+<file path=ppt/ink/ink185.xml><?xml version="1.0" encoding="utf-8"?>
+<inkml:ink xmlns:inkml="http://www.w3.org/2003/InkML">
+  <inkml:definitions>
+    <inkml:context xml:id="ctx0">
+      <inkml:inkSource xml:id="inkSrc0">
+        <inkml:traceFormat>
+          <inkml:channel name="X" type="integer" min="-2.14748E9" max="2.14748E9" units="cm"/>
+          <inkml:channel name="Y" type="integer" min="-2.14748E9" max="2.14748E9" units="cm"/>
+          <inkml:channel name="F" type="integer" max="32767" units="dev"/>
+        </inkml:traceFormat>
+        <inkml:channelProperties>
+          <inkml:channelProperty channel="X" name="resolution" value="1000" units="1/cm"/>
+          <inkml:channelProperty channel="Y" name="resolution" value="1000" units="1/cm"/>
+          <inkml:channelProperty channel="F" name="resolution" value="0" units="1/dev"/>
+        </inkml:channelProperties>
+      </inkml:inkSource>
+      <inkml:timestamp xml:id="ts0" timeString="2022-11-01T21:02:04.581"/>
+    </inkml:context>
+    <inkml:brush xml:id="br0">
+      <inkml:brushProperty name="width" value="0.1" units="cm"/>
+      <inkml:brushProperty name="height" value="0.1" units="cm"/>
+    </inkml:brush>
+  </inkml:definitions>
+  <inkml:trace contextRef="#ctx0" brushRef="#br0">1 1 24575,'0'15'0,"0"-1"0,0-5 0,0 1 0,0-1 0,0 1 0,0 0 0,0-1 0,0 2 0,0-1 0,0 0 0,0 0 0,0 0 0,0-5 0,0 0 0</inkml:trace>
+</inkml:ink>
+</file>
+
+<file path=ppt/ink/ink186.xml><?xml version="1.0" encoding="utf-8"?>
+<inkml:ink xmlns:inkml="http://www.w3.org/2003/InkML">
+  <inkml:definitions>
+    <inkml:context xml:id="ctx0">
+      <inkml:inkSource xml:id="inkSrc0">
+        <inkml:traceFormat>
+          <inkml:channel name="X" type="integer" min="-2.14748E9" max="2.14748E9" units="cm"/>
+          <inkml:channel name="Y" type="integer" min="-2.14748E9" max="2.14748E9" units="cm"/>
+          <inkml:channel name="F" type="integer" max="32767" units="dev"/>
+        </inkml:traceFormat>
+        <inkml:channelProperties>
+          <inkml:channelProperty channel="X" name="resolution" value="1000" units="1/cm"/>
+          <inkml:channelProperty channel="Y" name="resolution" value="1000" units="1/cm"/>
+          <inkml:channelProperty channel="F" name="resolution" value="0" units="1/dev"/>
+        </inkml:channelProperties>
+      </inkml:inkSource>
+      <inkml:timestamp xml:id="ts0" timeString="2022-11-01T21:02:04.582"/>
+    </inkml:context>
+    <inkml:brush xml:id="br0">
+      <inkml:brushProperty name="width" value="0.1" units="cm"/>
+      <inkml:brushProperty name="height" value="0.1" units="cm"/>
+    </inkml:brush>
+  </inkml:definitions>
+  <inkml:trace contextRef="#ctx0" brushRef="#br0">0 1 24575,'0'20'0,"0"2"0,0-5 0,0-1 0,0-6 0,0 0 0,0-1 0,0 1 0,0-1 0,0 1 0,0-1 0,0 1 0,0 0 0,0-1 0,0 1 0,0 0 0,0-1 0,0 1 0,0-1 0,0 1 0,0-1 0,0 1 0</inkml:trace>
 </inkml:ink>
 </file>
 
@@ -4994,7 +5377,7 @@
           <a:p>
             <a:fld id="{8E842220-9CEC-7C4F-8BB6-EB2701504776}" type="datetimeFigureOut">
               <a:rPr lang="en-US" smtClean="0"/>
-              <a:t>6/20/22</a:t>
+              <a:t>11/1/22</a:t>
             </a:fld>
             <a:endParaRPr lang="en-US"/>
           </a:p>
@@ -5164,7 +5547,7 @@
           <a:p>
             <a:fld id="{8E842220-9CEC-7C4F-8BB6-EB2701504776}" type="datetimeFigureOut">
               <a:rPr lang="en-US" smtClean="0"/>
-              <a:t>6/20/22</a:t>
+              <a:t>11/1/22</a:t>
             </a:fld>
             <a:endParaRPr lang="en-US"/>
           </a:p>
@@ -5344,7 +5727,7 @@
           <a:p>
             <a:fld id="{8E842220-9CEC-7C4F-8BB6-EB2701504776}" type="datetimeFigureOut">
               <a:rPr lang="en-US" smtClean="0"/>
-              <a:t>6/20/22</a:t>
+              <a:t>11/1/22</a:t>
             </a:fld>
             <a:endParaRPr lang="en-US"/>
           </a:p>
@@ -5514,7 +5897,7 @@
           <a:p>
             <a:fld id="{8E842220-9CEC-7C4F-8BB6-EB2701504776}" type="datetimeFigureOut">
               <a:rPr lang="en-US" smtClean="0"/>
-              <a:t>6/20/22</a:t>
+              <a:t>11/1/22</a:t>
             </a:fld>
             <a:endParaRPr lang="en-US"/>
           </a:p>
@@ -5758,7 +6141,7 @@
           <a:p>
             <a:fld id="{8E842220-9CEC-7C4F-8BB6-EB2701504776}" type="datetimeFigureOut">
               <a:rPr lang="en-US" smtClean="0"/>
-              <a:t>6/20/22</a:t>
+              <a:t>11/1/22</a:t>
             </a:fld>
             <a:endParaRPr lang="en-US"/>
           </a:p>
@@ -5990,7 +6373,7 @@
           <a:p>
             <a:fld id="{8E842220-9CEC-7C4F-8BB6-EB2701504776}" type="datetimeFigureOut">
               <a:rPr lang="en-US" smtClean="0"/>
-              <a:t>6/20/22</a:t>
+              <a:t>11/1/22</a:t>
             </a:fld>
             <a:endParaRPr lang="en-US"/>
           </a:p>
@@ -6357,7 +6740,7 @@
           <a:p>
             <a:fld id="{8E842220-9CEC-7C4F-8BB6-EB2701504776}" type="datetimeFigureOut">
               <a:rPr lang="en-US" smtClean="0"/>
-              <a:t>6/20/22</a:t>
+              <a:t>11/1/22</a:t>
             </a:fld>
             <a:endParaRPr lang="en-US"/>
           </a:p>
@@ -6475,7 +6858,7 @@
           <a:p>
             <a:fld id="{8E842220-9CEC-7C4F-8BB6-EB2701504776}" type="datetimeFigureOut">
               <a:rPr lang="en-US" smtClean="0"/>
-              <a:t>6/20/22</a:t>
+              <a:t>11/1/22</a:t>
             </a:fld>
             <a:endParaRPr lang="en-US"/>
           </a:p>
@@ -6570,7 +6953,7 @@
           <a:p>
             <a:fld id="{8E842220-9CEC-7C4F-8BB6-EB2701504776}" type="datetimeFigureOut">
               <a:rPr lang="en-US" smtClean="0"/>
-              <a:t>6/20/22</a:t>
+              <a:t>11/1/22</a:t>
             </a:fld>
             <a:endParaRPr lang="en-US"/>
           </a:p>
@@ -6847,7 +7230,7 @@
           <a:p>
             <a:fld id="{8E842220-9CEC-7C4F-8BB6-EB2701504776}" type="datetimeFigureOut">
               <a:rPr lang="en-US" smtClean="0"/>
-              <a:t>6/20/22</a:t>
+              <a:t>11/1/22</a:t>
             </a:fld>
             <a:endParaRPr lang="en-US"/>
           </a:p>
@@ -7104,7 +7487,7 @@
           <a:p>
             <a:fld id="{8E842220-9CEC-7C4F-8BB6-EB2701504776}" type="datetimeFigureOut">
               <a:rPr lang="en-US" smtClean="0"/>
-              <a:t>6/20/22</a:t>
+              <a:t>11/1/22</a:t>
             </a:fld>
             <a:endParaRPr lang="en-US"/>
           </a:p>
@@ -7317,7 +7700,7 @@
           <a:p>
             <a:fld id="{8E842220-9CEC-7C4F-8BB6-EB2701504776}" type="datetimeFigureOut">
               <a:rPr lang="en-US" smtClean="0"/>
-              <a:t>6/20/22</a:t>
+              <a:t>11/1/22</a:t>
             </a:fld>
             <a:endParaRPr lang="en-US"/>
           </a:p>
@@ -7722,8 +8105,8 @@
           <a:chExt cx="0" cy="0"/>
         </a:xfrm>
       </p:grpSpPr>
-      <mc:AlternateContent xmlns:mc="http://schemas.openxmlformats.org/markup-compatibility/2006">
-        <mc:Choice xmlns:p14="http://schemas.microsoft.com/office/powerpoint/2010/main" Requires="p14">
+      <mc:AlternateContent xmlns:mc="http://schemas.openxmlformats.org/markup-compatibility/2006" xmlns:p14="http://schemas.microsoft.com/office/powerpoint/2010/main">
+        <mc:Choice Requires="p14">
           <p:contentPart p14:bwMode="auto" r:id="rId2">
             <p14:nvContentPartPr>
               <p14:cNvPr id="15" name="Ink 14">
@@ -7742,7 +8125,7 @@
             </p14:xfrm>
           </p:contentPart>
         </mc:Choice>
-        <mc:Fallback>
+        <mc:Fallback xmlns="">
           <p:pic>
             <p:nvPicPr>
               <p:cNvPr id="15" name="Ink 14">
@@ -7773,8 +8156,8 @@
           </p:pic>
         </mc:Fallback>
       </mc:AlternateContent>
-      <mc:AlternateContent xmlns:mc="http://schemas.openxmlformats.org/markup-compatibility/2006">
-        <mc:Choice xmlns:p14="http://schemas.microsoft.com/office/powerpoint/2010/main" Requires="p14">
+      <mc:AlternateContent xmlns:mc="http://schemas.openxmlformats.org/markup-compatibility/2006" xmlns:p14="http://schemas.microsoft.com/office/powerpoint/2010/main">
+        <mc:Choice Requires="p14">
           <p:contentPart p14:bwMode="auto" r:id="rId4">
             <p14:nvContentPartPr>
               <p14:cNvPr id="16" name="Ink 15">
@@ -7793,7 +8176,7 @@
             </p14:xfrm>
           </p:contentPart>
         </mc:Choice>
-        <mc:Fallback>
+        <mc:Fallback xmlns="">
           <p:pic>
             <p:nvPicPr>
               <p:cNvPr id="16" name="Ink 15">
@@ -7824,8 +8207,8 @@
           </p:pic>
         </mc:Fallback>
       </mc:AlternateContent>
-      <mc:AlternateContent xmlns:mc="http://schemas.openxmlformats.org/markup-compatibility/2006">
-        <mc:Choice xmlns:p14="http://schemas.microsoft.com/office/powerpoint/2010/main" Requires="p14">
+      <mc:AlternateContent xmlns:mc="http://schemas.openxmlformats.org/markup-compatibility/2006" xmlns:p14="http://schemas.microsoft.com/office/powerpoint/2010/main">
+        <mc:Choice Requires="p14">
           <p:contentPart p14:bwMode="auto" r:id="rId6">
             <p14:nvContentPartPr>
               <p14:cNvPr id="17" name="Ink 16">
@@ -7844,7 +8227,7 @@
             </p14:xfrm>
           </p:contentPart>
         </mc:Choice>
-        <mc:Fallback>
+        <mc:Fallback xmlns="">
           <p:pic>
             <p:nvPicPr>
               <p:cNvPr id="17" name="Ink 16">
@@ -7875,8 +8258,8 @@
           </p:pic>
         </mc:Fallback>
       </mc:AlternateContent>
-      <mc:AlternateContent xmlns:mc="http://schemas.openxmlformats.org/markup-compatibility/2006">
-        <mc:Choice xmlns:p14="http://schemas.microsoft.com/office/powerpoint/2010/main" Requires="p14">
+      <mc:AlternateContent xmlns:mc="http://schemas.openxmlformats.org/markup-compatibility/2006" xmlns:p14="http://schemas.microsoft.com/office/powerpoint/2010/main">
+        <mc:Choice Requires="p14">
           <p:contentPart p14:bwMode="auto" r:id="rId7">
             <p14:nvContentPartPr>
               <p14:cNvPr id="18" name="Ink 17">
@@ -7895,7 +8278,7 @@
             </p14:xfrm>
           </p:contentPart>
         </mc:Choice>
-        <mc:Fallback>
+        <mc:Fallback xmlns="">
           <p:pic>
             <p:nvPicPr>
               <p:cNvPr id="18" name="Ink 17">
@@ -7926,8 +8309,8 @@
           </p:pic>
         </mc:Fallback>
       </mc:AlternateContent>
-      <mc:AlternateContent xmlns:mc="http://schemas.openxmlformats.org/markup-compatibility/2006">
-        <mc:Choice xmlns:p14="http://schemas.microsoft.com/office/powerpoint/2010/main" Requires="p14">
+      <mc:AlternateContent xmlns:mc="http://schemas.openxmlformats.org/markup-compatibility/2006" xmlns:p14="http://schemas.microsoft.com/office/powerpoint/2010/main">
+        <mc:Choice Requires="p14">
           <p:contentPart p14:bwMode="auto" r:id="rId8">
             <p14:nvContentPartPr>
               <p14:cNvPr id="19" name="Ink 18">
@@ -7946,7 +8329,7 @@
             </p14:xfrm>
           </p:contentPart>
         </mc:Choice>
-        <mc:Fallback>
+        <mc:Fallback xmlns="">
           <p:pic>
             <p:nvPicPr>
               <p:cNvPr id="19" name="Ink 18">
@@ -7977,8 +8360,8 @@
           </p:pic>
         </mc:Fallback>
       </mc:AlternateContent>
-      <mc:AlternateContent xmlns:mc="http://schemas.openxmlformats.org/markup-compatibility/2006">
-        <mc:Choice xmlns:p14="http://schemas.microsoft.com/office/powerpoint/2010/main" Requires="p14">
+      <mc:AlternateContent xmlns:mc="http://schemas.openxmlformats.org/markup-compatibility/2006" xmlns:p14="http://schemas.microsoft.com/office/powerpoint/2010/main">
+        <mc:Choice Requires="p14">
           <p:contentPart p14:bwMode="auto" r:id="rId10">
             <p14:nvContentPartPr>
               <p14:cNvPr id="20" name="Ink 19">
@@ -7997,7 +8380,7 @@
             </p14:xfrm>
           </p:contentPart>
         </mc:Choice>
-        <mc:Fallback>
+        <mc:Fallback xmlns="">
           <p:pic>
             <p:nvPicPr>
               <p:cNvPr id="20" name="Ink 19">
@@ -8028,8 +8411,8 @@
           </p:pic>
         </mc:Fallback>
       </mc:AlternateContent>
-      <mc:AlternateContent xmlns:mc="http://schemas.openxmlformats.org/markup-compatibility/2006">
-        <mc:Choice xmlns:p14="http://schemas.microsoft.com/office/powerpoint/2010/main" Requires="p14">
+      <mc:AlternateContent xmlns:mc="http://schemas.openxmlformats.org/markup-compatibility/2006" xmlns:p14="http://schemas.microsoft.com/office/powerpoint/2010/main">
+        <mc:Choice Requires="p14">
           <p:contentPart p14:bwMode="auto" r:id="rId12">
             <p14:nvContentPartPr>
               <p14:cNvPr id="22" name="Ink 21">
@@ -8048,7 +8431,7 @@
             </p14:xfrm>
           </p:contentPart>
         </mc:Choice>
-        <mc:Fallback>
+        <mc:Fallback xmlns="">
           <p:pic>
             <p:nvPicPr>
               <p:cNvPr id="22" name="Ink 21">
@@ -8099,8 +8482,8 @@
             <a:chExt cx="28440" cy="2158200"/>
           </a:xfrm>
         </p:grpSpPr>
-        <mc:AlternateContent xmlns:mc="http://schemas.openxmlformats.org/markup-compatibility/2006">
-          <mc:Choice xmlns:p14="http://schemas.microsoft.com/office/powerpoint/2010/main" Requires="p14">
+        <mc:AlternateContent xmlns:mc="http://schemas.openxmlformats.org/markup-compatibility/2006" xmlns:p14="http://schemas.microsoft.com/office/powerpoint/2010/main">
+          <mc:Choice Requires="p14">
             <p:contentPart p14:bwMode="auto" r:id="rId14">
               <p14:nvContentPartPr>
                 <p14:cNvPr id="27" name="Ink 26">
@@ -8119,7 +8502,7 @@
               </p14:xfrm>
             </p:contentPart>
           </mc:Choice>
-          <mc:Fallback>
+          <mc:Fallback xmlns="">
             <p:pic>
               <p:nvPicPr>
                 <p:cNvPr id="27" name="Ink 26">
@@ -8150,8 +8533,8 @@
             </p:pic>
           </mc:Fallback>
         </mc:AlternateContent>
-        <mc:AlternateContent xmlns:mc="http://schemas.openxmlformats.org/markup-compatibility/2006">
-          <mc:Choice xmlns:p14="http://schemas.microsoft.com/office/powerpoint/2010/main" Requires="p14">
+        <mc:AlternateContent xmlns:mc="http://schemas.openxmlformats.org/markup-compatibility/2006" xmlns:p14="http://schemas.microsoft.com/office/powerpoint/2010/main">
+          <mc:Choice Requires="p14">
             <p:contentPart p14:bwMode="auto" r:id="rId16">
               <p14:nvContentPartPr>
                 <p14:cNvPr id="28" name="Ink 27">
@@ -8170,7 +8553,7 @@
               </p14:xfrm>
             </p:contentPart>
           </mc:Choice>
-          <mc:Fallback>
+          <mc:Fallback xmlns="">
             <p:pic>
               <p:nvPicPr>
                 <p:cNvPr id="28" name="Ink 27">
@@ -8201,8 +8584,8 @@
             </p:pic>
           </mc:Fallback>
         </mc:AlternateContent>
-        <mc:AlternateContent xmlns:mc="http://schemas.openxmlformats.org/markup-compatibility/2006">
-          <mc:Choice xmlns:p14="http://schemas.microsoft.com/office/powerpoint/2010/main" Requires="p14">
+        <mc:AlternateContent xmlns:mc="http://schemas.openxmlformats.org/markup-compatibility/2006" xmlns:p14="http://schemas.microsoft.com/office/powerpoint/2010/main">
+          <mc:Choice Requires="p14">
             <p:contentPart p14:bwMode="auto" r:id="rId18">
               <p14:nvContentPartPr>
                 <p14:cNvPr id="29" name="Ink 28">
@@ -8221,7 +8604,7 @@
               </p14:xfrm>
             </p:contentPart>
           </mc:Choice>
-          <mc:Fallback>
+          <mc:Fallback xmlns="">
             <p:pic>
               <p:nvPicPr>
                 <p:cNvPr id="29" name="Ink 28">
@@ -8252,8 +8635,8 @@
             </p:pic>
           </mc:Fallback>
         </mc:AlternateContent>
-        <mc:AlternateContent xmlns:mc="http://schemas.openxmlformats.org/markup-compatibility/2006">
-          <mc:Choice xmlns:p14="http://schemas.microsoft.com/office/powerpoint/2010/main" Requires="p14">
+        <mc:AlternateContent xmlns:mc="http://schemas.openxmlformats.org/markup-compatibility/2006" xmlns:p14="http://schemas.microsoft.com/office/powerpoint/2010/main">
+          <mc:Choice Requires="p14">
             <p:contentPart p14:bwMode="auto" r:id="rId20">
               <p14:nvContentPartPr>
                 <p14:cNvPr id="30" name="Ink 29">
@@ -8272,7 +8655,7 @@
               </p14:xfrm>
             </p:contentPart>
           </mc:Choice>
-          <mc:Fallback>
+          <mc:Fallback xmlns="">
             <p:pic>
               <p:nvPicPr>
                 <p:cNvPr id="30" name="Ink 29">
@@ -8303,8 +8686,8 @@
             </p:pic>
           </mc:Fallback>
         </mc:AlternateContent>
-        <mc:AlternateContent xmlns:mc="http://schemas.openxmlformats.org/markup-compatibility/2006">
-          <mc:Choice xmlns:p14="http://schemas.microsoft.com/office/powerpoint/2010/main" Requires="p14">
+        <mc:AlternateContent xmlns:mc="http://schemas.openxmlformats.org/markup-compatibility/2006" xmlns:p14="http://schemas.microsoft.com/office/powerpoint/2010/main">
+          <mc:Choice Requires="p14">
             <p:contentPart p14:bwMode="auto" r:id="rId22">
               <p14:nvContentPartPr>
                 <p14:cNvPr id="31" name="Ink 30">
@@ -8323,7 +8706,7 @@
               </p14:xfrm>
             </p:contentPart>
           </mc:Choice>
-          <mc:Fallback>
+          <mc:Fallback xmlns="">
             <p:pic>
               <p:nvPicPr>
                 <p:cNvPr id="31" name="Ink 30">
@@ -8354,8 +8737,8 @@
             </p:pic>
           </mc:Fallback>
         </mc:AlternateContent>
-        <mc:AlternateContent xmlns:mc="http://schemas.openxmlformats.org/markup-compatibility/2006">
-          <mc:Choice xmlns:p14="http://schemas.microsoft.com/office/powerpoint/2010/main" Requires="p14">
+        <mc:AlternateContent xmlns:mc="http://schemas.openxmlformats.org/markup-compatibility/2006" xmlns:p14="http://schemas.microsoft.com/office/powerpoint/2010/main">
+          <mc:Choice Requires="p14">
             <p:contentPart p14:bwMode="auto" r:id="rId24">
               <p14:nvContentPartPr>
                 <p14:cNvPr id="32" name="Ink 31">
@@ -8374,7 +8757,7 @@
               </p14:xfrm>
             </p:contentPart>
           </mc:Choice>
-          <mc:Fallback>
+          <mc:Fallback xmlns="">
             <p:pic>
               <p:nvPicPr>
                 <p:cNvPr id="32" name="Ink 31">
@@ -8405,8 +8788,8 @@
             </p:pic>
           </mc:Fallback>
         </mc:AlternateContent>
-        <mc:AlternateContent xmlns:mc="http://schemas.openxmlformats.org/markup-compatibility/2006">
-          <mc:Choice xmlns:p14="http://schemas.microsoft.com/office/powerpoint/2010/main" Requires="p14">
+        <mc:AlternateContent xmlns:mc="http://schemas.openxmlformats.org/markup-compatibility/2006" xmlns:p14="http://schemas.microsoft.com/office/powerpoint/2010/main">
+          <mc:Choice Requires="p14">
             <p:contentPart p14:bwMode="auto" r:id="rId26">
               <p14:nvContentPartPr>
                 <p14:cNvPr id="34" name="Ink 33">
@@ -8425,7 +8808,7 @@
               </p14:xfrm>
             </p:contentPart>
           </mc:Choice>
-          <mc:Fallback>
+          <mc:Fallback xmlns="">
             <p:pic>
               <p:nvPicPr>
                 <p:cNvPr id="34" name="Ink 33">
@@ -8456,8 +8839,8 @@
             </p:pic>
           </mc:Fallback>
         </mc:AlternateContent>
-        <mc:AlternateContent xmlns:mc="http://schemas.openxmlformats.org/markup-compatibility/2006">
-          <mc:Choice xmlns:p14="http://schemas.microsoft.com/office/powerpoint/2010/main" Requires="p14">
+        <mc:AlternateContent xmlns:mc="http://schemas.openxmlformats.org/markup-compatibility/2006" xmlns:p14="http://schemas.microsoft.com/office/powerpoint/2010/main">
+          <mc:Choice Requires="p14">
             <p:contentPart p14:bwMode="auto" r:id="rId28">
               <p14:nvContentPartPr>
                 <p14:cNvPr id="36" name="Ink 35">
@@ -8476,7 +8859,7 @@
               </p14:xfrm>
             </p:contentPart>
           </mc:Choice>
-          <mc:Fallback>
+          <mc:Fallback xmlns="">
             <p:pic>
               <p:nvPicPr>
                 <p:cNvPr id="36" name="Ink 35">
@@ -8507,8 +8890,8 @@
             </p:pic>
           </mc:Fallback>
         </mc:AlternateContent>
-        <mc:AlternateContent xmlns:mc="http://schemas.openxmlformats.org/markup-compatibility/2006">
-          <mc:Choice xmlns:p14="http://schemas.microsoft.com/office/powerpoint/2010/main" Requires="p14">
+        <mc:AlternateContent xmlns:mc="http://schemas.openxmlformats.org/markup-compatibility/2006" xmlns:p14="http://schemas.microsoft.com/office/powerpoint/2010/main">
+          <mc:Choice Requires="p14">
             <p:contentPart p14:bwMode="auto" r:id="rId30">
               <p14:nvContentPartPr>
                 <p14:cNvPr id="38" name="Ink 37">
@@ -8527,7 +8910,7 @@
               </p14:xfrm>
             </p:contentPart>
           </mc:Choice>
-          <mc:Fallback>
+          <mc:Fallback xmlns="">
             <p:pic>
               <p:nvPicPr>
                 <p:cNvPr id="38" name="Ink 37">
@@ -8558,8 +8941,8 @@
             </p:pic>
           </mc:Fallback>
         </mc:AlternateContent>
-        <mc:AlternateContent xmlns:mc="http://schemas.openxmlformats.org/markup-compatibility/2006">
-          <mc:Choice xmlns:p14="http://schemas.microsoft.com/office/powerpoint/2010/main" Requires="p14">
+        <mc:AlternateContent xmlns:mc="http://schemas.openxmlformats.org/markup-compatibility/2006" xmlns:p14="http://schemas.microsoft.com/office/powerpoint/2010/main">
+          <mc:Choice Requires="p14">
             <p:contentPart p14:bwMode="auto" r:id="rId32">
               <p14:nvContentPartPr>
                 <p14:cNvPr id="40" name="Ink 39">
@@ -8578,7 +8961,7 @@
               </p14:xfrm>
             </p:contentPart>
           </mc:Choice>
-          <mc:Fallback>
+          <mc:Fallback xmlns="">
             <p:pic>
               <p:nvPicPr>
                 <p:cNvPr id="40" name="Ink 39">
@@ -8609,8 +8992,8 @@
             </p:pic>
           </mc:Fallback>
         </mc:AlternateContent>
-        <mc:AlternateContent xmlns:mc="http://schemas.openxmlformats.org/markup-compatibility/2006">
-          <mc:Choice xmlns:p14="http://schemas.microsoft.com/office/powerpoint/2010/main" Requires="p14">
+        <mc:AlternateContent xmlns:mc="http://schemas.openxmlformats.org/markup-compatibility/2006" xmlns:p14="http://schemas.microsoft.com/office/powerpoint/2010/main">
+          <mc:Choice Requires="p14">
             <p:contentPart p14:bwMode="auto" r:id="rId34">
               <p14:nvContentPartPr>
                 <p14:cNvPr id="42" name="Ink 41">
@@ -8629,7 +9012,7 @@
               </p14:xfrm>
             </p:contentPart>
           </mc:Choice>
-          <mc:Fallback>
+          <mc:Fallback xmlns="">
             <p:pic>
               <p:nvPicPr>
                 <p:cNvPr id="42" name="Ink 41">
@@ -8660,8 +9043,8 @@
             </p:pic>
           </mc:Fallback>
         </mc:AlternateContent>
-        <mc:AlternateContent xmlns:mc="http://schemas.openxmlformats.org/markup-compatibility/2006">
-          <mc:Choice xmlns:p14="http://schemas.microsoft.com/office/powerpoint/2010/main" Requires="p14">
+        <mc:AlternateContent xmlns:mc="http://schemas.openxmlformats.org/markup-compatibility/2006" xmlns:p14="http://schemas.microsoft.com/office/powerpoint/2010/main">
+          <mc:Choice Requires="p14">
             <p:contentPart p14:bwMode="auto" r:id="rId36">
               <p14:nvContentPartPr>
                 <p14:cNvPr id="44" name="Ink 43">
@@ -8680,7 +9063,7 @@
               </p14:xfrm>
             </p:contentPart>
           </mc:Choice>
-          <mc:Fallback>
+          <mc:Fallback xmlns="">
             <p:pic>
               <p:nvPicPr>
                 <p:cNvPr id="44" name="Ink 43">
@@ -8711,8 +9094,8 @@
             </p:pic>
           </mc:Fallback>
         </mc:AlternateContent>
-        <mc:AlternateContent xmlns:mc="http://schemas.openxmlformats.org/markup-compatibility/2006">
-          <mc:Choice xmlns:p14="http://schemas.microsoft.com/office/powerpoint/2010/main" Requires="p14">
+        <mc:AlternateContent xmlns:mc="http://schemas.openxmlformats.org/markup-compatibility/2006" xmlns:p14="http://schemas.microsoft.com/office/powerpoint/2010/main">
+          <mc:Choice Requires="p14">
             <p:contentPart p14:bwMode="auto" r:id="rId38">
               <p14:nvContentPartPr>
                 <p14:cNvPr id="46" name="Ink 45">
@@ -8731,7 +9114,7 @@
               </p14:xfrm>
             </p:contentPart>
           </mc:Choice>
-          <mc:Fallback>
+          <mc:Fallback xmlns="">
             <p:pic>
               <p:nvPicPr>
                 <p:cNvPr id="46" name="Ink 45">
@@ -8762,8 +9145,8 @@
             </p:pic>
           </mc:Fallback>
         </mc:AlternateContent>
-        <mc:AlternateContent xmlns:mc="http://schemas.openxmlformats.org/markup-compatibility/2006">
-          <mc:Choice xmlns:p14="http://schemas.microsoft.com/office/powerpoint/2010/main" Requires="p14">
+        <mc:AlternateContent xmlns:mc="http://schemas.openxmlformats.org/markup-compatibility/2006" xmlns:p14="http://schemas.microsoft.com/office/powerpoint/2010/main">
+          <mc:Choice Requires="p14">
             <p:contentPart p14:bwMode="auto" r:id="rId40">
               <p14:nvContentPartPr>
                 <p14:cNvPr id="48" name="Ink 47">
@@ -8782,7 +9165,7 @@
               </p14:xfrm>
             </p:contentPart>
           </mc:Choice>
-          <mc:Fallback>
+          <mc:Fallback xmlns="">
             <p:pic>
               <p:nvPicPr>
                 <p:cNvPr id="48" name="Ink 47">
@@ -8814,8 +9197,8 @@
           </mc:Fallback>
         </mc:AlternateContent>
       </p:grpSp>
-      <mc:AlternateContent xmlns:mc="http://schemas.openxmlformats.org/markup-compatibility/2006">
-        <mc:Choice xmlns:p14="http://schemas.microsoft.com/office/powerpoint/2010/main" Requires="p14">
+      <mc:AlternateContent xmlns:mc="http://schemas.openxmlformats.org/markup-compatibility/2006" xmlns:p14="http://schemas.microsoft.com/office/powerpoint/2010/main">
+        <mc:Choice Requires="p14">
           <p:contentPart p14:bwMode="auto" r:id="rId42">
             <p14:nvContentPartPr>
               <p14:cNvPr id="54" name="Ink 53">
@@ -8834,7 +9217,7 @@
             </p14:xfrm>
           </p:contentPart>
         </mc:Choice>
-        <mc:Fallback>
+        <mc:Fallback xmlns="">
           <p:pic>
             <p:nvPicPr>
               <p:cNvPr id="54" name="Ink 53">
@@ -8865,8 +9248,8 @@
           </p:pic>
         </mc:Fallback>
       </mc:AlternateContent>
-      <mc:AlternateContent xmlns:mc="http://schemas.openxmlformats.org/markup-compatibility/2006">
-        <mc:Choice xmlns:p14="http://schemas.microsoft.com/office/powerpoint/2010/main" Requires="p14">
+      <mc:AlternateContent xmlns:mc="http://schemas.openxmlformats.org/markup-compatibility/2006" xmlns:p14="http://schemas.microsoft.com/office/powerpoint/2010/main">
+        <mc:Choice Requires="p14">
           <p:contentPart p14:bwMode="auto" r:id="rId44">
             <p14:nvContentPartPr>
               <p14:cNvPr id="56" name="Ink 55">
@@ -8885,7 +9268,7 @@
             </p14:xfrm>
           </p:contentPart>
         </mc:Choice>
-        <mc:Fallback>
+        <mc:Fallback xmlns="">
           <p:pic>
             <p:nvPicPr>
               <p:cNvPr id="56" name="Ink 55">
@@ -8916,8 +9299,8 @@
           </p:pic>
         </mc:Fallback>
       </mc:AlternateContent>
-      <mc:AlternateContent xmlns:mc="http://schemas.openxmlformats.org/markup-compatibility/2006">
-        <mc:Choice xmlns:p14="http://schemas.microsoft.com/office/powerpoint/2010/main" Requires="p14">
+      <mc:AlternateContent xmlns:mc="http://schemas.openxmlformats.org/markup-compatibility/2006" xmlns:p14="http://schemas.microsoft.com/office/powerpoint/2010/main">
+        <mc:Choice Requires="p14">
           <p:contentPart p14:bwMode="auto" r:id="rId46">
             <p14:nvContentPartPr>
               <p14:cNvPr id="58" name="Ink 57">
@@ -8936,7 +9319,7 @@
             </p14:xfrm>
           </p:contentPart>
         </mc:Choice>
-        <mc:Fallback>
+        <mc:Fallback xmlns="">
           <p:pic>
             <p:nvPicPr>
               <p:cNvPr id="58" name="Ink 57">
@@ -9075,8 +9458,8 @@
             <a:chExt cx="83880" cy="234360"/>
           </a:xfrm>
         </p:grpSpPr>
-        <mc:AlternateContent xmlns:mc="http://schemas.openxmlformats.org/markup-compatibility/2006">
-          <mc:Choice xmlns:p14="http://schemas.microsoft.com/office/powerpoint/2010/main" Requires="p14">
+        <mc:AlternateContent xmlns:mc="http://schemas.openxmlformats.org/markup-compatibility/2006" xmlns:p14="http://schemas.microsoft.com/office/powerpoint/2010/main">
+          <mc:Choice Requires="p14">
             <p:contentPart p14:bwMode="auto" r:id="rId47">
               <p14:nvContentPartPr>
                 <p14:cNvPr id="100" name="Ink 99">
@@ -9095,7 +9478,7 @@
               </p14:xfrm>
             </p:contentPart>
           </mc:Choice>
-          <mc:Fallback>
+          <mc:Fallback xmlns="">
             <p:pic>
               <p:nvPicPr>
                 <p:cNvPr id="100" name="Ink 99">
@@ -9126,8 +9509,8 @@
             </p:pic>
           </mc:Fallback>
         </mc:AlternateContent>
-        <mc:AlternateContent xmlns:mc="http://schemas.openxmlformats.org/markup-compatibility/2006">
-          <mc:Choice xmlns:p14="http://schemas.microsoft.com/office/powerpoint/2010/main" Requires="p14">
+        <mc:AlternateContent xmlns:mc="http://schemas.openxmlformats.org/markup-compatibility/2006" xmlns:p14="http://schemas.microsoft.com/office/powerpoint/2010/main">
+          <mc:Choice Requires="p14">
             <p:contentPart p14:bwMode="auto" r:id="rId49">
               <p14:nvContentPartPr>
                 <p14:cNvPr id="101" name="Ink 100">
@@ -9146,7 +9529,7 @@
               </p14:xfrm>
             </p:contentPart>
           </mc:Choice>
-          <mc:Fallback>
+          <mc:Fallback xmlns="">
             <p:pic>
               <p:nvPicPr>
                 <p:cNvPr id="101" name="Ink 100">
@@ -9198,8 +9581,8 @@
             <a:chExt cx="293400" cy="207720"/>
           </a:xfrm>
         </p:grpSpPr>
-        <mc:AlternateContent xmlns:mc="http://schemas.openxmlformats.org/markup-compatibility/2006">
-          <mc:Choice xmlns:p14="http://schemas.microsoft.com/office/powerpoint/2010/main" Requires="p14">
+        <mc:AlternateContent xmlns:mc="http://schemas.openxmlformats.org/markup-compatibility/2006" xmlns:p14="http://schemas.microsoft.com/office/powerpoint/2010/main">
+          <mc:Choice Requires="p14">
             <p:contentPart p14:bwMode="auto" r:id="rId51">
               <p14:nvContentPartPr>
                 <p14:cNvPr id="105" name="Ink 104">
@@ -9218,7 +9601,7 @@
               </p14:xfrm>
             </p:contentPart>
           </mc:Choice>
-          <mc:Fallback>
+          <mc:Fallback xmlns="">
             <p:pic>
               <p:nvPicPr>
                 <p:cNvPr id="105" name="Ink 104">
@@ -9249,8 +9632,8 @@
             </p:pic>
           </mc:Fallback>
         </mc:AlternateContent>
-        <mc:AlternateContent xmlns:mc="http://schemas.openxmlformats.org/markup-compatibility/2006">
-          <mc:Choice xmlns:p14="http://schemas.microsoft.com/office/powerpoint/2010/main" Requires="p14">
+        <mc:AlternateContent xmlns:mc="http://schemas.openxmlformats.org/markup-compatibility/2006" xmlns:p14="http://schemas.microsoft.com/office/powerpoint/2010/main">
+          <mc:Choice Requires="p14">
             <p:contentPart p14:bwMode="auto" r:id="rId53">
               <p14:nvContentPartPr>
                 <p14:cNvPr id="106" name="Ink 105">
@@ -9269,7 +9652,7 @@
               </p14:xfrm>
             </p:contentPart>
           </mc:Choice>
-          <mc:Fallback>
+          <mc:Fallback xmlns="">
             <p:pic>
               <p:nvPicPr>
                 <p:cNvPr id="106" name="Ink 105">
@@ -9300,8 +9683,8 @@
             </p:pic>
           </mc:Fallback>
         </mc:AlternateContent>
-        <mc:AlternateContent xmlns:mc="http://schemas.openxmlformats.org/markup-compatibility/2006">
-          <mc:Choice xmlns:p14="http://schemas.microsoft.com/office/powerpoint/2010/main" Requires="p14">
+        <mc:AlternateContent xmlns:mc="http://schemas.openxmlformats.org/markup-compatibility/2006" xmlns:p14="http://schemas.microsoft.com/office/powerpoint/2010/main">
+          <mc:Choice Requires="p14">
             <p:contentPart p14:bwMode="auto" r:id="rId55">
               <p14:nvContentPartPr>
                 <p14:cNvPr id="108" name="Ink 107">
@@ -9320,7 +9703,7 @@
               </p14:xfrm>
             </p:contentPart>
           </mc:Choice>
-          <mc:Fallback>
+          <mc:Fallback xmlns="">
             <p:pic>
               <p:nvPicPr>
                 <p:cNvPr id="108" name="Ink 107">
@@ -9351,8 +9734,8 @@
             </p:pic>
           </mc:Fallback>
         </mc:AlternateContent>
-        <mc:AlternateContent xmlns:mc="http://schemas.openxmlformats.org/markup-compatibility/2006">
-          <mc:Choice xmlns:p14="http://schemas.microsoft.com/office/powerpoint/2010/main" Requires="p14">
+        <mc:AlternateContent xmlns:mc="http://schemas.openxmlformats.org/markup-compatibility/2006" xmlns:p14="http://schemas.microsoft.com/office/powerpoint/2010/main">
+          <mc:Choice Requires="p14">
             <p:contentPart p14:bwMode="auto" r:id="rId57">
               <p14:nvContentPartPr>
                 <p14:cNvPr id="110" name="Ink 109">
@@ -9371,7 +9754,7 @@
               </p14:xfrm>
             </p:contentPart>
           </mc:Choice>
-          <mc:Fallback>
+          <mc:Fallback xmlns="">
             <p:pic>
               <p:nvPicPr>
                 <p:cNvPr id="110" name="Ink 109">
@@ -9460,8 +9843,8 @@
           </a:p>
         </p:txBody>
       </p:sp>
-      <mc:AlternateContent xmlns:mc="http://schemas.openxmlformats.org/markup-compatibility/2006">
-        <mc:Choice xmlns:p14="http://schemas.microsoft.com/office/powerpoint/2010/main" Requires="p14">
+      <mc:AlternateContent xmlns:mc="http://schemas.openxmlformats.org/markup-compatibility/2006" xmlns:p14="http://schemas.microsoft.com/office/powerpoint/2010/main">
+        <mc:Choice Requires="p14">
           <p:contentPart p14:bwMode="auto" r:id="rId59">
             <p14:nvContentPartPr>
               <p14:cNvPr id="112" name="Ink 111">
@@ -9480,7 +9863,7 @@
             </p14:xfrm>
           </p:contentPart>
         </mc:Choice>
-        <mc:Fallback>
+        <mc:Fallback xmlns="">
           <p:pic>
             <p:nvPicPr>
               <p:cNvPr id="112" name="Ink 111">
@@ -9511,8 +9894,8 @@
           </p:pic>
         </mc:Fallback>
       </mc:AlternateContent>
-      <mc:AlternateContent xmlns:mc="http://schemas.openxmlformats.org/markup-compatibility/2006">
-        <mc:Choice xmlns:p14="http://schemas.microsoft.com/office/powerpoint/2010/main" Requires="p14">
+      <mc:AlternateContent xmlns:mc="http://schemas.openxmlformats.org/markup-compatibility/2006" xmlns:p14="http://schemas.microsoft.com/office/powerpoint/2010/main">
+        <mc:Choice Requires="p14">
           <p:contentPart p14:bwMode="auto" r:id="rId61">
             <p14:nvContentPartPr>
               <p14:cNvPr id="113" name="Ink 112">
@@ -9531,7 +9914,7 @@
             </p14:xfrm>
           </p:contentPart>
         </mc:Choice>
-        <mc:Fallback>
+        <mc:Fallback xmlns="">
           <p:pic>
             <p:nvPicPr>
               <p:cNvPr id="113" name="Ink 112">
@@ -9562,8 +9945,8 @@
           </p:pic>
         </mc:Fallback>
       </mc:AlternateContent>
-      <mc:AlternateContent xmlns:mc="http://schemas.openxmlformats.org/markup-compatibility/2006">
-        <mc:Choice xmlns:p14="http://schemas.microsoft.com/office/powerpoint/2010/main" Requires="p14">
+      <mc:AlternateContent xmlns:mc="http://schemas.openxmlformats.org/markup-compatibility/2006" xmlns:p14="http://schemas.microsoft.com/office/powerpoint/2010/main">
+        <mc:Choice Requires="p14">
           <p:contentPart p14:bwMode="auto" r:id="rId63">
             <p14:nvContentPartPr>
               <p14:cNvPr id="115" name="Ink 114">
@@ -9582,7 +9965,7 @@
             </p14:xfrm>
           </p:contentPart>
         </mc:Choice>
-        <mc:Fallback>
+        <mc:Fallback xmlns="">
           <p:pic>
             <p:nvPicPr>
               <p:cNvPr id="115" name="Ink 114">
@@ -9613,8 +9996,8 @@
           </p:pic>
         </mc:Fallback>
       </mc:AlternateContent>
-      <mc:AlternateContent xmlns:mc="http://schemas.openxmlformats.org/markup-compatibility/2006">
-        <mc:Choice xmlns:p14="http://schemas.microsoft.com/office/powerpoint/2010/main" Requires="p14">
+      <mc:AlternateContent xmlns:mc="http://schemas.openxmlformats.org/markup-compatibility/2006" xmlns:p14="http://schemas.microsoft.com/office/powerpoint/2010/main">
+        <mc:Choice Requires="p14">
           <p:contentPart p14:bwMode="auto" r:id="rId65">
             <p14:nvContentPartPr>
               <p14:cNvPr id="117" name="Ink 116">
@@ -9633,7 +10016,7 @@
             </p14:xfrm>
           </p:contentPart>
         </mc:Choice>
-        <mc:Fallback>
+        <mc:Fallback xmlns="">
           <p:pic>
             <p:nvPicPr>
               <p:cNvPr id="117" name="Ink 116">
@@ -9664,8 +10047,8 @@
           </p:pic>
         </mc:Fallback>
       </mc:AlternateContent>
-      <mc:AlternateContent xmlns:mc="http://schemas.openxmlformats.org/markup-compatibility/2006">
-        <mc:Choice xmlns:p14="http://schemas.microsoft.com/office/powerpoint/2010/main" Requires="p14">
+      <mc:AlternateContent xmlns:mc="http://schemas.openxmlformats.org/markup-compatibility/2006" xmlns:p14="http://schemas.microsoft.com/office/powerpoint/2010/main">
+        <mc:Choice Requires="p14">
           <p:contentPart p14:bwMode="auto" r:id="rId67">
             <p14:nvContentPartPr>
               <p14:cNvPr id="119" name="Ink 118">
@@ -9684,7 +10067,7 @@
             </p14:xfrm>
           </p:contentPart>
         </mc:Choice>
-        <mc:Fallback>
+        <mc:Fallback xmlns="">
           <p:pic>
             <p:nvPicPr>
               <p:cNvPr id="119" name="Ink 118">
@@ -9715,8 +10098,8 @@
           </p:pic>
         </mc:Fallback>
       </mc:AlternateContent>
-      <mc:AlternateContent xmlns:mc="http://schemas.openxmlformats.org/markup-compatibility/2006">
-        <mc:Choice xmlns:p14="http://schemas.microsoft.com/office/powerpoint/2010/main" Requires="p14">
+      <mc:AlternateContent xmlns:mc="http://schemas.openxmlformats.org/markup-compatibility/2006" xmlns:p14="http://schemas.microsoft.com/office/powerpoint/2010/main">
+        <mc:Choice Requires="p14">
           <p:contentPart p14:bwMode="auto" r:id="rId68">
             <p14:nvContentPartPr>
               <p14:cNvPr id="121" name="Ink 120">
@@ -9735,7 +10118,7 @@
             </p14:xfrm>
           </p:contentPart>
         </mc:Choice>
-        <mc:Fallback>
+        <mc:Fallback xmlns="">
           <p:pic>
             <p:nvPicPr>
               <p:cNvPr id="121" name="Ink 120">
@@ -9766,8 +10149,8 @@
           </p:pic>
         </mc:Fallback>
       </mc:AlternateContent>
-      <mc:AlternateContent xmlns:mc="http://schemas.openxmlformats.org/markup-compatibility/2006">
-        <mc:Choice xmlns:p14="http://schemas.microsoft.com/office/powerpoint/2010/main" Requires="p14">
+      <mc:AlternateContent xmlns:mc="http://schemas.openxmlformats.org/markup-compatibility/2006" xmlns:p14="http://schemas.microsoft.com/office/powerpoint/2010/main">
+        <mc:Choice Requires="p14">
           <p:contentPart p14:bwMode="auto" r:id="rId70">
             <p14:nvContentPartPr>
               <p14:cNvPr id="123" name="Ink 122">
@@ -9786,7 +10169,7 @@
             </p14:xfrm>
           </p:contentPart>
         </mc:Choice>
-        <mc:Fallback>
+        <mc:Fallback xmlns="">
           <p:pic>
             <p:nvPicPr>
               <p:cNvPr id="123" name="Ink 122">
@@ -9817,8 +10200,8 @@
           </p:pic>
         </mc:Fallback>
       </mc:AlternateContent>
-      <mc:AlternateContent xmlns:mc="http://schemas.openxmlformats.org/markup-compatibility/2006">
-        <mc:Choice xmlns:p14="http://schemas.microsoft.com/office/powerpoint/2010/main" Requires="p14">
+      <mc:AlternateContent xmlns:mc="http://schemas.openxmlformats.org/markup-compatibility/2006" xmlns:p14="http://schemas.microsoft.com/office/powerpoint/2010/main">
+        <mc:Choice Requires="p14">
           <p:contentPart p14:bwMode="auto" r:id="rId72">
             <p14:nvContentPartPr>
               <p14:cNvPr id="125" name="Ink 124">
@@ -9837,7 +10220,7 @@
             </p14:xfrm>
           </p:contentPart>
         </mc:Choice>
-        <mc:Fallback>
+        <mc:Fallback xmlns="">
           <p:pic>
             <p:nvPicPr>
               <p:cNvPr id="125" name="Ink 124">
@@ -9888,8 +10271,8 @@
             <a:chExt cx="19440" cy="1276560"/>
           </a:xfrm>
         </p:grpSpPr>
-        <mc:AlternateContent xmlns:mc="http://schemas.openxmlformats.org/markup-compatibility/2006">
-          <mc:Choice xmlns:p14="http://schemas.microsoft.com/office/powerpoint/2010/main" Requires="p14">
+        <mc:AlternateContent xmlns:mc="http://schemas.openxmlformats.org/markup-compatibility/2006" xmlns:p14="http://schemas.microsoft.com/office/powerpoint/2010/main">
+          <mc:Choice Requires="p14">
             <p:contentPart p14:bwMode="auto" r:id="rId74">
               <p14:nvContentPartPr>
                 <p14:cNvPr id="127" name="Ink 126">
@@ -9908,7 +10291,7 @@
               </p14:xfrm>
             </p:contentPart>
           </mc:Choice>
-          <mc:Fallback>
+          <mc:Fallback xmlns="">
             <p:pic>
               <p:nvPicPr>
                 <p:cNvPr id="127" name="Ink 126">
@@ -9939,8 +10322,8 @@
             </p:pic>
           </mc:Fallback>
         </mc:AlternateContent>
-        <mc:AlternateContent xmlns:mc="http://schemas.openxmlformats.org/markup-compatibility/2006">
-          <mc:Choice xmlns:p14="http://schemas.microsoft.com/office/powerpoint/2010/main" Requires="p14">
+        <mc:AlternateContent xmlns:mc="http://schemas.openxmlformats.org/markup-compatibility/2006" xmlns:p14="http://schemas.microsoft.com/office/powerpoint/2010/main">
+          <mc:Choice Requires="p14">
             <p:contentPart p14:bwMode="auto" r:id="rId76">
               <p14:nvContentPartPr>
                 <p14:cNvPr id="129" name="Ink 128">
@@ -9959,7 +10342,7 @@
               </p14:xfrm>
             </p:contentPart>
           </mc:Choice>
-          <mc:Fallback>
+          <mc:Fallback xmlns="">
             <p:pic>
               <p:nvPicPr>
                 <p:cNvPr id="129" name="Ink 128">
@@ -9990,8 +10373,8 @@
             </p:pic>
           </mc:Fallback>
         </mc:AlternateContent>
-        <mc:AlternateContent xmlns:mc="http://schemas.openxmlformats.org/markup-compatibility/2006">
-          <mc:Choice xmlns:p14="http://schemas.microsoft.com/office/powerpoint/2010/main" Requires="p14">
+        <mc:AlternateContent xmlns:mc="http://schemas.openxmlformats.org/markup-compatibility/2006" xmlns:p14="http://schemas.microsoft.com/office/powerpoint/2010/main">
+          <mc:Choice Requires="p14">
             <p:contentPart p14:bwMode="auto" r:id="rId78">
               <p14:nvContentPartPr>
                 <p14:cNvPr id="131" name="Ink 130">
@@ -10010,7 +10393,7 @@
               </p14:xfrm>
             </p:contentPart>
           </mc:Choice>
-          <mc:Fallback>
+          <mc:Fallback xmlns="">
             <p:pic>
               <p:nvPicPr>
                 <p:cNvPr id="131" name="Ink 130">
@@ -10041,8 +10424,8 @@
             </p:pic>
           </mc:Fallback>
         </mc:AlternateContent>
-        <mc:AlternateContent xmlns:mc="http://schemas.openxmlformats.org/markup-compatibility/2006">
-          <mc:Choice xmlns:p14="http://schemas.microsoft.com/office/powerpoint/2010/main" Requires="p14">
+        <mc:AlternateContent xmlns:mc="http://schemas.openxmlformats.org/markup-compatibility/2006" xmlns:p14="http://schemas.microsoft.com/office/powerpoint/2010/main">
+          <mc:Choice Requires="p14">
             <p:contentPart p14:bwMode="auto" r:id="rId79">
               <p14:nvContentPartPr>
                 <p14:cNvPr id="133" name="Ink 132">
@@ -10061,7 +10444,7 @@
               </p14:xfrm>
             </p:contentPart>
           </mc:Choice>
-          <mc:Fallback>
+          <mc:Fallback xmlns="">
             <p:pic>
               <p:nvPicPr>
                 <p:cNvPr id="133" name="Ink 132">
@@ -10092,8 +10475,8 @@
             </p:pic>
           </mc:Fallback>
         </mc:AlternateContent>
-        <mc:AlternateContent xmlns:mc="http://schemas.openxmlformats.org/markup-compatibility/2006">
-          <mc:Choice xmlns:p14="http://schemas.microsoft.com/office/powerpoint/2010/main" Requires="p14">
+        <mc:AlternateContent xmlns:mc="http://schemas.openxmlformats.org/markup-compatibility/2006" xmlns:p14="http://schemas.microsoft.com/office/powerpoint/2010/main">
+          <mc:Choice Requires="p14">
             <p:contentPart p14:bwMode="auto" r:id="rId81">
               <p14:nvContentPartPr>
                 <p14:cNvPr id="135" name="Ink 134">
@@ -10112,7 +10495,7 @@
               </p14:xfrm>
             </p:contentPart>
           </mc:Choice>
-          <mc:Fallback>
+          <mc:Fallback xmlns="">
             <p:pic>
               <p:nvPicPr>
                 <p:cNvPr id="135" name="Ink 134">
@@ -10143,8 +10526,8 @@
             </p:pic>
           </mc:Fallback>
         </mc:AlternateContent>
-        <mc:AlternateContent xmlns:mc="http://schemas.openxmlformats.org/markup-compatibility/2006">
-          <mc:Choice xmlns:p14="http://schemas.microsoft.com/office/powerpoint/2010/main" Requires="p14">
+        <mc:AlternateContent xmlns:mc="http://schemas.openxmlformats.org/markup-compatibility/2006" xmlns:p14="http://schemas.microsoft.com/office/powerpoint/2010/main">
+          <mc:Choice Requires="p14">
             <p:contentPart p14:bwMode="auto" r:id="rId83">
               <p14:nvContentPartPr>
                 <p14:cNvPr id="137" name="Ink 136">
@@ -10163,7 +10546,7 @@
               </p14:xfrm>
             </p:contentPart>
           </mc:Choice>
-          <mc:Fallback>
+          <mc:Fallback xmlns="">
             <p:pic>
               <p:nvPicPr>
                 <p:cNvPr id="137" name="Ink 136">
@@ -10194,8 +10577,8 @@
             </p:pic>
           </mc:Fallback>
         </mc:AlternateContent>
-        <mc:AlternateContent xmlns:mc="http://schemas.openxmlformats.org/markup-compatibility/2006">
-          <mc:Choice xmlns:p14="http://schemas.microsoft.com/office/powerpoint/2010/main" Requires="p14">
+        <mc:AlternateContent xmlns:mc="http://schemas.openxmlformats.org/markup-compatibility/2006" xmlns:p14="http://schemas.microsoft.com/office/powerpoint/2010/main">
+          <mc:Choice Requires="p14">
             <p:contentPart p14:bwMode="auto" r:id="rId85">
               <p14:nvContentPartPr>
                 <p14:cNvPr id="139" name="Ink 138">
@@ -10214,7 +10597,7 @@
               </p14:xfrm>
             </p:contentPart>
           </mc:Choice>
-          <mc:Fallback>
+          <mc:Fallback xmlns="">
             <p:pic>
               <p:nvPicPr>
                 <p:cNvPr id="139" name="Ink 138">
@@ -10245,8 +10628,8 @@
             </p:pic>
           </mc:Fallback>
         </mc:AlternateContent>
-        <mc:AlternateContent xmlns:mc="http://schemas.openxmlformats.org/markup-compatibility/2006">
-          <mc:Choice xmlns:p14="http://schemas.microsoft.com/office/powerpoint/2010/main" Requires="p14">
+        <mc:AlternateContent xmlns:mc="http://schemas.openxmlformats.org/markup-compatibility/2006" xmlns:p14="http://schemas.microsoft.com/office/powerpoint/2010/main">
+          <mc:Choice Requires="p14">
             <p:contentPart p14:bwMode="auto" r:id="rId87">
               <p14:nvContentPartPr>
                 <p14:cNvPr id="141" name="Ink 140">
@@ -10265,7 +10648,7 @@
               </p14:xfrm>
             </p:contentPart>
           </mc:Choice>
-          <mc:Fallback>
+          <mc:Fallback xmlns="">
             <p:pic>
               <p:nvPicPr>
                 <p:cNvPr id="141" name="Ink 140">
@@ -10317,8 +10700,8 @@
             <a:chExt cx="7920" cy="339840"/>
           </a:xfrm>
         </p:grpSpPr>
-        <mc:AlternateContent xmlns:mc="http://schemas.openxmlformats.org/markup-compatibility/2006">
-          <mc:Choice xmlns:p14="http://schemas.microsoft.com/office/powerpoint/2010/main" Requires="p14">
+        <mc:AlternateContent xmlns:mc="http://schemas.openxmlformats.org/markup-compatibility/2006" xmlns:p14="http://schemas.microsoft.com/office/powerpoint/2010/main">
+          <mc:Choice Requires="p14">
             <p:contentPart p14:bwMode="auto" r:id="rId89">
               <p14:nvContentPartPr>
                 <p14:cNvPr id="143" name="Ink 142">
@@ -10337,7 +10720,7 @@
               </p14:xfrm>
             </p:contentPart>
           </mc:Choice>
-          <mc:Fallback>
+          <mc:Fallback xmlns="">
             <p:pic>
               <p:nvPicPr>
                 <p:cNvPr id="143" name="Ink 142">
@@ -10368,8 +10751,8 @@
             </p:pic>
           </mc:Fallback>
         </mc:AlternateContent>
-        <mc:AlternateContent xmlns:mc="http://schemas.openxmlformats.org/markup-compatibility/2006">
-          <mc:Choice xmlns:p14="http://schemas.microsoft.com/office/powerpoint/2010/main" Requires="p14">
+        <mc:AlternateContent xmlns:mc="http://schemas.openxmlformats.org/markup-compatibility/2006" xmlns:p14="http://schemas.microsoft.com/office/powerpoint/2010/main">
+          <mc:Choice Requires="p14">
             <p:contentPart p14:bwMode="auto" r:id="rId91">
               <p14:nvContentPartPr>
                 <p14:cNvPr id="144" name="Ink 143">
@@ -10388,7 +10771,7 @@
               </p14:xfrm>
             </p:contentPart>
           </mc:Choice>
-          <mc:Fallback>
+          <mc:Fallback xmlns="">
             <p:pic>
               <p:nvPicPr>
                 <p:cNvPr id="144" name="Ink 143">
@@ -10419,8 +10802,8 @@
             </p:pic>
           </mc:Fallback>
         </mc:AlternateContent>
-        <mc:AlternateContent xmlns:mc="http://schemas.openxmlformats.org/markup-compatibility/2006">
-          <mc:Choice xmlns:p14="http://schemas.microsoft.com/office/powerpoint/2010/main" Requires="p14">
+        <mc:AlternateContent xmlns:mc="http://schemas.openxmlformats.org/markup-compatibility/2006" xmlns:p14="http://schemas.microsoft.com/office/powerpoint/2010/main">
+          <mc:Choice Requires="p14">
             <p:contentPart p14:bwMode="auto" r:id="rId93">
               <p14:nvContentPartPr>
                 <p14:cNvPr id="146" name="Ink 145">
@@ -10439,7 +10822,7 @@
               </p14:xfrm>
             </p:contentPart>
           </mc:Choice>
-          <mc:Fallback>
+          <mc:Fallback xmlns="">
             <p:pic>
               <p:nvPicPr>
                 <p:cNvPr id="146" name="Ink 145">
@@ -10491,8 +10874,8 @@
             <a:chExt cx="2880" cy="132120"/>
           </a:xfrm>
         </p:grpSpPr>
-        <mc:AlternateContent xmlns:mc="http://schemas.openxmlformats.org/markup-compatibility/2006">
-          <mc:Choice xmlns:p14="http://schemas.microsoft.com/office/powerpoint/2010/main" Requires="p14">
+        <mc:AlternateContent xmlns:mc="http://schemas.openxmlformats.org/markup-compatibility/2006" xmlns:p14="http://schemas.microsoft.com/office/powerpoint/2010/main">
+          <mc:Choice Requires="p14">
             <p:contentPart p14:bwMode="auto" r:id="rId95">
               <p14:nvContentPartPr>
                 <p14:cNvPr id="148" name="Ink 147">
@@ -10511,7 +10894,7 @@
               </p14:xfrm>
             </p:contentPart>
           </mc:Choice>
-          <mc:Fallback>
+          <mc:Fallback xmlns="">
             <p:pic>
               <p:nvPicPr>
                 <p:cNvPr id="148" name="Ink 147">
@@ -10542,8 +10925,8 @@
             </p:pic>
           </mc:Fallback>
         </mc:AlternateContent>
-        <mc:AlternateContent xmlns:mc="http://schemas.openxmlformats.org/markup-compatibility/2006">
-          <mc:Choice xmlns:p14="http://schemas.microsoft.com/office/powerpoint/2010/main" Requires="p14">
+        <mc:AlternateContent xmlns:mc="http://schemas.openxmlformats.org/markup-compatibility/2006" xmlns:p14="http://schemas.microsoft.com/office/powerpoint/2010/main">
+          <mc:Choice Requires="p14">
             <p:contentPart p14:bwMode="auto" r:id="rId97">
               <p14:nvContentPartPr>
                 <p14:cNvPr id="149" name="Ink 148">
@@ -10562,7 +10945,7 @@
               </p14:xfrm>
             </p:contentPart>
           </mc:Choice>
-          <mc:Fallback>
+          <mc:Fallback xmlns="">
             <p:pic>
               <p:nvPicPr>
                 <p:cNvPr id="149" name="Ink 148">
@@ -10594,8 +10977,8 @@
           </mc:Fallback>
         </mc:AlternateContent>
       </p:grpSp>
-      <mc:AlternateContent xmlns:mc="http://schemas.openxmlformats.org/markup-compatibility/2006">
-        <mc:Choice xmlns:p14="http://schemas.microsoft.com/office/powerpoint/2010/main" Requires="p14">
+      <mc:AlternateContent xmlns:mc="http://schemas.openxmlformats.org/markup-compatibility/2006" xmlns:p14="http://schemas.microsoft.com/office/powerpoint/2010/main">
+        <mc:Choice Requires="p14">
           <p:contentPart p14:bwMode="auto" r:id="rId99">
             <p14:nvContentPartPr>
               <p14:cNvPr id="151" name="Ink 150">
@@ -10614,7 +10997,7 @@
             </p14:xfrm>
           </p:contentPart>
         </mc:Choice>
-        <mc:Fallback>
+        <mc:Fallback xmlns="">
           <p:pic>
             <p:nvPicPr>
               <p:cNvPr id="151" name="Ink 150">
@@ -10645,8 +11028,8 @@
           </p:pic>
         </mc:Fallback>
       </mc:AlternateContent>
-      <mc:AlternateContent xmlns:mc="http://schemas.openxmlformats.org/markup-compatibility/2006">
-        <mc:Choice xmlns:p14="http://schemas.microsoft.com/office/powerpoint/2010/main" Requires="p14">
+      <mc:AlternateContent xmlns:mc="http://schemas.openxmlformats.org/markup-compatibility/2006" xmlns:p14="http://schemas.microsoft.com/office/powerpoint/2010/main">
+        <mc:Choice Requires="p14">
           <p:contentPart p14:bwMode="auto" r:id="rId101">
             <p14:nvContentPartPr>
               <p14:cNvPr id="152" name="Ink 151">
@@ -10665,7 +11048,7 @@
             </p14:xfrm>
           </p:contentPart>
         </mc:Choice>
-        <mc:Fallback>
+        <mc:Fallback xmlns="">
           <p:pic>
             <p:nvPicPr>
               <p:cNvPr id="152" name="Ink 151">
@@ -10716,8 +11099,8 @@
             <a:chExt cx="5760" cy="160920"/>
           </a:xfrm>
         </p:grpSpPr>
-        <mc:AlternateContent xmlns:mc="http://schemas.openxmlformats.org/markup-compatibility/2006">
-          <mc:Choice xmlns:p14="http://schemas.microsoft.com/office/powerpoint/2010/main" Requires="p14">
+        <mc:AlternateContent xmlns:mc="http://schemas.openxmlformats.org/markup-compatibility/2006" xmlns:p14="http://schemas.microsoft.com/office/powerpoint/2010/main">
+          <mc:Choice Requires="p14">
             <p:contentPart p14:bwMode="auto" r:id="rId103">
               <p14:nvContentPartPr>
                 <p14:cNvPr id="153" name="Ink 152">
@@ -10736,7 +11119,7 @@
               </p14:xfrm>
             </p:contentPart>
           </mc:Choice>
-          <mc:Fallback>
+          <mc:Fallback xmlns="">
             <p:pic>
               <p:nvPicPr>
                 <p:cNvPr id="153" name="Ink 152">
@@ -10767,8 +11150,8 @@
             </p:pic>
           </mc:Fallback>
         </mc:AlternateContent>
-        <mc:AlternateContent xmlns:mc="http://schemas.openxmlformats.org/markup-compatibility/2006">
-          <mc:Choice xmlns:p14="http://schemas.microsoft.com/office/powerpoint/2010/main" Requires="p14">
+        <mc:AlternateContent xmlns:mc="http://schemas.openxmlformats.org/markup-compatibility/2006" xmlns:p14="http://schemas.microsoft.com/office/powerpoint/2010/main">
+          <mc:Choice Requires="p14">
             <p:contentPart p14:bwMode="auto" r:id="rId105">
               <p14:nvContentPartPr>
                 <p14:cNvPr id="154" name="Ink 153">
@@ -10787,7 +11170,7 @@
               </p14:xfrm>
             </p:contentPart>
           </mc:Choice>
-          <mc:Fallback>
+          <mc:Fallback xmlns="">
             <p:pic>
               <p:nvPicPr>
                 <p:cNvPr id="154" name="Ink 153">
@@ -10819,8 +11202,8 @@
           </mc:Fallback>
         </mc:AlternateContent>
       </p:grpSp>
-      <mc:AlternateContent xmlns:mc="http://schemas.openxmlformats.org/markup-compatibility/2006">
-        <mc:Choice xmlns:p14="http://schemas.microsoft.com/office/powerpoint/2010/main" Requires="p14">
+      <mc:AlternateContent xmlns:mc="http://schemas.openxmlformats.org/markup-compatibility/2006" xmlns:p14="http://schemas.microsoft.com/office/powerpoint/2010/main">
+        <mc:Choice Requires="p14">
           <p:contentPart p14:bwMode="auto" r:id="rId106">
             <p14:nvContentPartPr>
               <p14:cNvPr id="156" name="Ink 155">
@@ -10839,7 +11222,7 @@
             </p14:xfrm>
           </p:contentPart>
         </mc:Choice>
-        <mc:Fallback>
+        <mc:Fallback xmlns="">
           <p:pic>
             <p:nvPicPr>
               <p:cNvPr id="156" name="Ink 155">
@@ -10890,8 +11273,8 @@
             <a:chExt cx="28800" cy="671400"/>
           </a:xfrm>
         </p:grpSpPr>
-        <mc:AlternateContent xmlns:mc="http://schemas.openxmlformats.org/markup-compatibility/2006">
-          <mc:Choice xmlns:p14="http://schemas.microsoft.com/office/powerpoint/2010/main" Requires="p14">
+        <mc:AlternateContent xmlns:mc="http://schemas.openxmlformats.org/markup-compatibility/2006" xmlns:p14="http://schemas.microsoft.com/office/powerpoint/2010/main">
+          <mc:Choice Requires="p14">
             <p:contentPart p14:bwMode="auto" r:id="rId107">
               <p14:nvContentPartPr>
                 <p14:cNvPr id="159" name="Ink 158">
@@ -10910,7 +11293,7 @@
               </p14:xfrm>
             </p:contentPart>
           </mc:Choice>
-          <mc:Fallback>
+          <mc:Fallback xmlns="">
             <p:pic>
               <p:nvPicPr>
                 <p:cNvPr id="159" name="Ink 158">
@@ -10941,8 +11324,8 @@
             </p:pic>
           </mc:Fallback>
         </mc:AlternateContent>
-        <mc:AlternateContent xmlns:mc="http://schemas.openxmlformats.org/markup-compatibility/2006">
-          <mc:Choice xmlns:p14="http://schemas.microsoft.com/office/powerpoint/2010/main" Requires="p14">
+        <mc:AlternateContent xmlns:mc="http://schemas.openxmlformats.org/markup-compatibility/2006" xmlns:p14="http://schemas.microsoft.com/office/powerpoint/2010/main">
+          <mc:Choice Requires="p14">
             <p:contentPart p14:bwMode="auto" r:id="rId109">
               <p14:nvContentPartPr>
                 <p14:cNvPr id="160" name="Ink 159">
@@ -10961,7 +11344,7 @@
               </p14:xfrm>
             </p:contentPart>
           </mc:Choice>
-          <mc:Fallback>
+          <mc:Fallback xmlns="">
             <p:pic>
               <p:nvPicPr>
                 <p:cNvPr id="160" name="Ink 159">
@@ -10992,8 +11375,8 @@
             </p:pic>
           </mc:Fallback>
         </mc:AlternateContent>
-        <mc:AlternateContent xmlns:mc="http://schemas.openxmlformats.org/markup-compatibility/2006">
-          <mc:Choice xmlns:p14="http://schemas.microsoft.com/office/powerpoint/2010/main" Requires="p14">
+        <mc:AlternateContent xmlns:mc="http://schemas.openxmlformats.org/markup-compatibility/2006" xmlns:p14="http://schemas.microsoft.com/office/powerpoint/2010/main">
+          <mc:Choice Requires="p14">
             <p:contentPart p14:bwMode="auto" r:id="rId111">
               <p14:nvContentPartPr>
                 <p14:cNvPr id="162" name="Ink 161">
@@ -11012,7 +11395,7 @@
               </p14:xfrm>
             </p:contentPart>
           </mc:Choice>
-          <mc:Fallback>
+          <mc:Fallback xmlns="">
             <p:pic>
               <p:nvPicPr>
                 <p:cNvPr id="162" name="Ink 161">
@@ -11043,8 +11426,8 @@
             </p:pic>
           </mc:Fallback>
         </mc:AlternateContent>
-        <mc:AlternateContent xmlns:mc="http://schemas.openxmlformats.org/markup-compatibility/2006">
-          <mc:Choice xmlns:p14="http://schemas.microsoft.com/office/powerpoint/2010/main" Requires="p14">
+        <mc:AlternateContent xmlns:mc="http://schemas.openxmlformats.org/markup-compatibility/2006" xmlns:p14="http://schemas.microsoft.com/office/powerpoint/2010/main">
+          <mc:Choice Requires="p14">
             <p:contentPart p14:bwMode="auto" r:id="rId112">
               <p14:nvContentPartPr>
                 <p14:cNvPr id="164" name="Ink 163">
@@ -11063,7 +11446,7 @@
               </p14:xfrm>
             </p:contentPart>
           </mc:Choice>
-          <mc:Fallback>
+          <mc:Fallback xmlns="">
             <p:pic>
               <p:nvPicPr>
                 <p:cNvPr id="164" name="Ink 163">
@@ -11094,8 +11477,8 @@
             </p:pic>
           </mc:Fallback>
         </mc:AlternateContent>
-        <mc:AlternateContent xmlns:mc="http://schemas.openxmlformats.org/markup-compatibility/2006">
-          <mc:Choice xmlns:p14="http://schemas.microsoft.com/office/powerpoint/2010/main" Requires="p14">
+        <mc:AlternateContent xmlns:mc="http://schemas.openxmlformats.org/markup-compatibility/2006" xmlns:p14="http://schemas.microsoft.com/office/powerpoint/2010/main">
+          <mc:Choice Requires="p14">
             <p:contentPart p14:bwMode="auto" r:id="rId114">
               <p14:nvContentPartPr>
                 <p14:cNvPr id="166" name="Ink 165">
@@ -11114,7 +11497,7 @@
               </p14:xfrm>
             </p:contentPart>
           </mc:Choice>
-          <mc:Fallback>
+          <mc:Fallback xmlns="">
             <p:pic>
               <p:nvPicPr>
                 <p:cNvPr id="166" name="Ink 165">
@@ -11166,8 +11549,8 @@
             <a:chExt cx="15840" cy="210600"/>
           </a:xfrm>
         </p:grpSpPr>
-        <mc:AlternateContent xmlns:mc="http://schemas.openxmlformats.org/markup-compatibility/2006">
-          <mc:Choice xmlns:p14="http://schemas.microsoft.com/office/powerpoint/2010/main" Requires="p14">
+        <mc:AlternateContent xmlns:mc="http://schemas.openxmlformats.org/markup-compatibility/2006" xmlns:p14="http://schemas.microsoft.com/office/powerpoint/2010/main">
+          <mc:Choice Requires="p14">
             <p:contentPart p14:bwMode="auto" r:id="rId115">
               <p14:nvContentPartPr>
                 <p14:cNvPr id="168" name="Ink 167">
@@ -11186,7 +11569,7 @@
               </p14:xfrm>
             </p:contentPart>
           </mc:Choice>
-          <mc:Fallback>
+          <mc:Fallback xmlns="">
             <p:pic>
               <p:nvPicPr>
                 <p:cNvPr id="168" name="Ink 167">
@@ -11217,8 +11600,8 @@
             </p:pic>
           </mc:Fallback>
         </mc:AlternateContent>
-        <mc:AlternateContent xmlns:mc="http://schemas.openxmlformats.org/markup-compatibility/2006">
-          <mc:Choice xmlns:p14="http://schemas.microsoft.com/office/powerpoint/2010/main" Requires="p14">
+        <mc:AlternateContent xmlns:mc="http://schemas.openxmlformats.org/markup-compatibility/2006" xmlns:p14="http://schemas.microsoft.com/office/powerpoint/2010/main">
+          <mc:Choice Requires="p14">
             <p:contentPart p14:bwMode="auto" r:id="rId117">
               <p14:nvContentPartPr>
                 <p14:cNvPr id="169" name="Ink 168">
@@ -11237,7 +11620,7 @@
               </p14:xfrm>
             </p:contentPart>
           </mc:Choice>
-          <mc:Fallback>
+          <mc:Fallback xmlns="">
             <p:pic>
               <p:nvPicPr>
                 <p:cNvPr id="169" name="Ink 168">
@@ -11269,8 +11652,8 @@
           </mc:Fallback>
         </mc:AlternateContent>
       </p:grpSp>
-      <mc:AlternateContent xmlns:mc="http://schemas.openxmlformats.org/markup-compatibility/2006">
-        <mc:Choice xmlns:p14="http://schemas.microsoft.com/office/powerpoint/2010/main" Requires="p14">
+      <mc:AlternateContent xmlns:mc="http://schemas.openxmlformats.org/markup-compatibility/2006" xmlns:p14="http://schemas.microsoft.com/office/powerpoint/2010/main">
+        <mc:Choice Requires="p14">
           <p:contentPart p14:bwMode="auto" r:id="rId119">
             <p14:nvContentPartPr>
               <p14:cNvPr id="171" name="Ink 170">
@@ -11289,7 +11672,7 @@
             </p14:xfrm>
           </p:contentPart>
         </mc:Choice>
-        <mc:Fallback>
+        <mc:Fallback xmlns="">
           <p:pic>
             <p:nvPicPr>
               <p:cNvPr id="171" name="Ink 170">
@@ -11320,8 +11703,8 @@
           </p:pic>
         </mc:Fallback>
       </mc:AlternateContent>
-      <mc:AlternateContent xmlns:mc="http://schemas.openxmlformats.org/markup-compatibility/2006">
-        <mc:Choice xmlns:p14="http://schemas.microsoft.com/office/powerpoint/2010/main" Requires="p14">
+      <mc:AlternateContent xmlns:mc="http://schemas.openxmlformats.org/markup-compatibility/2006" xmlns:p14="http://schemas.microsoft.com/office/powerpoint/2010/main">
+        <mc:Choice Requires="p14">
           <p:contentPart p14:bwMode="auto" r:id="rId121">
             <p14:nvContentPartPr>
               <p14:cNvPr id="172" name="Ink 171">
@@ -11340,7 +11723,7 @@
             </p14:xfrm>
           </p:contentPart>
         </mc:Choice>
-        <mc:Fallback>
+        <mc:Fallback xmlns="">
           <p:pic>
             <p:nvPicPr>
               <p:cNvPr id="172" name="Ink 171">
@@ -11391,8 +11774,8 @@
             <a:chExt cx="963360" cy="1896480"/>
           </a:xfrm>
         </p:grpSpPr>
-        <mc:AlternateContent xmlns:mc="http://schemas.openxmlformats.org/markup-compatibility/2006">
-          <mc:Choice xmlns:p14="http://schemas.microsoft.com/office/powerpoint/2010/main" Requires="p14">
+        <mc:AlternateContent xmlns:mc="http://schemas.openxmlformats.org/markup-compatibility/2006" xmlns:p14="http://schemas.microsoft.com/office/powerpoint/2010/main">
+          <mc:Choice Requires="p14">
             <p:contentPart p14:bwMode="auto" r:id="rId123">
               <p14:nvContentPartPr>
                 <p14:cNvPr id="173" name="Ink 172">
@@ -11411,7 +11794,7 @@
               </p14:xfrm>
             </p:contentPart>
           </mc:Choice>
-          <mc:Fallback>
+          <mc:Fallback xmlns="">
             <p:pic>
               <p:nvPicPr>
                 <p:cNvPr id="173" name="Ink 172">
@@ -11442,8 +11825,8 @@
             </p:pic>
           </mc:Fallback>
         </mc:AlternateContent>
-        <mc:AlternateContent xmlns:mc="http://schemas.openxmlformats.org/markup-compatibility/2006">
-          <mc:Choice xmlns:p14="http://schemas.microsoft.com/office/powerpoint/2010/main" Requires="p14">
+        <mc:AlternateContent xmlns:mc="http://schemas.openxmlformats.org/markup-compatibility/2006" xmlns:p14="http://schemas.microsoft.com/office/powerpoint/2010/main">
+          <mc:Choice Requires="p14">
             <p:contentPart p14:bwMode="auto" r:id="rId125">
               <p14:nvContentPartPr>
                 <p14:cNvPr id="174" name="Ink 173">
@@ -11462,7 +11845,7 @@
               </p14:xfrm>
             </p:contentPart>
           </mc:Choice>
-          <mc:Fallback>
+          <mc:Fallback xmlns="">
             <p:pic>
               <p:nvPicPr>
                 <p:cNvPr id="174" name="Ink 173">
@@ -11493,8 +11876,8 @@
             </p:pic>
           </mc:Fallback>
         </mc:AlternateContent>
-        <mc:AlternateContent xmlns:mc="http://schemas.openxmlformats.org/markup-compatibility/2006">
-          <mc:Choice xmlns:p14="http://schemas.microsoft.com/office/powerpoint/2010/main" Requires="p14">
+        <mc:AlternateContent xmlns:mc="http://schemas.openxmlformats.org/markup-compatibility/2006" xmlns:p14="http://schemas.microsoft.com/office/powerpoint/2010/main">
+          <mc:Choice Requires="p14">
             <p:contentPart p14:bwMode="auto" r:id="rId127">
               <p14:nvContentPartPr>
                 <p14:cNvPr id="176" name="Ink 175">
@@ -11513,7 +11896,7 @@
               </p14:xfrm>
             </p:contentPart>
           </mc:Choice>
-          <mc:Fallback>
+          <mc:Fallback xmlns="">
             <p:pic>
               <p:nvPicPr>
                 <p:cNvPr id="176" name="Ink 175">
@@ -11544,8 +11927,8 @@
             </p:pic>
           </mc:Fallback>
         </mc:AlternateContent>
-        <mc:AlternateContent xmlns:mc="http://schemas.openxmlformats.org/markup-compatibility/2006">
-          <mc:Choice xmlns:p14="http://schemas.microsoft.com/office/powerpoint/2010/main" Requires="p14">
+        <mc:AlternateContent xmlns:mc="http://schemas.openxmlformats.org/markup-compatibility/2006" xmlns:p14="http://schemas.microsoft.com/office/powerpoint/2010/main">
+          <mc:Choice Requires="p14">
             <p:contentPart p14:bwMode="auto" r:id="rId129">
               <p14:nvContentPartPr>
                 <p14:cNvPr id="177" name="Ink 176">
@@ -11564,7 +11947,7 @@
               </p14:xfrm>
             </p:contentPart>
           </mc:Choice>
-          <mc:Fallback>
+          <mc:Fallback xmlns="">
             <p:pic>
               <p:nvPicPr>
                 <p:cNvPr id="177" name="Ink 176">
@@ -11595,8 +11978,8 @@
             </p:pic>
           </mc:Fallback>
         </mc:AlternateContent>
-        <mc:AlternateContent xmlns:mc="http://schemas.openxmlformats.org/markup-compatibility/2006">
-          <mc:Choice xmlns:p14="http://schemas.microsoft.com/office/powerpoint/2010/main" Requires="p14">
+        <mc:AlternateContent xmlns:mc="http://schemas.openxmlformats.org/markup-compatibility/2006" xmlns:p14="http://schemas.microsoft.com/office/powerpoint/2010/main">
+          <mc:Choice Requires="p14">
             <p:contentPart p14:bwMode="auto" r:id="rId131">
               <p14:nvContentPartPr>
                 <p14:cNvPr id="179" name="Ink 178">
@@ -11615,7 +11998,7 @@
               </p14:xfrm>
             </p:contentPart>
           </mc:Choice>
-          <mc:Fallback>
+          <mc:Fallback xmlns="">
             <p:pic>
               <p:nvPicPr>
                 <p:cNvPr id="179" name="Ink 178">
@@ -11646,8 +12029,8 @@
             </p:pic>
           </mc:Fallback>
         </mc:AlternateContent>
-        <mc:AlternateContent xmlns:mc="http://schemas.openxmlformats.org/markup-compatibility/2006">
-          <mc:Choice xmlns:p14="http://schemas.microsoft.com/office/powerpoint/2010/main" Requires="p14">
+        <mc:AlternateContent xmlns:mc="http://schemas.openxmlformats.org/markup-compatibility/2006" xmlns:p14="http://schemas.microsoft.com/office/powerpoint/2010/main">
+          <mc:Choice Requires="p14">
             <p:contentPart p14:bwMode="auto" r:id="rId133">
               <p14:nvContentPartPr>
                 <p14:cNvPr id="181" name="Ink 180">
@@ -11666,7 +12049,7 @@
               </p14:xfrm>
             </p:contentPart>
           </mc:Choice>
-          <mc:Fallback>
+          <mc:Fallback xmlns="">
             <p:pic>
               <p:nvPicPr>
                 <p:cNvPr id="181" name="Ink 180">
@@ -11697,8 +12080,8 @@
             </p:pic>
           </mc:Fallback>
         </mc:AlternateContent>
-        <mc:AlternateContent xmlns:mc="http://schemas.openxmlformats.org/markup-compatibility/2006">
-          <mc:Choice xmlns:p14="http://schemas.microsoft.com/office/powerpoint/2010/main" Requires="p14">
+        <mc:AlternateContent xmlns:mc="http://schemas.openxmlformats.org/markup-compatibility/2006" xmlns:p14="http://schemas.microsoft.com/office/powerpoint/2010/main">
+          <mc:Choice Requires="p14">
             <p:contentPart p14:bwMode="auto" r:id="rId135">
               <p14:nvContentPartPr>
                 <p14:cNvPr id="183" name="Ink 182">
@@ -11717,7 +12100,7 @@
               </p14:xfrm>
             </p:contentPart>
           </mc:Choice>
-          <mc:Fallback>
+          <mc:Fallback xmlns="">
             <p:pic>
               <p:nvPicPr>
                 <p:cNvPr id="183" name="Ink 182">
@@ -11748,8 +12131,8 @@
             </p:pic>
           </mc:Fallback>
         </mc:AlternateContent>
-        <mc:AlternateContent xmlns:mc="http://schemas.openxmlformats.org/markup-compatibility/2006">
-          <mc:Choice xmlns:p14="http://schemas.microsoft.com/office/powerpoint/2010/main" Requires="p14">
+        <mc:AlternateContent xmlns:mc="http://schemas.openxmlformats.org/markup-compatibility/2006" xmlns:p14="http://schemas.microsoft.com/office/powerpoint/2010/main">
+          <mc:Choice Requires="p14">
             <p:contentPart p14:bwMode="auto" r:id="rId137">
               <p14:nvContentPartPr>
                 <p14:cNvPr id="185" name="Ink 184">
@@ -11768,7 +12151,7 @@
               </p14:xfrm>
             </p:contentPart>
           </mc:Choice>
-          <mc:Fallback>
+          <mc:Fallback xmlns="">
             <p:pic>
               <p:nvPicPr>
                 <p:cNvPr id="185" name="Ink 184">
@@ -11799,8 +12182,8 @@
             </p:pic>
           </mc:Fallback>
         </mc:AlternateContent>
-        <mc:AlternateContent xmlns:mc="http://schemas.openxmlformats.org/markup-compatibility/2006">
-          <mc:Choice xmlns:p14="http://schemas.microsoft.com/office/powerpoint/2010/main" Requires="p14">
+        <mc:AlternateContent xmlns:mc="http://schemas.openxmlformats.org/markup-compatibility/2006" xmlns:p14="http://schemas.microsoft.com/office/powerpoint/2010/main">
+          <mc:Choice Requires="p14">
             <p:contentPart p14:bwMode="auto" r:id="rId139">
               <p14:nvContentPartPr>
                 <p14:cNvPr id="187" name="Ink 186">
@@ -11819,7 +12202,7 @@
               </p14:xfrm>
             </p:contentPart>
           </mc:Choice>
-          <mc:Fallback>
+          <mc:Fallback xmlns="">
             <p:pic>
               <p:nvPicPr>
                 <p:cNvPr id="187" name="Ink 186">
@@ -11850,8 +12233,8 @@
             </p:pic>
           </mc:Fallback>
         </mc:AlternateContent>
-        <mc:AlternateContent xmlns:mc="http://schemas.openxmlformats.org/markup-compatibility/2006">
-          <mc:Choice xmlns:p14="http://schemas.microsoft.com/office/powerpoint/2010/main" Requires="p14">
+        <mc:AlternateContent xmlns:mc="http://schemas.openxmlformats.org/markup-compatibility/2006" xmlns:p14="http://schemas.microsoft.com/office/powerpoint/2010/main">
+          <mc:Choice Requires="p14">
             <p:contentPart p14:bwMode="auto" r:id="rId141">
               <p14:nvContentPartPr>
                 <p14:cNvPr id="189" name="Ink 188">
@@ -11870,7 +12253,7 @@
               </p14:xfrm>
             </p:contentPart>
           </mc:Choice>
-          <mc:Fallback>
+          <mc:Fallback xmlns="">
             <p:pic>
               <p:nvPicPr>
                 <p:cNvPr id="189" name="Ink 188">
@@ -11901,8 +12284,8 @@
             </p:pic>
           </mc:Fallback>
         </mc:AlternateContent>
-        <mc:AlternateContent xmlns:mc="http://schemas.openxmlformats.org/markup-compatibility/2006">
-          <mc:Choice xmlns:p14="http://schemas.microsoft.com/office/powerpoint/2010/main" Requires="p14">
+        <mc:AlternateContent xmlns:mc="http://schemas.openxmlformats.org/markup-compatibility/2006" xmlns:p14="http://schemas.microsoft.com/office/powerpoint/2010/main">
+          <mc:Choice Requires="p14">
             <p:contentPart p14:bwMode="auto" r:id="rId143">
               <p14:nvContentPartPr>
                 <p14:cNvPr id="191" name="Ink 190">
@@ -11921,7 +12304,7 @@
               </p14:xfrm>
             </p:contentPart>
           </mc:Choice>
-          <mc:Fallback>
+          <mc:Fallback xmlns="">
             <p:pic>
               <p:nvPicPr>
                 <p:cNvPr id="191" name="Ink 190">
@@ -11973,8 +12356,8 @@
             <a:chExt cx="28440" cy="2158200"/>
           </a:xfrm>
         </p:grpSpPr>
-        <mc:AlternateContent xmlns:mc="http://schemas.openxmlformats.org/markup-compatibility/2006">
-          <mc:Choice xmlns:p14="http://schemas.microsoft.com/office/powerpoint/2010/main" Requires="p14">
+        <mc:AlternateContent xmlns:mc="http://schemas.openxmlformats.org/markup-compatibility/2006" xmlns:p14="http://schemas.microsoft.com/office/powerpoint/2010/main">
+          <mc:Choice Requires="p14">
             <p:contentPart p14:bwMode="auto" r:id="rId145">
               <p14:nvContentPartPr>
                 <p14:cNvPr id="194" name="Ink 193">
@@ -11993,7 +12376,7 @@
               </p14:xfrm>
             </p:contentPart>
           </mc:Choice>
-          <mc:Fallback>
+          <mc:Fallback xmlns="">
             <p:pic>
               <p:nvPicPr>
                 <p:cNvPr id="194" name="Ink 193">
@@ -12024,8 +12407,8 @@
             </p:pic>
           </mc:Fallback>
         </mc:AlternateContent>
-        <mc:AlternateContent xmlns:mc="http://schemas.openxmlformats.org/markup-compatibility/2006">
-          <mc:Choice xmlns:p14="http://schemas.microsoft.com/office/powerpoint/2010/main" Requires="p14">
+        <mc:AlternateContent xmlns:mc="http://schemas.openxmlformats.org/markup-compatibility/2006" xmlns:p14="http://schemas.microsoft.com/office/powerpoint/2010/main">
+          <mc:Choice Requires="p14">
             <p:contentPart p14:bwMode="auto" r:id="rId146">
               <p14:nvContentPartPr>
                 <p14:cNvPr id="195" name="Ink 194">
@@ -12044,7 +12427,7 @@
               </p14:xfrm>
             </p:contentPart>
           </mc:Choice>
-          <mc:Fallback>
+          <mc:Fallback xmlns="">
             <p:pic>
               <p:nvPicPr>
                 <p:cNvPr id="195" name="Ink 194">
@@ -12075,8 +12458,8 @@
             </p:pic>
           </mc:Fallback>
         </mc:AlternateContent>
-        <mc:AlternateContent xmlns:mc="http://schemas.openxmlformats.org/markup-compatibility/2006">
-          <mc:Choice xmlns:p14="http://schemas.microsoft.com/office/powerpoint/2010/main" Requires="p14">
+        <mc:AlternateContent xmlns:mc="http://schemas.openxmlformats.org/markup-compatibility/2006" xmlns:p14="http://schemas.microsoft.com/office/powerpoint/2010/main">
+          <mc:Choice Requires="p14">
             <p:contentPart p14:bwMode="auto" r:id="rId147">
               <p14:nvContentPartPr>
                 <p14:cNvPr id="196" name="Ink 195">
@@ -12095,7 +12478,7 @@
               </p14:xfrm>
             </p:contentPart>
           </mc:Choice>
-          <mc:Fallback>
+          <mc:Fallback xmlns="">
             <p:pic>
               <p:nvPicPr>
                 <p:cNvPr id="196" name="Ink 195">
@@ -12126,8 +12509,8 @@
             </p:pic>
           </mc:Fallback>
         </mc:AlternateContent>
-        <mc:AlternateContent xmlns:mc="http://schemas.openxmlformats.org/markup-compatibility/2006">
-          <mc:Choice xmlns:p14="http://schemas.microsoft.com/office/powerpoint/2010/main" Requires="p14">
+        <mc:AlternateContent xmlns:mc="http://schemas.openxmlformats.org/markup-compatibility/2006" xmlns:p14="http://schemas.microsoft.com/office/powerpoint/2010/main">
+          <mc:Choice Requires="p14">
             <p:contentPart p14:bwMode="auto" r:id="rId148">
               <p14:nvContentPartPr>
                 <p14:cNvPr id="197" name="Ink 196">
@@ -12146,7 +12529,7 @@
               </p14:xfrm>
             </p:contentPart>
           </mc:Choice>
-          <mc:Fallback>
+          <mc:Fallback xmlns="">
             <p:pic>
               <p:nvPicPr>
                 <p:cNvPr id="197" name="Ink 196">
@@ -12177,8 +12560,8 @@
             </p:pic>
           </mc:Fallback>
         </mc:AlternateContent>
-        <mc:AlternateContent xmlns:mc="http://schemas.openxmlformats.org/markup-compatibility/2006">
-          <mc:Choice xmlns:p14="http://schemas.microsoft.com/office/powerpoint/2010/main" Requires="p14">
+        <mc:AlternateContent xmlns:mc="http://schemas.openxmlformats.org/markup-compatibility/2006" xmlns:p14="http://schemas.microsoft.com/office/powerpoint/2010/main">
+          <mc:Choice Requires="p14">
             <p:contentPart p14:bwMode="auto" r:id="rId149">
               <p14:nvContentPartPr>
                 <p14:cNvPr id="198" name="Ink 197">
@@ -12197,7 +12580,7 @@
               </p14:xfrm>
             </p:contentPart>
           </mc:Choice>
-          <mc:Fallback>
+          <mc:Fallback xmlns="">
             <p:pic>
               <p:nvPicPr>
                 <p:cNvPr id="198" name="Ink 197">
@@ -12228,8 +12611,8 @@
             </p:pic>
           </mc:Fallback>
         </mc:AlternateContent>
-        <mc:AlternateContent xmlns:mc="http://schemas.openxmlformats.org/markup-compatibility/2006">
-          <mc:Choice xmlns:p14="http://schemas.microsoft.com/office/powerpoint/2010/main" Requires="p14">
+        <mc:AlternateContent xmlns:mc="http://schemas.openxmlformats.org/markup-compatibility/2006" xmlns:p14="http://schemas.microsoft.com/office/powerpoint/2010/main">
+          <mc:Choice Requires="p14">
             <p:contentPart p14:bwMode="auto" r:id="rId150">
               <p14:nvContentPartPr>
                 <p14:cNvPr id="199" name="Ink 198">
@@ -12248,7 +12631,7 @@
               </p14:xfrm>
             </p:contentPart>
           </mc:Choice>
-          <mc:Fallback>
+          <mc:Fallback xmlns="">
             <p:pic>
               <p:nvPicPr>
                 <p:cNvPr id="199" name="Ink 198">
@@ -12279,8 +12662,8 @@
             </p:pic>
           </mc:Fallback>
         </mc:AlternateContent>
-        <mc:AlternateContent xmlns:mc="http://schemas.openxmlformats.org/markup-compatibility/2006">
-          <mc:Choice xmlns:p14="http://schemas.microsoft.com/office/powerpoint/2010/main" Requires="p14">
+        <mc:AlternateContent xmlns:mc="http://schemas.openxmlformats.org/markup-compatibility/2006" xmlns:p14="http://schemas.microsoft.com/office/powerpoint/2010/main">
+          <mc:Choice Requires="p14">
             <p:contentPart p14:bwMode="auto" r:id="rId151">
               <p14:nvContentPartPr>
                 <p14:cNvPr id="200" name="Ink 199">
@@ -12299,7 +12682,7 @@
               </p14:xfrm>
             </p:contentPart>
           </mc:Choice>
-          <mc:Fallback>
+          <mc:Fallback xmlns="">
             <p:pic>
               <p:nvPicPr>
                 <p:cNvPr id="200" name="Ink 199">
@@ -12330,8 +12713,8 @@
             </p:pic>
           </mc:Fallback>
         </mc:AlternateContent>
-        <mc:AlternateContent xmlns:mc="http://schemas.openxmlformats.org/markup-compatibility/2006">
-          <mc:Choice xmlns:p14="http://schemas.microsoft.com/office/powerpoint/2010/main" Requires="p14">
+        <mc:AlternateContent xmlns:mc="http://schemas.openxmlformats.org/markup-compatibility/2006" xmlns:p14="http://schemas.microsoft.com/office/powerpoint/2010/main">
+          <mc:Choice Requires="p14">
             <p:contentPart p14:bwMode="auto" r:id="rId152">
               <p14:nvContentPartPr>
                 <p14:cNvPr id="201" name="Ink 200">
@@ -12350,7 +12733,7 @@
               </p14:xfrm>
             </p:contentPart>
           </mc:Choice>
-          <mc:Fallback>
+          <mc:Fallback xmlns="">
             <p:pic>
               <p:nvPicPr>
                 <p:cNvPr id="201" name="Ink 200">
@@ -12381,8 +12764,8 @@
             </p:pic>
           </mc:Fallback>
         </mc:AlternateContent>
-        <mc:AlternateContent xmlns:mc="http://schemas.openxmlformats.org/markup-compatibility/2006">
-          <mc:Choice xmlns:p14="http://schemas.microsoft.com/office/powerpoint/2010/main" Requires="p14">
+        <mc:AlternateContent xmlns:mc="http://schemas.openxmlformats.org/markup-compatibility/2006" xmlns:p14="http://schemas.microsoft.com/office/powerpoint/2010/main">
+          <mc:Choice Requires="p14">
             <p:contentPart p14:bwMode="auto" r:id="rId153">
               <p14:nvContentPartPr>
                 <p14:cNvPr id="202" name="Ink 201">
@@ -12401,7 +12784,7 @@
               </p14:xfrm>
             </p:contentPart>
           </mc:Choice>
-          <mc:Fallback>
+          <mc:Fallback xmlns="">
             <p:pic>
               <p:nvPicPr>
                 <p:cNvPr id="202" name="Ink 201">
@@ -12432,8 +12815,8 @@
             </p:pic>
           </mc:Fallback>
         </mc:AlternateContent>
-        <mc:AlternateContent xmlns:mc="http://schemas.openxmlformats.org/markup-compatibility/2006">
-          <mc:Choice xmlns:p14="http://schemas.microsoft.com/office/powerpoint/2010/main" Requires="p14">
+        <mc:AlternateContent xmlns:mc="http://schemas.openxmlformats.org/markup-compatibility/2006" xmlns:p14="http://schemas.microsoft.com/office/powerpoint/2010/main">
+          <mc:Choice Requires="p14">
             <p:contentPart p14:bwMode="auto" r:id="rId154">
               <p14:nvContentPartPr>
                 <p14:cNvPr id="203" name="Ink 202">
@@ -12452,7 +12835,7 @@
               </p14:xfrm>
             </p:contentPart>
           </mc:Choice>
-          <mc:Fallback>
+          <mc:Fallback xmlns="">
             <p:pic>
               <p:nvPicPr>
                 <p:cNvPr id="203" name="Ink 202">
@@ -12483,8 +12866,8 @@
             </p:pic>
           </mc:Fallback>
         </mc:AlternateContent>
-        <mc:AlternateContent xmlns:mc="http://schemas.openxmlformats.org/markup-compatibility/2006">
-          <mc:Choice xmlns:p14="http://schemas.microsoft.com/office/powerpoint/2010/main" Requires="p14">
+        <mc:AlternateContent xmlns:mc="http://schemas.openxmlformats.org/markup-compatibility/2006" xmlns:p14="http://schemas.microsoft.com/office/powerpoint/2010/main">
+          <mc:Choice Requires="p14">
             <p:contentPart p14:bwMode="auto" r:id="rId155">
               <p14:nvContentPartPr>
                 <p14:cNvPr id="204" name="Ink 203">
@@ -12503,7 +12886,7 @@
               </p14:xfrm>
             </p:contentPart>
           </mc:Choice>
-          <mc:Fallback>
+          <mc:Fallback xmlns="">
             <p:pic>
               <p:nvPicPr>
                 <p:cNvPr id="204" name="Ink 203">
@@ -12534,8 +12917,8 @@
             </p:pic>
           </mc:Fallback>
         </mc:AlternateContent>
-        <mc:AlternateContent xmlns:mc="http://schemas.openxmlformats.org/markup-compatibility/2006">
-          <mc:Choice xmlns:p14="http://schemas.microsoft.com/office/powerpoint/2010/main" Requires="p14">
+        <mc:AlternateContent xmlns:mc="http://schemas.openxmlformats.org/markup-compatibility/2006" xmlns:p14="http://schemas.microsoft.com/office/powerpoint/2010/main">
+          <mc:Choice Requires="p14">
             <p:contentPart p14:bwMode="auto" r:id="rId156">
               <p14:nvContentPartPr>
                 <p14:cNvPr id="205" name="Ink 204">
@@ -12554,7 +12937,7 @@
               </p14:xfrm>
             </p:contentPart>
           </mc:Choice>
-          <mc:Fallback>
+          <mc:Fallback xmlns="">
             <p:pic>
               <p:nvPicPr>
                 <p:cNvPr id="205" name="Ink 204">
@@ -12585,8 +12968,8 @@
             </p:pic>
           </mc:Fallback>
         </mc:AlternateContent>
-        <mc:AlternateContent xmlns:mc="http://schemas.openxmlformats.org/markup-compatibility/2006">
-          <mc:Choice xmlns:p14="http://schemas.microsoft.com/office/powerpoint/2010/main" Requires="p14">
+        <mc:AlternateContent xmlns:mc="http://schemas.openxmlformats.org/markup-compatibility/2006" xmlns:p14="http://schemas.microsoft.com/office/powerpoint/2010/main">
+          <mc:Choice Requires="p14">
             <p:contentPart p14:bwMode="auto" r:id="rId157">
               <p14:nvContentPartPr>
                 <p14:cNvPr id="206" name="Ink 205">
@@ -12605,7 +12988,7 @@
               </p14:xfrm>
             </p:contentPart>
           </mc:Choice>
-          <mc:Fallback>
+          <mc:Fallback xmlns="">
             <p:pic>
               <p:nvPicPr>
                 <p:cNvPr id="206" name="Ink 205">
@@ -12636,8 +13019,8 @@
             </p:pic>
           </mc:Fallback>
         </mc:AlternateContent>
-        <mc:AlternateContent xmlns:mc="http://schemas.openxmlformats.org/markup-compatibility/2006">
-          <mc:Choice xmlns:p14="http://schemas.microsoft.com/office/powerpoint/2010/main" Requires="p14">
+        <mc:AlternateContent xmlns:mc="http://schemas.openxmlformats.org/markup-compatibility/2006" xmlns:p14="http://schemas.microsoft.com/office/powerpoint/2010/main">
+          <mc:Choice Requires="p14">
             <p:contentPart p14:bwMode="auto" r:id="rId158">
               <p14:nvContentPartPr>
                 <p14:cNvPr id="207" name="Ink 206">
@@ -12656,7 +13039,7 @@
               </p14:xfrm>
             </p:contentPart>
           </mc:Choice>
-          <mc:Fallback>
+          <mc:Fallback xmlns="">
             <p:pic>
               <p:nvPicPr>
                 <p:cNvPr id="207" name="Ink 206">
@@ -12840,8 +13223,8 @@
           </a:p>
         </p:txBody>
       </p:sp>
-      <mc:AlternateContent xmlns:mc="http://schemas.openxmlformats.org/markup-compatibility/2006">
-        <mc:Choice xmlns:p14="http://schemas.microsoft.com/office/powerpoint/2010/main" Requires="p14">
+      <mc:AlternateContent xmlns:mc="http://schemas.openxmlformats.org/markup-compatibility/2006" xmlns:p14="http://schemas.microsoft.com/office/powerpoint/2010/main">
+        <mc:Choice Requires="p14">
           <p:contentPart p14:bwMode="auto" r:id="rId159">
             <p14:nvContentPartPr>
               <p14:cNvPr id="233" name="Ink 232">
@@ -12860,7 +13243,7 @@
             </p14:xfrm>
           </p:contentPart>
         </mc:Choice>
-        <mc:Fallback>
+        <mc:Fallback xmlns="">
           <p:pic>
             <p:nvPicPr>
               <p:cNvPr id="233" name="Ink 232">
@@ -12891,8 +13274,8 @@
           </p:pic>
         </mc:Fallback>
       </mc:AlternateContent>
-      <mc:AlternateContent xmlns:mc="http://schemas.openxmlformats.org/markup-compatibility/2006">
-        <mc:Choice xmlns:p14="http://schemas.microsoft.com/office/powerpoint/2010/main" Requires="p14">
+      <mc:AlternateContent xmlns:mc="http://schemas.openxmlformats.org/markup-compatibility/2006" xmlns:p14="http://schemas.microsoft.com/office/powerpoint/2010/main">
+        <mc:Choice Requires="p14">
           <p:contentPart p14:bwMode="auto" r:id="rId161">
             <p14:nvContentPartPr>
               <p14:cNvPr id="234" name="Ink 233">
@@ -12911,7 +13294,7 @@
             </p14:xfrm>
           </p:contentPart>
         </mc:Choice>
-        <mc:Fallback>
+        <mc:Fallback xmlns="">
           <p:pic>
             <p:nvPicPr>
               <p:cNvPr id="234" name="Ink 233">
@@ -12942,8 +13325,8 @@
           </p:pic>
         </mc:Fallback>
       </mc:AlternateContent>
-      <mc:AlternateContent xmlns:mc="http://schemas.openxmlformats.org/markup-compatibility/2006">
-        <mc:Choice xmlns:p14="http://schemas.microsoft.com/office/powerpoint/2010/main" Requires="p14">
+      <mc:AlternateContent xmlns:mc="http://schemas.openxmlformats.org/markup-compatibility/2006" xmlns:p14="http://schemas.microsoft.com/office/powerpoint/2010/main">
+        <mc:Choice Requires="p14">
           <p:contentPart p14:bwMode="auto" r:id="rId163">
             <p14:nvContentPartPr>
               <p14:cNvPr id="235" name="Ink 234">
@@ -12962,7 +13345,7 @@
             </p14:xfrm>
           </p:contentPart>
         </mc:Choice>
-        <mc:Fallback>
+        <mc:Fallback xmlns="">
           <p:pic>
             <p:nvPicPr>
               <p:cNvPr id="235" name="Ink 234">
@@ -12993,8 +13376,8 @@
           </p:pic>
         </mc:Fallback>
       </mc:AlternateContent>
-      <mc:AlternateContent xmlns:mc="http://schemas.openxmlformats.org/markup-compatibility/2006">
-        <mc:Choice xmlns:p14="http://schemas.microsoft.com/office/powerpoint/2010/main" Requires="p14">
+      <mc:AlternateContent xmlns:mc="http://schemas.openxmlformats.org/markup-compatibility/2006" xmlns:p14="http://schemas.microsoft.com/office/powerpoint/2010/main">
+        <mc:Choice Requires="p14">
           <p:contentPart p14:bwMode="auto" r:id="rId165">
             <p14:nvContentPartPr>
               <p14:cNvPr id="238" name="Ink 237">
@@ -13013,7 +13396,7 @@
             </p14:xfrm>
           </p:contentPart>
         </mc:Choice>
-        <mc:Fallback>
+        <mc:Fallback xmlns="">
           <p:pic>
             <p:nvPicPr>
               <p:cNvPr id="238" name="Ink 237">
@@ -13044,8 +13427,8 @@
           </p:pic>
         </mc:Fallback>
       </mc:AlternateContent>
-      <mc:AlternateContent xmlns:mc="http://schemas.openxmlformats.org/markup-compatibility/2006">
-        <mc:Choice xmlns:p14="http://schemas.microsoft.com/office/powerpoint/2010/main" Requires="p14">
+      <mc:AlternateContent xmlns:mc="http://schemas.openxmlformats.org/markup-compatibility/2006" xmlns:p14="http://schemas.microsoft.com/office/powerpoint/2010/main">
+        <mc:Choice Requires="p14">
           <p:contentPart p14:bwMode="auto" r:id="rId166">
             <p14:nvContentPartPr>
               <p14:cNvPr id="239" name="Ink 238">
@@ -13064,7 +13447,7 @@
             </p14:xfrm>
           </p:contentPart>
         </mc:Choice>
-        <mc:Fallback>
+        <mc:Fallback xmlns="">
           <p:pic>
             <p:nvPicPr>
               <p:cNvPr id="239" name="Ink 238">
@@ -13095,8 +13478,8 @@
           </p:pic>
         </mc:Fallback>
       </mc:AlternateContent>
-      <mc:AlternateContent xmlns:mc="http://schemas.openxmlformats.org/markup-compatibility/2006">
-        <mc:Choice xmlns:p14="http://schemas.microsoft.com/office/powerpoint/2010/main" Requires="p14">
+      <mc:AlternateContent xmlns:mc="http://schemas.openxmlformats.org/markup-compatibility/2006" xmlns:p14="http://schemas.microsoft.com/office/powerpoint/2010/main">
+        <mc:Choice Requires="p14">
           <p:contentPart p14:bwMode="auto" r:id="rId167">
             <p14:nvContentPartPr>
               <p14:cNvPr id="240" name="Ink 239">
@@ -13115,7 +13498,7 @@
             </p14:xfrm>
           </p:contentPart>
         </mc:Choice>
-        <mc:Fallback>
+        <mc:Fallback xmlns="">
           <p:pic>
             <p:nvPicPr>
               <p:cNvPr id="240" name="Ink 239">
@@ -13146,8 +13529,8 @@
           </p:pic>
         </mc:Fallback>
       </mc:AlternateContent>
-      <mc:AlternateContent xmlns:mc="http://schemas.openxmlformats.org/markup-compatibility/2006">
-        <mc:Choice xmlns:p14="http://schemas.microsoft.com/office/powerpoint/2010/main" Requires="p14">
+      <mc:AlternateContent xmlns:mc="http://schemas.openxmlformats.org/markup-compatibility/2006" xmlns:p14="http://schemas.microsoft.com/office/powerpoint/2010/main">
+        <mc:Choice Requires="p14">
           <p:contentPart p14:bwMode="auto" r:id="rId168">
             <p14:nvContentPartPr>
               <p14:cNvPr id="241" name="Ink 240">
@@ -13166,7 +13549,7 @@
             </p14:xfrm>
           </p:contentPart>
         </mc:Choice>
-        <mc:Fallback>
+        <mc:Fallback xmlns="">
           <p:pic>
             <p:nvPicPr>
               <p:cNvPr id="241" name="Ink 240">
@@ -13197,8 +13580,8 @@
           </p:pic>
         </mc:Fallback>
       </mc:AlternateContent>
-      <mc:AlternateContent xmlns:mc="http://schemas.openxmlformats.org/markup-compatibility/2006">
-        <mc:Choice xmlns:p14="http://schemas.microsoft.com/office/powerpoint/2010/main" Requires="p14">
+      <mc:AlternateContent xmlns:mc="http://schemas.openxmlformats.org/markup-compatibility/2006" xmlns:p14="http://schemas.microsoft.com/office/powerpoint/2010/main">
+        <mc:Choice Requires="p14">
           <p:contentPart p14:bwMode="auto" r:id="rId169">
             <p14:nvContentPartPr>
               <p14:cNvPr id="242" name="Ink 241">
@@ -13217,7 +13600,7 @@
             </p14:xfrm>
           </p:contentPart>
         </mc:Choice>
-        <mc:Fallback>
+        <mc:Fallback xmlns="">
           <p:pic>
             <p:nvPicPr>
               <p:cNvPr id="242" name="Ink 241">
@@ -13248,8 +13631,8 @@
           </p:pic>
         </mc:Fallback>
       </mc:AlternateContent>
-      <mc:AlternateContent xmlns:mc="http://schemas.openxmlformats.org/markup-compatibility/2006">
-        <mc:Choice xmlns:p14="http://schemas.microsoft.com/office/powerpoint/2010/main" Requires="p14">
+      <mc:AlternateContent xmlns:mc="http://schemas.openxmlformats.org/markup-compatibility/2006" xmlns:p14="http://schemas.microsoft.com/office/powerpoint/2010/main">
+        <mc:Choice Requires="p14">
           <p:contentPart p14:bwMode="auto" r:id="rId170">
             <p14:nvContentPartPr>
               <p14:cNvPr id="243" name="Ink 242">
@@ -13268,7 +13651,7 @@
             </p14:xfrm>
           </p:contentPart>
         </mc:Choice>
-        <mc:Fallback>
+        <mc:Fallback xmlns="">
           <p:pic>
             <p:nvPicPr>
               <p:cNvPr id="243" name="Ink 242">
@@ -13319,8 +13702,8 @@
             <a:chExt cx="28440" cy="2158200"/>
           </a:xfrm>
         </p:grpSpPr>
-        <mc:AlternateContent xmlns:mc="http://schemas.openxmlformats.org/markup-compatibility/2006">
-          <mc:Choice xmlns:p14="http://schemas.microsoft.com/office/powerpoint/2010/main" Requires="p14">
+        <mc:AlternateContent xmlns:mc="http://schemas.openxmlformats.org/markup-compatibility/2006" xmlns:p14="http://schemas.microsoft.com/office/powerpoint/2010/main">
+          <mc:Choice Requires="p14">
             <p:contentPart p14:bwMode="auto" r:id="rId171">
               <p14:nvContentPartPr>
                 <p14:cNvPr id="247" name="Ink 246">
@@ -13339,7 +13722,7 @@
               </p14:xfrm>
             </p:contentPart>
           </mc:Choice>
-          <mc:Fallback>
+          <mc:Fallback xmlns="">
             <p:pic>
               <p:nvPicPr>
                 <p:cNvPr id="247" name="Ink 246">
@@ -13370,8 +13753,8 @@
             </p:pic>
           </mc:Fallback>
         </mc:AlternateContent>
-        <mc:AlternateContent xmlns:mc="http://schemas.openxmlformats.org/markup-compatibility/2006">
-          <mc:Choice xmlns:p14="http://schemas.microsoft.com/office/powerpoint/2010/main" Requires="p14">
+        <mc:AlternateContent xmlns:mc="http://schemas.openxmlformats.org/markup-compatibility/2006" xmlns:p14="http://schemas.microsoft.com/office/powerpoint/2010/main">
+          <mc:Choice Requires="p14">
             <p:contentPart p14:bwMode="auto" r:id="rId172">
               <p14:nvContentPartPr>
                 <p14:cNvPr id="248" name="Ink 247">
@@ -13390,7 +13773,7 @@
               </p14:xfrm>
             </p:contentPart>
           </mc:Choice>
-          <mc:Fallback>
+          <mc:Fallback xmlns="">
             <p:pic>
               <p:nvPicPr>
                 <p:cNvPr id="248" name="Ink 247">
@@ -13421,8 +13804,8 @@
             </p:pic>
           </mc:Fallback>
         </mc:AlternateContent>
-        <mc:AlternateContent xmlns:mc="http://schemas.openxmlformats.org/markup-compatibility/2006">
-          <mc:Choice xmlns:p14="http://schemas.microsoft.com/office/powerpoint/2010/main" Requires="p14">
+        <mc:AlternateContent xmlns:mc="http://schemas.openxmlformats.org/markup-compatibility/2006" xmlns:p14="http://schemas.microsoft.com/office/powerpoint/2010/main">
+          <mc:Choice Requires="p14">
             <p:contentPart p14:bwMode="auto" r:id="rId173">
               <p14:nvContentPartPr>
                 <p14:cNvPr id="249" name="Ink 248">
@@ -13441,7 +13824,7 @@
               </p14:xfrm>
             </p:contentPart>
           </mc:Choice>
-          <mc:Fallback>
+          <mc:Fallback xmlns="">
             <p:pic>
               <p:nvPicPr>
                 <p:cNvPr id="249" name="Ink 248">
@@ -13472,8 +13855,8 @@
             </p:pic>
           </mc:Fallback>
         </mc:AlternateContent>
-        <mc:AlternateContent xmlns:mc="http://schemas.openxmlformats.org/markup-compatibility/2006">
-          <mc:Choice xmlns:p14="http://schemas.microsoft.com/office/powerpoint/2010/main" Requires="p14">
+        <mc:AlternateContent xmlns:mc="http://schemas.openxmlformats.org/markup-compatibility/2006" xmlns:p14="http://schemas.microsoft.com/office/powerpoint/2010/main">
+          <mc:Choice Requires="p14">
             <p:contentPart p14:bwMode="auto" r:id="rId174">
               <p14:nvContentPartPr>
                 <p14:cNvPr id="250" name="Ink 249">
@@ -13492,7 +13875,7 @@
               </p14:xfrm>
             </p:contentPart>
           </mc:Choice>
-          <mc:Fallback>
+          <mc:Fallback xmlns="">
             <p:pic>
               <p:nvPicPr>
                 <p:cNvPr id="250" name="Ink 249">
@@ -13523,8 +13906,8 @@
             </p:pic>
           </mc:Fallback>
         </mc:AlternateContent>
-        <mc:AlternateContent xmlns:mc="http://schemas.openxmlformats.org/markup-compatibility/2006">
-          <mc:Choice xmlns:p14="http://schemas.microsoft.com/office/powerpoint/2010/main" Requires="p14">
+        <mc:AlternateContent xmlns:mc="http://schemas.openxmlformats.org/markup-compatibility/2006" xmlns:p14="http://schemas.microsoft.com/office/powerpoint/2010/main">
+          <mc:Choice Requires="p14">
             <p:contentPart p14:bwMode="auto" r:id="rId175">
               <p14:nvContentPartPr>
                 <p14:cNvPr id="251" name="Ink 250">
@@ -13543,7 +13926,7 @@
               </p14:xfrm>
             </p:contentPart>
           </mc:Choice>
-          <mc:Fallback>
+          <mc:Fallback xmlns="">
             <p:pic>
               <p:nvPicPr>
                 <p:cNvPr id="251" name="Ink 250">
@@ -13574,8 +13957,8 @@
             </p:pic>
           </mc:Fallback>
         </mc:AlternateContent>
-        <mc:AlternateContent xmlns:mc="http://schemas.openxmlformats.org/markup-compatibility/2006">
-          <mc:Choice xmlns:p14="http://schemas.microsoft.com/office/powerpoint/2010/main" Requires="p14">
+        <mc:AlternateContent xmlns:mc="http://schemas.openxmlformats.org/markup-compatibility/2006" xmlns:p14="http://schemas.microsoft.com/office/powerpoint/2010/main">
+          <mc:Choice Requires="p14">
             <p:contentPart p14:bwMode="auto" r:id="rId176">
               <p14:nvContentPartPr>
                 <p14:cNvPr id="252" name="Ink 251">
@@ -13594,7 +13977,7 @@
               </p14:xfrm>
             </p:contentPart>
           </mc:Choice>
-          <mc:Fallback>
+          <mc:Fallback xmlns="">
             <p:pic>
               <p:nvPicPr>
                 <p:cNvPr id="252" name="Ink 251">
@@ -13625,8 +14008,8 @@
             </p:pic>
           </mc:Fallback>
         </mc:AlternateContent>
-        <mc:AlternateContent xmlns:mc="http://schemas.openxmlformats.org/markup-compatibility/2006">
-          <mc:Choice xmlns:p14="http://schemas.microsoft.com/office/powerpoint/2010/main" Requires="p14">
+        <mc:AlternateContent xmlns:mc="http://schemas.openxmlformats.org/markup-compatibility/2006" xmlns:p14="http://schemas.microsoft.com/office/powerpoint/2010/main">
+          <mc:Choice Requires="p14">
             <p:contentPart p14:bwMode="auto" r:id="rId177">
               <p14:nvContentPartPr>
                 <p14:cNvPr id="253" name="Ink 252">
@@ -13645,7 +14028,7 @@
               </p14:xfrm>
             </p:contentPart>
           </mc:Choice>
-          <mc:Fallback>
+          <mc:Fallback xmlns="">
             <p:pic>
               <p:nvPicPr>
                 <p:cNvPr id="253" name="Ink 252">
@@ -13676,8 +14059,8 @@
             </p:pic>
           </mc:Fallback>
         </mc:AlternateContent>
-        <mc:AlternateContent xmlns:mc="http://schemas.openxmlformats.org/markup-compatibility/2006">
-          <mc:Choice xmlns:p14="http://schemas.microsoft.com/office/powerpoint/2010/main" Requires="p14">
+        <mc:AlternateContent xmlns:mc="http://schemas.openxmlformats.org/markup-compatibility/2006" xmlns:p14="http://schemas.microsoft.com/office/powerpoint/2010/main">
+          <mc:Choice Requires="p14">
             <p:contentPart p14:bwMode="auto" r:id="rId178">
               <p14:nvContentPartPr>
                 <p14:cNvPr id="254" name="Ink 253">
@@ -13696,7 +14079,7 @@
               </p14:xfrm>
             </p:contentPart>
           </mc:Choice>
-          <mc:Fallback>
+          <mc:Fallback xmlns="">
             <p:pic>
               <p:nvPicPr>
                 <p:cNvPr id="254" name="Ink 253">
@@ -13727,8 +14110,8 @@
             </p:pic>
           </mc:Fallback>
         </mc:AlternateContent>
-        <mc:AlternateContent xmlns:mc="http://schemas.openxmlformats.org/markup-compatibility/2006">
-          <mc:Choice xmlns:p14="http://schemas.microsoft.com/office/powerpoint/2010/main" Requires="p14">
+        <mc:AlternateContent xmlns:mc="http://schemas.openxmlformats.org/markup-compatibility/2006" xmlns:p14="http://schemas.microsoft.com/office/powerpoint/2010/main">
+          <mc:Choice Requires="p14">
             <p:contentPart p14:bwMode="auto" r:id="rId179">
               <p14:nvContentPartPr>
                 <p14:cNvPr id="255" name="Ink 254">
@@ -13747,7 +14130,7 @@
               </p14:xfrm>
             </p:contentPart>
           </mc:Choice>
-          <mc:Fallback>
+          <mc:Fallback xmlns="">
             <p:pic>
               <p:nvPicPr>
                 <p:cNvPr id="255" name="Ink 254">
@@ -13778,8 +14161,8 @@
             </p:pic>
           </mc:Fallback>
         </mc:AlternateContent>
-        <mc:AlternateContent xmlns:mc="http://schemas.openxmlformats.org/markup-compatibility/2006">
-          <mc:Choice xmlns:p14="http://schemas.microsoft.com/office/powerpoint/2010/main" Requires="p14">
+        <mc:AlternateContent xmlns:mc="http://schemas.openxmlformats.org/markup-compatibility/2006" xmlns:p14="http://schemas.microsoft.com/office/powerpoint/2010/main">
+          <mc:Choice Requires="p14">
             <p:contentPart p14:bwMode="auto" r:id="rId180">
               <p14:nvContentPartPr>
                 <p14:cNvPr id="256" name="Ink 255">
@@ -13798,7 +14181,7 @@
               </p14:xfrm>
             </p:contentPart>
           </mc:Choice>
-          <mc:Fallback>
+          <mc:Fallback xmlns="">
             <p:pic>
               <p:nvPicPr>
                 <p:cNvPr id="256" name="Ink 255">
@@ -13829,8 +14212,8 @@
             </p:pic>
           </mc:Fallback>
         </mc:AlternateContent>
-        <mc:AlternateContent xmlns:mc="http://schemas.openxmlformats.org/markup-compatibility/2006">
-          <mc:Choice xmlns:p14="http://schemas.microsoft.com/office/powerpoint/2010/main" Requires="p14">
+        <mc:AlternateContent xmlns:mc="http://schemas.openxmlformats.org/markup-compatibility/2006" xmlns:p14="http://schemas.microsoft.com/office/powerpoint/2010/main">
+          <mc:Choice Requires="p14">
             <p:contentPart p14:bwMode="auto" r:id="rId181">
               <p14:nvContentPartPr>
                 <p14:cNvPr id="257" name="Ink 256">
@@ -13849,7 +14232,7 @@
               </p14:xfrm>
             </p:contentPart>
           </mc:Choice>
-          <mc:Fallback>
+          <mc:Fallback xmlns="">
             <p:pic>
               <p:nvPicPr>
                 <p:cNvPr id="257" name="Ink 256">
@@ -13880,8 +14263,8 @@
             </p:pic>
           </mc:Fallback>
         </mc:AlternateContent>
-        <mc:AlternateContent xmlns:mc="http://schemas.openxmlformats.org/markup-compatibility/2006">
-          <mc:Choice xmlns:p14="http://schemas.microsoft.com/office/powerpoint/2010/main" Requires="p14">
+        <mc:AlternateContent xmlns:mc="http://schemas.openxmlformats.org/markup-compatibility/2006" xmlns:p14="http://schemas.microsoft.com/office/powerpoint/2010/main">
+          <mc:Choice Requires="p14">
             <p:contentPart p14:bwMode="auto" r:id="rId182">
               <p14:nvContentPartPr>
                 <p14:cNvPr id="258" name="Ink 257">
@@ -13900,7 +14283,7 @@
               </p14:xfrm>
             </p:contentPart>
           </mc:Choice>
-          <mc:Fallback>
+          <mc:Fallback xmlns="">
             <p:pic>
               <p:nvPicPr>
                 <p:cNvPr id="258" name="Ink 257">
@@ -13931,8 +14314,8 @@
             </p:pic>
           </mc:Fallback>
         </mc:AlternateContent>
-        <mc:AlternateContent xmlns:mc="http://schemas.openxmlformats.org/markup-compatibility/2006">
-          <mc:Choice xmlns:p14="http://schemas.microsoft.com/office/powerpoint/2010/main" Requires="p14">
+        <mc:AlternateContent xmlns:mc="http://schemas.openxmlformats.org/markup-compatibility/2006" xmlns:p14="http://schemas.microsoft.com/office/powerpoint/2010/main">
+          <mc:Choice Requires="p14">
             <p:contentPart p14:bwMode="auto" r:id="rId183">
               <p14:nvContentPartPr>
                 <p14:cNvPr id="259" name="Ink 258">
@@ -13951,7 +14334,7 @@
               </p14:xfrm>
             </p:contentPart>
           </mc:Choice>
-          <mc:Fallback>
+          <mc:Fallback xmlns="">
             <p:pic>
               <p:nvPicPr>
                 <p:cNvPr id="259" name="Ink 258">
@@ -13982,8 +14365,8 @@
             </p:pic>
           </mc:Fallback>
         </mc:AlternateContent>
-        <mc:AlternateContent xmlns:mc="http://schemas.openxmlformats.org/markup-compatibility/2006">
-          <mc:Choice xmlns:p14="http://schemas.microsoft.com/office/powerpoint/2010/main" Requires="p14">
+        <mc:AlternateContent xmlns:mc="http://schemas.openxmlformats.org/markup-compatibility/2006" xmlns:p14="http://schemas.microsoft.com/office/powerpoint/2010/main">
+          <mc:Choice Requires="p14">
             <p:contentPart p14:bwMode="auto" r:id="rId184">
               <p14:nvContentPartPr>
                 <p14:cNvPr id="260" name="Ink 259">
@@ -14002,7 +14385,7 @@
               </p14:xfrm>
             </p:contentPart>
           </mc:Choice>
-          <mc:Fallback>
+          <mc:Fallback xmlns="">
             <p:pic>
               <p:nvPicPr>
                 <p:cNvPr id="260" name="Ink 259">
@@ -14034,8 +14417,8 @@
           </mc:Fallback>
         </mc:AlternateContent>
       </p:grpSp>
-      <mc:AlternateContent xmlns:mc="http://schemas.openxmlformats.org/markup-compatibility/2006">
-        <mc:Choice xmlns:p14="http://schemas.microsoft.com/office/powerpoint/2010/main" Requires="p14">
+      <mc:AlternateContent xmlns:mc="http://schemas.openxmlformats.org/markup-compatibility/2006" xmlns:p14="http://schemas.microsoft.com/office/powerpoint/2010/main">
+        <mc:Choice Requires="p14">
           <p:contentPart p14:bwMode="auto" r:id="rId185">
             <p14:nvContentPartPr>
               <p14:cNvPr id="261" name="Ink 260">
@@ -14056,7 +14439,7 @@
             </p14:xfrm>
           </p:contentPart>
         </mc:Choice>
-        <mc:Fallback>
+        <mc:Fallback xmlns="">
           <p:pic>
             <p:nvPicPr>
               <p:cNvPr id="261" name="Ink 260">
@@ -14247,8 +14630,8 @@
           </a:p>
         </p:txBody>
       </p:sp>
-      <mc:AlternateContent xmlns:mc="http://schemas.openxmlformats.org/markup-compatibility/2006">
-        <mc:Choice xmlns:p14="http://schemas.microsoft.com/office/powerpoint/2010/main" Requires="p14">
+      <mc:AlternateContent xmlns:mc="http://schemas.openxmlformats.org/markup-compatibility/2006" xmlns:p14="http://schemas.microsoft.com/office/powerpoint/2010/main">
+        <mc:Choice Requires="p14">
           <p:contentPart p14:bwMode="auto" r:id="rId186">
             <p14:nvContentPartPr>
               <p14:cNvPr id="357" name="Ink 356">
@@ -14269,7 +14652,7 @@
             </p14:xfrm>
           </p:contentPart>
         </mc:Choice>
-        <mc:Fallback>
+        <mc:Fallback xmlns="">
           <p:pic>
             <p:nvPicPr>
               <p:cNvPr id="357" name="Ink 356">
@@ -14322,8 +14705,8 @@
             <a:chExt cx="71280" cy="125640"/>
           </a:xfrm>
         </p:grpSpPr>
-        <mc:AlternateContent xmlns:mc="http://schemas.openxmlformats.org/markup-compatibility/2006">
-          <mc:Choice xmlns:p14="http://schemas.microsoft.com/office/powerpoint/2010/main" Requires="p14">
+        <mc:AlternateContent xmlns:mc="http://schemas.openxmlformats.org/markup-compatibility/2006" xmlns:p14="http://schemas.microsoft.com/office/powerpoint/2010/main">
+          <mc:Choice Requires="p14">
             <p:contentPart p14:bwMode="auto" r:id="rId187">
               <p14:nvContentPartPr>
                 <p14:cNvPr id="360" name="Ink 359">
@@ -14342,7 +14725,7 @@
               </p14:xfrm>
             </p:contentPart>
           </mc:Choice>
-          <mc:Fallback>
+          <mc:Fallback xmlns="">
             <p:pic>
               <p:nvPicPr>
                 <p:cNvPr id="360" name="Ink 359">
@@ -14373,8 +14756,8 @@
             </p:pic>
           </mc:Fallback>
         </mc:AlternateContent>
-        <mc:AlternateContent xmlns:mc="http://schemas.openxmlformats.org/markup-compatibility/2006">
-          <mc:Choice xmlns:p14="http://schemas.microsoft.com/office/powerpoint/2010/main" Requires="p14">
+        <mc:AlternateContent xmlns:mc="http://schemas.openxmlformats.org/markup-compatibility/2006" xmlns:p14="http://schemas.microsoft.com/office/powerpoint/2010/main">
+          <mc:Choice Requires="p14">
             <p:contentPart p14:bwMode="auto" r:id="rId189">
               <p14:nvContentPartPr>
                 <p14:cNvPr id="361" name="Ink 360">
@@ -14393,7 +14776,7 @@
               </p14:xfrm>
             </p:contentPart>
           </mc:Choice>
-          <mc:Fallback>
+          <mc:Fallback xmlns="">
             <p:pic>
               <p:nvPicPr>
                 <p:cNvPr id="361" name="Ink 360">
@@ -14425,8 +14808,8 @@
           </mc:Fallback>
         </mc:AlternateContent>
       </p:grpSp>
-      <mc:AlternateContent xmlns:mc="http://schemas.openxmlformats.org/markup-compatibility/2006">
-        <mc:Choice xmlns:p14="http://schemas.microsoft.com/office/powerpoint/2010/main" Requires="p14">
+      <mc:AlternateContent xmlns:mc="http://schemas.openxmlformats.org/markup-compatibility/2006" xmlns:p14="http://schemas.microsoft.com/office/powerpoint/2010/main">
+        <mc:Choice Requires="p14">
           <p:contentPart p14:bwMode="auto" r:id="rId191">
             <p14:nvContentPartPr>
               <p14:cNvPr id="363" name="Ink 362">
@@ -14445,7 +14828,7 @@
             </p14:xfrm>
           </p:contentPart>
         </mc:Choice>
-        <mc:Fallback>
+        <mc:Fallback xmlns="">
           <p:pic>
             <p:nvPicPr>
               <p:cNvPr id="363" name="Ink 362">
@@ -14476,8 +14859,8 @@
           </p:pic>
         </mc:Fallback>
       </mc:AlternateContent>
-      <mc:AlternateContent xmlns:mc="http://schemas.openxmlformats.org/markup-compatibility/2006">
-        <mc:Choice xmlns:p14="http://schemas.microsoft.com/office/powerpoint/2010/main" Requires="p14">
+      <mc:AlternateContent xmlns:mc="http://schemas.openxmlformats.org/markup-compatibility/2006" xmlns:p14="http://schemas.microsoft.com/office/powerpoint/2010/main">
+        <mc:Choice Requires="p14">
           <p:contentPart p14:bwMode="auto" r:id="rId193">
             <p14:nvContentPartPr>
               <p14:cNvPr id="364" name="Ink 363">
@@ -14496,7 +14879,7 @@
             </p14:xfrm>
           </p:contentPart>
         </mc:Choice>
-        <mc:Fallback>
+        <mc:Fallback xmlns="">
           <p:pic>
             <p:nvPicPr>
               <p:cNvPr id="364" name="Ink 363">
@@ -14527,8 +14910,8 @@
           </p:pic>
         </mc:Fallback>
       </mc:AlternateContent>
-      <mc:AlternateContent xmlns:mc="http://schemas.openxmlformats.org/markup-compatibility/2006">
-        <mc:Choice xmlns:p14="http://schemas.microsoft.com/office/powerpoint/2010/main" Requires="p14">
+      <mc:AlternateContent xmlns:mc="http://schemas.openxmlformats.org/markup-compatibility/2006" xmlns:p14="http://schemas.microsoft.com/office/powerpoint/2010/main">
+        <mc:Choice Requires="p14">
           <p:contentPart p14:bwMode="auto" r:id="rId195">
             <p14:nvContentPartPr>
               <p14:cNvPr id="365" name="Ink 364">
@@ -14547,7 +14930,7 @@
             </p14:xfrm>
           </p:contentPart>
         </mc:Choice>
-        <mc:Fallback>
+        <mc:Fallback xmlns="">
           <p:pic>
             <p:nvPicPr>
               <p:cNvPr id="365" name="Ink 364">
@@ -14578,8 +14961,8 @@
           </p:pic>
         </mc:Fallback>
       </mc:AlternateContent>
-      <mc:AlternateContent xmlns:mc="http://schemas.openxmlformats.org/markup-compatibility/2006">
-        <mc:Choice xmlns:p14="http://schemas.microsoft.com/office/powerpoint/2010/main" Requires="p14">
+      <mc:AlternateContent xmlns:mc="http://schemas.openxmlformats.org/markup-compatibility/2006" xmlns:p14="http://schemas.microsoft.com/office/powerpoint/2010/main">
+        <mc:Choice Requires="p14">
           <p:contentPart p14:bwMode="auto" r:id="rId197">
             <p14:nvContentPartPr>
               <p14:cNvPr id="366" name="Ink 365">
@@ -14598,7 +14981,7 @@
             </p14:xfrm>
           </p:contentPart>
         </mc:Choice>
-        <mc:Fallback>
+        <mc:Fallback xmlns="">
           <p:pic>
             <p:nvPicPr>
               <p:cNvPr id="366" name="Ink 365">
@@ -14649,8 +15032,8 @@
             <a:chExt cx="497520" cy="1577160"/>
           </a:xfrm>
         </p:grpSpPr>
-        <mc:AlternateContent xmlns:mc="http://schemas.openxmlformats.org/markup-compatibility/2006">
-          <mc:Choice xmlns:p14="http://schemas.microsoft.com/office/powerpoint/2010/main" Requires="p14">
+        <mc:AlternateContent xmlns:mc="http://schemas.openxmlformats.org/markup-compatibility/2006" xmlns:p14="http://schemas.microsoft.com/office/powerpoint/2010/main">
+          <mc:Choice Requires="p14">
             <p:contentPart p14:bwMode="auto" r:id="rId199">
               <p14:nvContentPartPr>
                 <p14:cNvPr id="367" name="Ink 366">
@@ -14669,7 +15052,7 @@
               </p14:xfrm>
             </p:contentPart>
           </mc:Choice>
-          <mc:Fallback>
+          <mc:Fallback xmlns="">
             <p:pic>
               <p:nvPicPr>
                 <p:cNvPr id="367" name="Ink 366">
@@ -14700,8 +15083,8 @@
             </p:pic>
           </mc:Fallback>
         </mc:AlternateContent>
-        <mc:AlternateContent xmlns:mc="http://schemas.openxmlformats.org/markup-compatibility/2006">
-          <mc:Choice xmlns:p14="http://schemas.microsoft.com/office/powerpoint/2010/main" Requires="p14">
+        <mc:AlternateContent xmlns:mc="http://schemas.openxmlformats.org/markup-compatibility/2006" xmlns:p14="http://schemas.microsoft.com/office/powerpoint/2010/main">
+          <mc:Choice Requires="p14">
             <p:contentPart p14:bwMode="auto" r:id="rId201">
               <p14:nvContentPartPr>
                 <p14:cNvPr id="368" name="Ink 367">
@@ -14720,7 +15103,7 @@
               </p14:xfrm>
             </p:contentPart>
           </mc:Choice>
-          <mc:Fallback>
+          <mc:Fallback xmlns="">
             <p:pic>
               <p:nvPicPr>
                 <p:cNvPr id="368" name="Ink 367">
@@ -14751,8 +15134,8 @@
             </p:pic>
           </mc:Fallback>
         </mc:AlternateContent>
-        <mc:AlternateContent xmlns:mc="http://schemas.openxmlformats.org/markup-compatibility/2006">
-          <mc:Choice xmlns:p14="http://schemas.microsoft.com/office/powerpoint/2010/main" Requires="p14">
+        <mc:AlternateContent xmlns:mc="http://schemas.openxmlformats.org/markup-compatibility/2006" xmlns:p14="http://schemas.microsoft.com/office/powerpoint/2010/main">
+          <mc:Choice Requires="p14">
             <p:contentPart p14:bwMode="auto" r:id="rId203">
               <p14:nvContentPartPr>
                 <p14:cNvPr id="370" name="Ink 369">
@@ -14771,7 +15154,7 @@
               </p14:xfrm>
             </p:contentPart>
           </mc:Choice>
-          <mc:Fallback>
+          <mc:Fallback xmlns="">
             <p:pic>
               <p:nvPicPr>
                 <p:cNvPr id="370" name="Ink 369">
@@ -14802,8 +15185,8 @@
             </p:pic>
           </mc:Fallback>
         </mc:AlternateContent>
-        <mc:AlternateContent xmlns:mc="http://schemas.openxmlformats.org/markup-compatibility/2006">
-          <mc:Choice xmlns:p14="http://schemas.microsoft.com/office/powerpoint/2010/main" Requires="p14">
+        <mc:AlternateContent xmlns:mc="http://schemas.openxmlformats.org/markup-compatibility/2006" xmlns:p14="http://schemas.microsoft.com/office/powerpoint/2010/main">
+          <mc:Choice Requires="p14">
             <p:contentPart p14:bwMode="auto" r:id="rId205">
               <p14:nvContentPartPr>
                 <p14:cNvPr id="372" name="Ink 371">
@@ -14822,7 +15205,7 @@
               </p14:xfrm>
             </p:contentPart>
           </mc:Choice>
-          <mc:Fallback>
+          <mc:Fallback xmlns="">
             <p:pic>
               <p:nvPicPr>
                 <p:cNvPr id="372" name="Ink 371">
@@ -14853,8 +15236,8 @@
             </p:pic>
           </mc:Fallback>
         </mc:AlternateContent>
-        <mc:AlternateContent xmlns:mc="http://schemas.openxmlformats.org/markup-compatibility/2006">
-          <mc:Choice xmlns:p14="http://schemas.microsoft.com/office/powerpoint/2010/main" Requires="p14">
+        <mc:AlternateContent xmlns:mc="http://schemas.openxmlformats.org/markup-compatibility/2006" xmlns:p14="http://schemas.microsoft.com/office/powerpoint/2010/main">
+          <mc:Choice Requires="p14">
             <p:contentPart p14:bwMode="auto" r:id="rId207">
               <p14:nvContentPartPr>
                 <p14:cNvPr id="374" name="Ink 373">
@@ -14873,7 +15256,7 @@
               </p14:xfrm>
             </p:contentPart>
           </mc:Choice>
-          <mc:Fallback>
+          <mc:Fallback xmlns="">
             <p:pic>
               <p:nvPicPr>
                 <p:cNvPr id="374" name="Ink 373">
@@ -14904,8 +15287,8 @@
             </p:pic>
           </mc:Fallback>
         </mc:AlternateContent>
-        <mc:AlternateContent xmlns:mc="http://schemas.openxmlformats.org/markup-compatibility/2006">
-          <mc:Choice xmlns:p14="http://schemas.microsoft.com/office/powerpoint/2010/main" Requires="p14">
+        <mc:AlternateContent xmlns:mc="http://schemas.openxmlformats.org/markup-compatibility/2006" xmlns:p14="http://schemas.microsoft.com/office/powerpoint/2010/main">
+          <mc:Choice Requires="p14">
             <p:contentPart p14:bwMode="auto" r:id="rId209">
               <p14:nvContentPartPr>
                 <p14:cNvPr id="376" name="Ink 375">
@@ -14924,7 +15307,7 @@
               </p14:xfrm>
             </p:contentPart>
           </mc:Choice>
-          <mc:Fallback>
+          <mc:Fallback xmlns="">
             <p:pic>
               <p:nvPicPr>
                 <p:cNvPr id="376" name="Ink 375">
@@ -14955,8 +15338,8 @@
             </p:pic>
           </mc:Fallback>
         </mc:AlternateContent>
-        <mc:AlternateContent xmlns:mc="http://schemas.openxmlformats.org/markup-compatibility/2006">
-          <mc:Choice xmlns:p14="http://schemas.microsoft.com/office/powerpoint/2010/main" Requires="p14">
+        <mc:AlternateContent xmlns:mc="http://schemas.openxmlformats.org/markup-compatibility/2006" xmlns:p14="http://schemas.microsoft.com/office/powerpoint/2010/main">
+          <mc:Choice Requires="p14">
             <p:contentPart p14:bwMode="auto" r:id="rId211">
               <p14:nvContentPartPr>
                 <p14:cNvPr id="378" name="Ink 377">
@@ -14975,7 +15358,7 @@
               </p14:xfrm>
             </p:contentPart>
           </mc:Choice>
-          <mc:Fallback>
+          <mc:Fallback xmlns="">
             <p:pic>
               <p:nvPicPr>
                 <p:cNvPr id="378" name="Ink 377">
@@ -15007,8 +15390,8 @@
           </mc:Fallback>
         </mc:AlternateContent>
       </p:grpSp>
-      <mc:AlternateContent xmlns:mc="http://schemas.openxmlformats.org/markup-compatibility/2006">
-        <mc:Choice xmlns:p14="http://schemas.microsoft.com/office/powerpoint/2010/main" Requires="p14">
+      <mc:AlternateContent xmlns:mc="http://schemas.openxmlformats.org/markup-compatibility/2006" xmlns:p14="http://schemas.microsoft.com/office/powerpoint/2010/main">
+        <mc:Choice Requires="p14">
           <p:contentPart p14:bwMode="auto" r:id="rId213">
             <p14:nvContentPartPr>
               <p14:cNvPr id="380" name="Ink 379">
@@ -15027,7 +15410,7 @@
             </p14:xfrm>
           </p:contentPart>
         </mc:Choice>
-        <mc:Fallback>
+        <mc:Fallback xmlns="">
           <p:pic>
             <p:nvPicPr>
               <p:cNvPr id="380" name="Ink 379">
@@ -15058,8 +15441,8 @@
           </p:pic>
         </mc:Fallback>
       </mc:AlternateContent>
-      <mc:AlternateContent xmlns:mc="http://schemas.openxmlformats.org/markup-compatibility/2006">
-        <mc:Choice xmlns:p14="http://schemas.microsoft.com/office/powerpoint/2010/main" Requires="p14">
+      <mc:AlternateContent xmlns:mc="http://schemas.openxmlformats.org/markup-compatibility/2006" xmlns:p14="http://schemas.microsoft.com/office/powerpoint/2010/main">
+        <mc:Choice Requires="p14">
           <p:contentPart p14:bwMode="auto" r:id="rId215">
             <p14:nvContentPartPr>
               <p14:cNvPr id="381" name="Ink 380">
@@ -15078,7 +15461,7 @@
             </p14:xfrm>
           </p:contentPart>
         </mc:Choice>
-        <mc:Fallback>
+        <mc:Fallback xmlns="">
           <p:pic>
             <p:nvPicPr>
               <p:cNvPr id="381" name="Ink 380">
@@ -15109,8 +15492,8 @@
           </p:pic>
         </mc:Fallback>
       </mc:AlternateContent>
-      <mc:AlternateContent xmlns:mc="http://schemas.openxmlformats.org/markup-compatibility/2006">
-        <mc:Choice xmlns:p14="http://schemas.microsoft.com/office/powerpoint/2010/main" Requires="p14">
+      <mc:AlternateContent xmlns:mc="http://schemas.openxmlformats.org/markup-compatibility/2006" xmlns:p14="http://schemas.microsoft.com/office/powerpoint/2010/main">
+        <mc:Choice Requires="p14">
           <p:contentPart p14:bwMode="auto" r:id="rId217">
             <p14:nvContentPartPr>
               <p14:cNvPr id="382" name="Ink 381">
@@ -15129,7 +15512,7 @@
             </p14:xfrm>
           </p:contentPart>
         </mc:Choice>
-        <mc:Fallback>
+        <mc:Fallback xmlns="">
           <p:pic>
             <p:nvPicPr>
               <p:cNvPr id="382" name="Ink 381">
@@ -15180,8 +15563,8 @@
             <a:chExt cx="141120" cy="5860080"/>
           </a:xfrm>
         </p:grpSpPr>
-        <mc:AlternateContent xmlns:mc="http://schemas.openxmlformats.org/markup-compatibility/2006">
-          <mc:Choice xmlns:p14="http://schemas.microsoft.com/office/powerpoint/2010/main" Requires="p14">
+        <mc:AlternateContent xmlns:mc="http://schemas.openxmlformats.org/markup-compatibility/2006" xmlns:p14="http://schemas.microsoft.com/office/powerpoint/2010/main">
+          <mc:Choice Requires="p14">
             <p:contentPart p14:bwMode="auto" r:id="rId219">
               <p14:nvContentPartPr>
                 <p14:cNvPr id="275" name="Ink 274">
@@ -15200,7 +15583,7 @@
               </p14:xfrm>
             </p:contentPart>
           </mc:Choice>
-          <mc:Fallback>
+          <mc:Fallback xmlns="">
             <p:pic>
               <p:nvPicPr>
                 <p:cNvPr id="275" name="Ink 274">
@@ -15231,8 +15614,8 @@
             </p:pic>
           </mc:Fallback>
         </mc:AlternateContent>
-        <mc:AlternateContent xmlns:mc="http://schemas.openxmlformats.org/markup-compatibility/2006">
-          <mc:Choice xmlns:p14="http://schemas.microsoft.com/office/powerpoint/2010/main" Requires="p14">
+        <mc:AlternateContent xmlns:mc="http://schemas.openxmlformats.org/markup-compatibility/2006" xmlns:p14="http://schemas.microsoft.com/office/powerpoint/2010/main">
+          <mc:Choice Requires="p14">
             <p:contentPart p14:bwMode="auto" r:id="rId220">
               <p14:nvContentPartPr>
                 <p14:cNvPr id="276" name="Ink 275">
@@ -15251,7 +15634,7 @@
               </p14:xfrm>
             </p:contentPart>
           </mc:Choice>
-          <mc:Fallback>
+          <mc:Fallback xmlns="">
             <p:pic>
               <p:nvPicPr>
                 <p:cNvPr id="276" name="Ink 275">
@@ -15282,8 +15665,8 @@
             </p:pic>
           </mc:Fallback>
         </mc:AlternateContent>
-        <mc:AlternateContent xmlns:mc="http://schemas.openxmlformats.org/markup-compatibility/2006">
-          <mc:Choice xmlns:p14="http://schemas.microsoft.com/office/powerpoint/2010/main" Requires="p14">
+        <mc:AlternateContent xmlns:mc="http://schemas.openxmlformats.org/markup-compatibility/2006" xmlns:p14="http://schemas.microsoft.com/office/powerpoint/2010/main">
+          <mc:Choice Requires="p14">
             <p:contentPart p14:bwMode="auto" r:id="rId221">
               <p14:nvContentPartPr>
                 <p14:cNvPr id="277" name="Ink 276">
@@ -15302,7 +15685,7 @@
               </p14:xfrm>
             </p:contentPart>
           </mc:Choice>
-          <mc:Fallback>
+          <mc:Fallback xmlns="">
             <p:pic>
               <p:nvPicPr>
                 <p:cNvPr id="277" name="Ink 276">
@@ -15333,8 +15716,8 @@
             </p:pic>
           </mc:Fallback>
         </mc:AlternateContent>
-        <mc:AlternateContent xmlns:mc="http://schemas.openxmlformats.org/markup-compatibility/2006">
-          <mc:Choice xmlns:p14="http://schemas.microsoft.com/office/powerpoint/2010/main" Requires="p14">
+        <mc:AlternateContent xmlns:mc="http://schemas.openxmlformats.org/markup-compatibility/2006" xmlns:p14="http://schemas.microsoft.com/office/powerpoint/2010/main">
+          <mc:Choice Requires="p14">
             <p:contentPart p14:bwMode="auto" r:id="rId222">
               <p14:nvContentPartPr>
                 <p14:cNvPr id="278" name="Ink 277">
@@ -15353,7 +15736,7 @@
               </p14:xfrm>
             </p:contentPart>
           </mc:Choice>
-          <mc:Fallback>
+          <mc:Fallback xmlns="">
             <p:pic>
               <p:nvPicPr>
                 <p:cNvPr id="278" name="Ink 277">
@@ -15384,8 +15767,8 @@
             </p:pic>
           </mc:Fallback>
         </mc:AlternateContent>
-        <mc:AlternateContent xmlns:mc="http://schemas.openxmlformats.org/markup-compatibility/2006">
-          <mc:Choice xmlns:p14="http://schemas.microsoft.com/office/powerpoint/2010/main" Requires="p14">
+        <mc:AlternateContent xmlns:mc="http://schemas.openxmlformats.org/markup-compatibility/2006" xmlns:p14="http://schemas.microsoft.com/office/powerpoint/2010/main">
+          <mc:Choice Requires="p14">
             <p:contentPart p14:bwMode="auto" r:id="rId223">
               <p14:nvContentPartPr>
                 <p14:cNvPr id="279" name="Ink 278">
@@ -15404,7 +15787,7 @@
               </p14:xfrm>
             </p:contentPart>
           </mc:Choice>
-          <mc:Fallback>
+          <mc:Fallback xmlns="">
             <p:pic>
               <p:nvPicPr>
                 <p:cNvPr id="279" name="Ink 278">
@@ -15435,8 +15818,8 @@
             </p:pic>
           </mc:Fallback>
         </mc:AlternateContent>
-        <mc:AlternateContent xmlns:mc="http://schemas.openxmlformats.org/markup-compatibility/2006">
-          <mc:Choice xmlns:p14="http://schemas.microsoft.com/office/powerpoint/2010/main" Requires="p14">
+        <mc:AlternateContent xmlns:mc="http://schemas.openxmlformats.org/markup-compatibility/2006" xmlns:p14="http://schemas.microsoft.com/office/powerpoint/2010/main">
+          <mc:Choice Requires="p14">
             <p:contentPart p14:bwMode="auto" r:id="rId224">
               <p14:nvContentPartPr>
                 <p14:cNvPr id="280" name="Ink 279">
@@ -15455,7 +15838,7 @@
               </p14:xfrm>
             </p:contentPart>
           </mc:Choice>
-          <mc:Fallback>
+          <mc:Fallback xmlns="">
             <p:pic>
               <p:nvPicPr>
                 <p:cNvPr id="280" name="Ink 279">
@@ -15486,8 +15869,8 @@
             </p:pic>
           </mc:Fallback>
         </mc:AlternateContent>
-        <mc:AlternateContent xmlns:mc="http://schemas.openxmlformats.org/markup-compatibility/2006">
-          <mc:Choice xmlns:p14="http://schemas.microsoft.com/office/powerpoint/2010/main" Requires="p14">
+        <mc:AlternateContent xmlns:mc="http://schemas.openxmlformats.org/markup-compatibility/2006" xmlns:p14="http://schemas.microsoft.com/office/powerpoint/2010/main">
+          <mc:Choice Requires="p14">
             <p:contentPart p14:bwMode="auto" r:id="rId225">
               <p14:nvContentPartPr>
                 <p14:cNvPr id="281" name="Ink 280">
@@ -15506,7 +15889,7 @@
               </p14:xfrm>
             </p:contentPart>
           </mc:Choice>
-          <mc:Fallback>
+          <mc:Fallback xmlns="">
             <p:pic>
               <p:nvPicPr>
                 <p:cNvPr id="281" name="Ink 280">
@@ -15537,8 +15920,8 @@
             </p:pic>
           </mc:Fallback>
         </mc:AlternateContent>
-        <mc:AlternateContent xmlns:mc="http://schemas.openxmlformats.org/markup-compatibility/2006">
-          <mc:Choice xmlns:p14="http://schemas.microsoft.com/office/powerpoint/2010/main" Requires="p14">
+        <mc:AlternateContent xmlns:mc="http://schemas.openxmlformats.org/markup-compatibility/2006" xmlns:p14="http://schemas.microsoft.com/office/powerpoint/2010/main">
+          <mc:Choice Requires="p14">
             <p:contentPart p14:bwMode="auto" r:id="rId226">
               <p14:nvContentPartPr>
                 <p14:cNvPr id="282" name="Ink 281">
@@ -15557,7 +15940,7 @@
               </p14:xfrm>
             </p:contentPart>
           </mc:Choice>
-          <mc:Fallback>
+          <mc:Fallback xmlns="">
             <p:pic>
               <p:nvPicPr>
                 <p:cNvPr id="282" name="Ink 281">
@@ -15608,8 +15991,8 @@
               <a:chExt cx="19440" cy="1276560"/>
             </a:xfrm>
           </p:grpSpPr>
-          <mc:AlternateContent xmlns:mc="http://schemas.openxmlformats.org/markup-compatibility/2006">
-            <mc:Choice xmlns:p14="http://schemas.microsoft.com/office/powerpoint/2010/main" Requires="p14">
+          <mc:AlternateContent xmlns:mc="http://schemas.openxmlformats.org/markup-compatibility/2006" xmlns:p14="http://schemas.microsoft.com/office/powerpoint/2010/main">
+            <mc:Choice Requires="p14">
               <p:contentPart p14:bwMode="auto" r:id="rId227">
                 <p14:nvContentPartPr>
                   <p14:cNvPr id="284" name="Ink 283">
@@ -15628,7 +16011,7 @@
                 </p14:xfrm>
               </p:contentPart>
             </mc:Choice>
-            <mc:Fallback>
+            <mc:Fallback xmlns="">
               <p:pic>
                 <p:nvPicPr>
                   <p:cNvPr id="284" name="Ink 283">
@@ -15659,8 +16042,8 @@
               </p:pic>
             </mc:Fallback>
           </mc:AlternateContent>
-          <mc:AlternateContent xmlns:mc="http://schemas.openxmlformats.org/markup-compatibility/2006">
-            <mc:Choice xmlns:p14="http://schemas.microsoft.com/office/powerpoint/2010/main" Requires="p14">
+          <mc:AlternateContent xmlns:mc="http://schemas.openxmlformats.org/markup-compatibility/2006" xmlns:p14="http://schemas.microsoft.com/office/powerpoint/2010/main">
+            <mc:Choice Requires="p14">
               <p:contentPart p14:bwMode="auto" r:id="rId228">
                 <p14:nvContentPartPr>
                   <p14:cNvPr id="285" name="Ink 284">
@@ -15679,7 +16062,7 @@
                 </p14:xfrm>
               </p:contentPart>
             </mc:Choice>
-            <mc:Fallback>
+            <mc:Fallback xmlns="">
               <p:pic>
                 <p:nvPicPr>
                   <p:cNvPr id="285" name="Ink 284">
@@ -15710,8 +16093,8 @@
               </p:pic>
             </mc:Fallback>
           </mc:AlternateContent>
-          <mc:AlternateContent xmlns:mc="http://schemas.openxmlformats.org/markup-compatibility/2006">
-            <mc:Choice xmlns:p14="http://schemas.microsoft.com/office/powerpoint/2010/main" Requires="p14">
+          <mc:AlternateContent xmlns:mc="http://schemas.openxmlformats.org/markup-compatibility/2006" xmlns:p14="http://schemas.microsoft.com/office/powerpoint/2010/main">
+            <mc:Choice Requires="p14">
               <p:contentPart p14:bwMode="auto" r:id="rId229">
                 <p14:nvContentPartPr>
                   <p14:cNvPr id="286" name="Ink 285">
@@ -15730,7 +16113,7 @@
                 </p14:xfrm>
               </p:contentPart>
             </mc:Choice>
-            <mc:Fallback>
+            <mc:Fallback xmlns="">
               <p:pic>
                 <p:nvPicPr>
                   <p:cNvPr id="286" name="Ink 285">
@@ -15761,8 +16144,8 @@
               </p:pic>
             </mc:Fallback>
           </mc:AlternateContent>
-          <mc:AlternateContent xmlns:mc="http://schemas.openxmlformats.org/markup-compatibility/2006">
-            <mc:Choice xmlns:p14="http://schemas.microsoft.com/office/powerpoint/2010/main" Requires="p14">
+          <mc:AlternateContent xmlns:mc="http://schemas.openxmlformats.org/markup-compatibility/2006" xmlns:p14="http://schemas.microsoft.com/office/powerpoint/2010/main">
+            <mc:Choice Requires="p14">
               <p:contentPart p14:bwMode="auto" r:id="rId230">
                 <p14:nvContentPartPr>
                   <p14:cNvPr id="287" name="Ink 286">
@@ -15781,7 +16164,7 @@
                 </p14:xfrm>
               </p:contentPart>
             </mc:Choice>
-            <mc:Fallback>
+            <mc:Fallback xmlns="">
               <p:pic>
                 <p:nvPicPr>
                   <p:cNvPr id="287" name="Ink 286">
@@ -15812,8 +16195,8 @@
               </p:pic>
             </mc:Fallback>
           </mc:AlternateContent>
-          <mc:AlternateContent xmlns:mc="http://schemas.openxmlformats.org/markup-compatibility/2006">
-            <mc:Choice xmlns:p14="http://schemas.microsoft.com/office/powerpoint/2010/main" Requires="p14">
+          <mc:AlternateContent xmlns:mc="http://schemas.openxmlformats.org/markup-compatibility/2006" xmlns:p14="http://schemas.microsoft.com/office/powerpoint/2010/main">
+            <mc:Choice Requires="p14">
               <p:contentPart p14:bwMode="auto" r:id="rId231">
                 <p14:nvContentPartPr>
                   <p14:cNvPr id="288" name="Ink 287">
@@ -15832,7 +16215,7 @@
                 </p14:xfrm>
               </p:contentPart>
             </mc:Choice>
-            <mc:Fallback>
+            <mc:Fallback xmlns="">
               <p:pic>
                 <p:nvPicPr>
                   <p:cNvPr id="288" name="Ink 287">
@@ -15863,8 +16246,8 @@
               </p:pic>
             </mc:Fallback>
           </mc:AlternateContent>
-          <mc:AlternateContent xmlns:mc="http://schemas.openxmlformats.org/markup-compatibility/2006">
-            <mc:Choice xmlns:p14="http://schemas.microsoft.com/office/powerpoint/2010/main" Requires="p14">
+          <mc:AlternateContent xmlns:mc="http://schemas.openxmlformats.org/markup-compatibility/2006" xmlns:p14="http://schemas.microsoft.com/office/powerpoint/2010/main">
+            <mc:Choice Requires="p14">
               <p:contentPart p14:bwMode="auto" r:id="rId232">
                 <p14:nvContentPartPr>
                   <p14:cNvPr id="289" name="Ink 288">
@@ -15883,7 +16266,7 @@
                 </p14:xfrm>
               </p:contentPart>
             </mc:Choice>
-            <mc:Fallback>
+            <mc:Fallback xmlns="">
               <p:pic>
                 <p:nvPicPr>
                   <p:cNvPr id="289" name="Ink 288">
@@ -15914,8 +16297,8 @@
               </p:pic>
             </mc:Fallback>
           </mc:AlternateContent>
-          <mc:AlternateContent xmlns:mc="http://schemas.openxmlformats.org/markup-compatibility/2006">
-            <mc:Choice xmlns:p14="http://schemas.microsoft.com/office/powerpoint/2010/main" Requires="p14">
+          <mc:AlternateContent xmlns:mc="http://schemas.openxmlformats.org/markup-compatibility/2006" xmlns:p14="http://schemas.microsoft.com/office/powerpoint/2010/main">
+            <mc:Choice Requires="p14">
               <p:contentPart p14:bwMode="auto" r:id="rId233">
                 <p14:nvContentPartPr>
                   <p14:cNvPr id="290" name="Ink 289">
@@ -15934,7 +16317,7 @@
                 </p14:xfrm>
               </p:contentPart>
             </mc:Choice>
-            <mc:Fallback>
+            <mc:Fallback xmlns="">
               <p:pic>
                 <p:nvPicPr>
                   <p:cNvPr id="290" name="Ink 289">
@@ -15965,8 +16348,8 @@
               </p:pic>
             </mc:Fallback>
           </mc:AlternateContent>
-          <mc:AlternateContent xmlns:mc="http://schemas.openxmlformats.org/markup-compatibility/2006">
-            <mc:Choice xmlns:p14="http://schemas.microsoft.com/office/powerpoint/2010/main" Requires="p14">
+          <mc:AlternateContent xmlns:mc="http://schemas.openxmlformats.org/markup-compatibility/2006" xmlns:p14="http://schemas.microsoft.com/office/powerpoint/2010/main">
+            <mc:Choice Requires="p14">
               <p:contentPart p14:bwMode="auto" r:id="rId234">
                 <p14:nvContentPartPr>
                   <p14:cNvPr id="291" name="Ink 290">
@@ -15985,7 +16368,7 @@
                 </p14:xfrm>
               </p:contentPart>
             </mc:Choice>
-            <mc:Fallback>
+            <mc:Fallback xmlns="">
               <p:pic>
                 <p:nvPicPr>
                   <p:cNvPr id="291" name="Ink 290">
@@ -16037,8 +16420,8 @@
               <a:chExt cx="7920" cy="339840"/>
             </a:xfrm>
           </p:grpSpPr>
-          <mc:AlternateContent xmlns:mc="http://schemas.openxmlformats.org/markup-compatibility/2006">
-            <mc:Choice xmlns:p14="http://schemas.microsoft.com/office/powerpoint/2010/main" Requires="p14">
+          <mc:AlternateContent xmlns:mc="http://schemas.openxmlformats.org/markup-compatibility/2006" xmlns:p14="http://schemas.microsoft.com/office/powerpoint/2010/main">
+            <mc:Choice Requires="p14">
               <p:contentPart p14:bwMode="auto" r:id="rId235">
                 <p14:nvContentPartPr>
                   <p14:cNvPr id="293" name="Ink 292">
@@ -16057,7 +16440,7 @@
                 </p14:xfrm>
               </p:contentPart>
             </mc:Choice>
-            <mc:Fallback>
+            <mc:Fallback xmlns="">
               <p:pic>
                 <p:nvPicPr>
                   <p:cNvPr id="293" name="Ink 292">
@@ -16088,8 +16471,8 @@
               </p:pic>
             </mc:Fallback>
           </mc:AlternateContent>
-          <mc:AlternateContent xmlns:mc="http://schemas.openxmlformats.org/markup-compatibility/2006">
-            <mc:Choice xmlns:p14="http://schemas.microsoft.com/office/powerpoint/2010/main" Requires="p14">
+          <mc:AlternateContent xmlns:mc="http://schemas.openxmlformats.org/markup-compatibility/2006" xmlns:p14="http://schemas.microsoft.com/office/powerpoint/2010/main">
+            <mc:Choice Requires="p14">
               <p:contentPart p14:bwMode="auto" r:id="rId236">
                 <p14:nvContentPartPr>
                   <p14:cNvPr id="294" name="Ink 293">
@@ -16108,7 +16491,7 @@
                 </p14:xfrm>
               </p:contentPart>
             </mc:Choice>
-            <mc:Fallback>
+            <mc:Fallback xmlns="">
               <p:pic>
                 <p:nvPicPr>
                   <p:cNvPr id="294" name="Ink 293">
@@ -16139,8 +16522,8 @@
               </p:pic>
             </mc:Fallback>
           </mc:AlternateContent>
-          <mc:AlternateContent xmlns:mc="http://schemas.openxmlformats.org/markup-compatibility/2006">
-            <mc:Choice xmlns:p14="http://schemas.microsoft.com/office/powerpoint/2010/main" Requires="p14">
+          <mc:AlternateContent xmlns:mc="http://schemas.openxmlformats.org/markup-compatibility/2006" xmlns:p14="http://schemas.microsoft.com/office/powerpoint/2010/main">
+            <mc:Choice Requires="p14">
               <p:contentPart p14:bwMode="auto" r:id="rId237">
                 <p14:nvContentPartPr>
                   <p14:cNvPr id="295" name="Ink 294">
@@ -16159,7 +16542,7 @@
                 </p14:xfrm>
               </p:contentPart>
             </mc:Choice>
-            <mc:Fallback>
+            <mc:Fallback xmlns="">
               <p:pic>
                 <p:nvPicPr>
                   <p:cNvPr id="295" name="Ink 294">
@@ -16211,8 +16594,8 @@
               <a:chExt cx="2880" cy="132120"/>
             </a:xfrm>
           </p:grpSpPr>
-          <mc:AlternateContent xmlns:mc="http://schemas.openxmlformats.org/markup-compatibility/2006">
-            <mc:Choice xmlns:p14="http://schemas.microsoft.com/office/powerpoint/2010/main" Requires="p14">
+          <mc:AlternateContent xmlns:mc="http://schemas.openxmlformats.org/markup-compatibility/2006" xmlns:p14="http://schemas.microsoft.com/office/powerpoint/2010/main">
+            <mc:Choice Requires="p14">
               <p:contentPart p14:bwMode="auto" r:id="rId238">
                 <p14:nvContentPartPr>
                   <p14:cNvPr id="297" name="Ink 296">
@@ -16231,7 +16614,7 @@
                 </p14:xfrm>
               </p:contentPart>
             </mc:Choice>
-            <mc:Fallback>
+            <mc:Fallback xmlns="">
               <p:pic>
                 <p:nvPicPr>
                   <p:cNvPr id="297" name="Ink 296">
@@ -16262,8 +16645,8 @@
               </p:pic>
             </mc:Fallback>
           </mc:AlternateContent>
-          <mc:AlternateContent xmlns:mc="http://schemas.openxmlformats.org/markup-compatibility/2006">
-            <mc:Choice xmlns:p14="http://schemas.microsoft.com/office/powerpoint/2010/main" Requires="p14">
+          <mc:AlternateContent xmlns:mc="http://schemas.openxmlformats.org/markup-compatibility/2006" xmlns:p14="http://schemas.microsoft.com/office/powerpoint/2010/main">
+            <mc:Choice Requires="p14">
               <p:contentPart p14:bwMode="auto" r:id="rId239">
                 <p14:nvContentPartPr>
                   <p14:cNvPr id="298" name="Ink 297">
@@ -16282,7 +16665,7 @@
                 </p14:xfrm>
               </p:contentPart>
             </mc:Choice>
-            <mc:Fallback>
+            <mc:Fallback xmlns="">
               <p:pic>
                 <p:nvPicPr>
                   <p:cNvPr id="298" name="Ink 297">
@@ -16314,8 +16697,8 @@
             </mc:Fallback>
           </mc:AlternateContent>
         </p:grpSp>
-        <mc:AlternateContent xmlns:mc="http://schemas.openxmlformats.org/markup-compatibility/2006">
-          <mc:Choice xmlns:p14="http://schemas.microsoft.com/office/powerpoint/2010/main" Requires="p14">
+        <mc:AlternateContent xmlns:mc="http://schemas.openxmlformats.org/markup-compatibility/2006" xmlns:p14="http://schemas.microsoft.com/office/powerpoint/2010/main">
+          <mc:Choice Requires="p14">
             <p:contentPart p14:bwMode="auto" r:id="rId240">
               <p14:nvContentPartPr>
                 <p14:cNvPr id="299" name="Ink 298">
@@ -16334,7 +16717,7 @@
               </p14:xfrm>
             </p:contentPart>
           </mc:Choice>
-          <mc:Fallback>
+          <mc:Fallback xmlns="">
             <p:pic>
               <p:nvPicPr>
                 <p:cNvPr id="299" name="Ink 298">
@@ -16365,8 +16748,8 @@
             </p:pic>
           </mc:Fallback>
         </mc:AlternateContent>
-        <mc:AlternateContent xmlns:mc="http://schemas.openxmlformats.org/markup-compatibility/2006">
-          <mc:Choice xmlns:p14="http://schemas.microsoft.com/office/powerpoint/2010/main" Requires="p14">
+        <mc:AlternateContent xmlns:mc="http://schemas.openxmlformats.org/markup-compatibility/2006" xmlns:p14="http://schemas.microsoft.com/office/powerpoint/2010/main">
+          <mc:Choice Requires="p14">
             <p:contentPart p14:bwMode="auto" r:id="rId241">
               <p14:nvContentPartPr>
                 <p14:cNvPr id="300" name="Ink 299">
@@ -16385,7 +16768,7 @@
               </p14:xfrm>
             </p:contentPart>
           </mc:Choice>
-          <mc:Fallback>
+          <mc:Fallback xmlns="">
             <p:pic>
               <p:nvPicPr>
                 <p:cNvPr id="300" name="Ink 299">
@@ -16436,8 +16819,8 @@
               <a:chExt cx="5760" cy="160920"/>
             </a:xfrm>
           </p:grpSpPr>
-          <mc:AlternateContent xmlns:mc="http://schemas.openxmlformats.org/markup-compatibility/2006">
-            <mc:Choice xmlns:p14="http://schemas.microsoft.com/office/powerpoint/2010/main" Requires="p14">
+          <mc:AlternateContent xmlns:mc="http://schemas.openxmlformats.org/markup-compatibility/2006" xmlns:p14="http://schemas.microsoft.com/office/powerpoint/2010/main">
+            <mc:Choice Requires="p14">
               <p:contentPart p14:bwMode="auto" r:id="rId242">
                 <p14:nvContentPartPr>
                   <p14:cNvPr id="302" name="Ink 301">
@@ -16456,7 +16839,7 @@
                 </p14:xfrm>
               </p:contentPart>
             </mc:Choice>
-            <mc:Fallback>
+            <mc:Fallback xmlns="">
               <p:pic>
                 <p:nvPicPr>
                   <p:cNvPr id="302" name="Ink 301">
@@ -16487,8 +16870,8 @@
               </p:pic>
             </mc:Fallback>
           </mc:AlternateContent>
-          <mc:AlternateContent xmlns:mc="http://schemas.openxmlformats.org/markup-compatibility/2006">
-            <mc:Choice xmlns:p14="http://schemas.microsoft.com/office/powerpoint/2010/main" Requires="p14">
+          <mc:AlternateContent xmlns:mc="http://schemas.openxmlformats.org/markup-compatibility/2006" xmlns:p14="http://schemas.microsoft.com/office/powerpoint/2010/main">
+            <mc:Choice Requires="p14">
               <p:contentPart p14:bwMode="auto" r:id="rId243">
                 <p14:nvContentPartPr>
                   <p14:cNvPr id="303" name="Ink 302">
@@ -16507,7 +16890,7 @@
                 </p14:xfrm>
               </p:contentPart>
             </mc:Choice>
-            <mc:Fallback>
+            <mc:Fallback xmlns="">
               <p:pic>
                 <p:nvPicPr>
                   <p:cNvPr id="303" name="Ink 302">
@@ -16539,8 +16922,8 @@
             </mc:Fallback>
           </mc:AlternateContent>
         </p:grpSp>
-        <mc:AlternateContent xmlns:mc="http://schemas.openxmlformats.org/markup-compatibility/2006">
-          <mc:Choice xmlns:p14="http://schemas.microsoft.com/office/powerpoint/2010/main" Requires="p14">
+        <mc:AlternateContent xmlns:mc="http://schemas.openxmlformats.org/markup-compatibility/2006" xmlns:p14="http://schemas.microsoft.com/office/powerpoint/2010/main">
+          <mc:Choice Requires="p14">
             <p:contentPart p14:bwMode="auto" r:id="rId244">
               <p14:nvContentPartPr>
                 <p14:cNvPr id="304" name="Ink 303">
@@ -16559,7 +16942,7 @@
               </p14:xfrm>
             </p:contentPart>
           </mc:Choice>
-          <mc:Fallback>
+          <mc:Fallback xmlns="">
             <p:pic>
               <p:nvPicPr>
                 <p:cNvPr id="304" name="Ink 303">
@@ -16610,8 +16993,8 @@
               <a:chExt cx="28800" cy="671400"/>
             </a:xfrm>
           </p:grpSpPr>
-          <mc:AlternateContent xmlns:mc="http://schemas.openxmlformats.org/markup-compatibility/2006">
-            <mc:Choice xmlns:p14="http://schemas.microsoft.com/office/powerpoint/2010/main" Requires="p14">
+          <mc:AlternateContent xmlns:mc="http://schemas.openxmlformats.org/markup-compatibility/2006" xmlns:p14="http://schemas.microsoft.com/office/powerpoint/2010/main">
+            <mc:Choice Requires="p14">
               <p:contentPart p14:bwMode="auto" r:id="rId245">
                 <p14:nvContentPartPr>
                   <p14:cNvPr id="306" name="Ink 305">
@@ -16630,7 +17013,7 @@
                 </p14:xfrm>
               </p:contentPart>
             </mc:Choice>
-            <mc:Fallback>
+            <mc:Fallback xmlns="">
               <p:pic>
                 <p:nvPicPr>
                   <p:cNvPr id="306" name="Ink 305">
@@ -16661,8 +17044,8 @@
               </p:pic>
             </mc:Fallback>
           </mc:AlternateContent>
-          <mc:AlternateContent xmlns:mc="http://schemas.openxmlformats.org/markup-compatibility/2006">
-            <mc:Choice xmlns:p14="http://schemas.microsoft.com/office/powerpoint/2010/main" Requires="p14">
+          <mc:AlternateContent xmlns:mc="http://schemas.openxmlformats.org/markup-compatibility/2006" xmlns:p14="http://schemas.microsoft.com/office/powerpoint/2010/main">
+            <mc:Choice Requires="p14">
               <p:contentPart p14:bwMode="auto" r:id="rId246">
                 <p14:nvContentPartPr>
                   <p14:cNvPr id="307" name="Ink 306">
@@ -16681,7 +17064,7 @@
                 </p14:xfrm>
               </p:contentPart>
             </mc:Choice>
-            <mc:Fallback>
+            <mc:Fallback xmlns="">
               <p:pic>
                 <p:nvPicPr>
                   <p:cNvPr id="307" name="Ink 306">
@@ -16712,8 +17095,8 @@
               </p:pic>
             </mc:Fallback>
           </mc:AlternateContent>
-          <mc:AlternateContent xmlns:mc="http://schemas.openxmlformats.org/markup-compatibility/2006">
-            <mc:Choice xmlns:p14="http://schemas.microsoft.com/office/powerpoint/2010/main" Requires="p14">
+          <mc:AlternateContent xmlns:mc="http://schemas.openxmlformats.org/markup-compatibility/2006" xmlns:p14="http://schemas.microsoft.com/office/powerpoint/2010/main">
+            <mc:Choice Requires="p14">
               <p:contentPart p14:bwMode="auto" r:id="rId247">
                 <p14:nvContentPartPr>
                   <p14:cNvPr id="308" name="Ink 307">
@@ -16732,7 +17115,7 @@
                 </p14:xfrm>
               </p:contentPart>
             </mc:Choice>
-            <mc:Fallback>
+            <mc:Fallback xmlns="">
               <p:pic>
                 <p:nvPicPr>
                   <p:cNvPr id="308" name="Ink 307">
@@ -16763,8 +17146,8 @@
               </p:pic>
             </mc:Fallback>
           </mc:AlternateContent>
-          <mc:AlternateContent xmlns:mc="http://schemas.openxmlformats.org/markup-compatibility/2006">
-            <mc:Choice xmlns:p14="http://schemas.microsoft.com/office/powerpoint/2010/main" Requires="p14">
+          <mc:AlternateContent xmlns:mc="http://schemas.openxmlformats.org/markup-compatibility/2006" xmlns:p14="http://schemas.microsoft.com/office/powerpoint/2010/main">
+            <mc:Choice Requires="p14">
               <p:contentPart p14:bwMode="auto" r:id="rId248">
                 <p14:nvContentPartPr>
                   <p14:cNvPr id="309" name="Ink 308">
@@ -16783,7 +17166,7 @@
                 </p14:xfrm>
               </p:contentPart>
             </mc:Choice>
-            <mc:Fallback>
+            <mc:Fallback xmlns="">
               <p:pic>
                 <p:nvPicPr>
                   <p:cNvPr id="309" name="Ink 308">
@@ -16814,8 +17197,8 @@
               </p:pic>
             </mc:Fallback>
           </mc:AlternateContent>
-          <mc:AlternateContent xmlns:mc="http://schemas.openxmlformats.org/markup-compatibility/2006">
-            <mc:Choice xmlns:p14="http://schemas.microsoft.com/office/powerpoint/2010/main" Requires="p14">
+          <mc:AlternateContent xmlns:mc="http://schemas.openxmlformats.org/markup-compatibility/2006" xmlns:p14="http://schemas.microsoft.com/office/powerpoint/2010/main">
+            <mc:Choice Requires="p14">
               <p:contentPart p14:bwMode="auto" r:id="rId249">
                 <p14:nvContentPartPr>
                   <p14:cNvPr id="310" name="Ink 309">
@@ -16834,7 +17217,7 @@
                 </p14:xfrm>
               </p:contentPart>
             </mc:Choice>
-            <mc:Fallback>
+            <mc:Fallback xmlns="">
               <p:pic>
                 <p:nvPicPr>
                   <p:cNvPr id="310" name="Ink 309">
@@ -16886,8 +17269,8 @@
               <a:chExt cx="15840" cy="210600"/>
             </a:xfrm>
           </p:grpSpPr>
-          <mc:AlternateContent xmlns:mc="http://schemas.openxmlformats.org/markup-compatibility/2006">
-            <mc:Choice xmlns:p14="http://schemas.microsoft.com/office/powerpoint/2010/main" Requires="p14">
+          <mc:AlternateContent xmlns:mc="http://schemas.openxmlformats.org/markup-compatibility/2006" xmlns:p14="http://schemas.microsoft.com/office/powerpoint/2010/main">
+            <mc:Choice Requires="p14">
               <p:contentPart p14:bwMode="auto" r:id="rId250">
                 <p14:nvContentPartPr>
                   <p14:cNvPr id="312" name="Ink 311">
@@ -16906,7 +17289,7 @@
                 </p14:xfrm>
               </p:contentPart>
             </mc:Choice>
-            <mc:Fallback>
+            <mc:Fallback xmlns="">
               <p:pic>
                 <p:nvPicPr>
                   <p:cNvPr id="312" name="Ink 311">
@@ -16937,8 +17320,8 @@
               </p:pic>
             </mc:Fallback>
           </mc:AlternateContent>
-          <mc:AlternateContent xmlns:mc="http://schemas.openxmlformats.org/markup-compatibility/2006">
-            <mc:Choice xmlns:p14="http://schemas.microsoft.com/office/powerpoint/2010/main" Requires="p14">
+          <mc:AlternateContent xmlns:mc="http://schemas.openxmlformats.org/markup-compatibility/2006" xmlns:p14="http://schemas.microsoft.com/office/powerpoint/2010/main">
+            <mc:Choice Requires="p14">
               <p:contentPart p14:bwMode="auto" r:id="rId251">
                 <p14:nvContentPartPr>
                   <p14:cNvPr id="313" name="Ink 312">
@@ -16957,7 +17340,7 @@
                 </p14:xfrm>
               </p:contentPart>
             </mc:Choice>
-            <mc:Fallback>
+            <mc:Fallback xmlns="">
               <p:pic>
                 <p:nvPicPr>
                   <p:cNvPr id="313" name="Ink 312">
@@ -16989,8 +17372,8 @@
             </mc:Fallback>
           </mc:AlternateContent>
         </p:grpSp>
-        <mc:AlternateContent xmlns:mc="http://schemas.openxmlformats.org/markup-compatibility/2006">
-          <mc:Choice xmlns:p14="http://schemas.microsoft.com/office/powerpoint/2010/main" Requires="p14">
+        <mc:AlternateContent xmlns:mc="http://schemas.openxmlformats.org/markup-compatibility/2006" xmlns:p14="http://schemas.microsoft.com/office/powerpoint/2010/main">
+          <mc:Choice Requires="p14">
             <p:contentPart p14:bwMode="auto" r:id="rId252">
               <p14:nvContentPartPr>
                 <p14:cNvPr id="314" name="Ink 313">
@@ -17009,7 +17392,7 @@
               </p14:xfrm>
             </p:contentPart>
           </mc:Choice>
-          <mc:Fallback>
+          <mc:Fallback xmlns="">
             <p:pic>
               <p:nvPicPr>
                 <p:cNvPr id="314" name="Ink 313">
@@ -17040,8 +17423,8 @@
             </p:pic>
           </mc:Fallback>
         </mc:AlternateContent>
-        <mc:AlternateContent xmlns:mc="http://schemas.openxmlformats.org/markup-compatibility/2006">
-          <mc:Choice xmlns:p14="http://schemas.microsoft.com/office/powerpoint/2010/main" Requires="p14">
+        <mc:AlternateContent xmlns:mc="http://schemas.openxmlformats.org/markup-compatibility/2006" xmlns:p14="http://schemas.microsoft.com/office/powerpoint/2010/main">
+          <mc:Choice Requires="p14">
             <p:contentPart p14:bwMode="auto" r:id="rId253">
               <p14:nvContentPartPr>
                 <p14:cNvPr id="315" name="Ink 314">
@@ -17060,7 +17443,7 @@
               </p14:xfrm>
             </p:contentPart>
           </mc:Choice>
-          <mc:Fallback>
+          <mc:Fallback xmlns="">
             <p:pic>
               <p:nvPicPr>
                 <p:cNvPr id="315" name="Ink 314">
@@ -17112,8 +17495,8 @@
             <a:chExt cx="735480" cy="201600"/>
           </a:xfrm>
         </p:grpSpPr>
-        <mc:AlternateContent xmlns:mc="http://schemas.openxmlformats.org/markup-compatibility/2006">
-          <mc:Choice xmlns:p14="http://schemas.microsoft.com/office/powerpoint/2010/main" Requires="p14">
+        <mc:AlternateContent xmlns:mc="http://schemas.openxmlformats.org/markup-compatibility/2006" xmlns:p14="http://schemas.microsoft.com/office/powerpoint/2010/main">
+          <mc:Choice Requires="p14">
             <p:contentPart p14:bwMode="auto" r:id="rId254">
               <p14:nvContentPartPr>
                 <p14:cNvPr id="406" name="Ink 405">
@@ -17132,7 +17515,7 @@
               </p14:xfrm>
             </p:contentPart>
           </mc:Choice>
-          <mc:Fallback>
+          <mc:Fallback xmlns="">
             <p:pic>
               <p:nvPicPr>
                 <p:cNvPr id="406" name="Ink 405">
@@ -17183,8 +17566,8 @@
               <a:chExt cx="721080" cy="201600"/>
             </a:xfrm>
           </p:grpSpPr>
-          <mc:AlternateContent xmlns:mc="http://schemas.openxmlformats.org/markup-compatibility/2006">
-            <mc:Choice xmlns:p14="http://schemas.microsoft.com/office/powerpoint/2010/main" Requires="p14">
+          <mc:AlternateContent xmlns:mc="http://schemas.openxmlformats.org/markup-compatibility/2006" xmlns:p14="http://schemas.microsoft.com/office/powerpoint/2010/main">
+            <mc:Choice Requires="p14">
               <p:contentPart p14:bwMode="auto" r:id="rId256">
                 <p14:nvContentPartPr>
                   <p14:cNvPr id="407" name="Ink 406">
@@ -17203,7 +17586,7 @@
                 </p14:xfrm>
               </p:contentPart>
             </mc:Choice>
-            <mc:Fallback>
+            <mc:Fallback xmlns="">
               <p:pic>
                 <p:nvPicPr>
                   <p:cNvPr id="407" name="Ink 406">
@@ -17234,8 +17617,8 @@
               </p:pic>
             </mc:Fallback>
           </mc:AlternateContent>
-          <mc:AlternateContent xmlns:mc="http://schemas.openxmlformats.org/markup-compatibility/2006">
-            <mc:Choice xmlns:p14="http://schemas.microsoft.com/office/powerpoint/2010/main" Requires="p14">
+          <mc:AlternateContent xmlns:mc="http://schemas.openxmlformats.org/markup-compatibility/2006" xmlns:p14="http://schemas.microsoft.com/office/powerpoint/2010/main">
+            <mc:Choice Requires="p14">
               <p:contentPart p14:bwMode="auto" r:id="rId258">
                 <p14:nvContentPartPr>
                   <p14:cNvPr id="408" name="Ink 407">
@@ -17254,7 +17637,7 @@
                 </p14:xfrm>
               </p:contentPart>
             </mc:Choice>
-            <mc:Fallback>
+            <mc:Fallback xmlns="">
               <p:pic>
                 <p:nvPicPr>
                   <p:cNvPr id="408" name="Ink 407">
@@ -17307,8 +17690,8 @@
             <a:chExt cx="735480" cy="201600"/>
           </a:xfrm>
         </p:grpSpPr>
-        <mc:AlternateContent xmlns:mc="http://schemas.openxmlformats.org/markup-compatibility/2006">
-          <mc:Choice xmlns:p14="http://schemas.microsoft.com/office/powerpoint/2010/main" Requires="p14">
+        <mc:AlternateContent xmlns:mc="http://schemas.openxmlformats.org/markup-compatibility/2006" xmlns:p14="http://schemas.microsoft.com/office/powerpoint/2010/main">
+          <mc:Choice Requires="p14">
             <p:contentPart p14:bwMode="auto" r:id="rId260">
               <p14:nvContentPartPr>
                 <p14:cNvPr id="415" name="Ink 414">
@@ -17327,7 +17710,7 @@
               </p14:xfrm>
             </p:contentPart>
           </mc:Choice>
-          <mc:Fallback>
+          <mc:Fallback xmlns="">
             <p:pic>
               <p:nvPicPr>
                 <p:cNvPr id="415" name="Ink 414">
@@ -17378,8 +17761,8 @@
               <a:chExt cx="721080" cy="201600"/>
             </a:xfrm>
           </p:grpSpPr>
-          <mc:AlternateContent xmlns:mc="http://schemas.openxmlformats.org/markup-compatibility/2006">
-            <mc:Choice xmlns:p14="http://schemas.microsoft.com/office/powerpoint/2010/main" Requires="p14">
+          <mc:AlternateContent xmlns:mc="http://schemas.openxmlformats.org/markup-compatibility/2006" xmlns:p14="http://schemas.microsoft.com/office/powerpoint/2010/main">
+            <mc:Choice Requires="p14">
               <p:contentPart p14:bwMode="auto" r:id="rId261">
                 <p14:nvContentPartPr>
                   <p14:cNvPr id="417" name="Ink 416">
@@ -17398,7 +17781,7 @@
                 </p14:xfrm>
               </p:contentPart>
             </mc:Choice>
-            <mc:Fallback>
+            <mc:Fallback xmlns="">
               <p:pic>
                 <p:nvPicPr>
                   <p:cNvPr id="417" name="Ink 416">
@@ -17429,8 +17812,8 @@
               </p:pic>
             </mc:Fallback>
           </mc:AlternateContent>
-          <mc:AlternateContent xmlns:mc="http://schemas.openxmlformats.org/markup-compatibility/2006">
-            <mc:Choice xmlns:p14="http://schemas.microsoft.com/office/powerpoint/2010/main" Requires="p14">
+          <mc:AlternateContent xmlns:mc="http://schemas.openxmlformats.org/markup-compatibility/2006" xmlns:p14="http://schemas.microsoft.com/office/powerpoint/2010/main">
+            <mc:Choice Requires="p14">
               <p:contentPart p14:bwMode="auto" r:id="rId262">
                 <p14:nvContentPartPr>
                   <p14:cNvPr id="418" name="Ink 417">
@@ -17449,7 +17832,7 @@
                 </p14:xfrm>
               </p:contentPart>
             </mc:Choice>
-            <mc:Fallback>
+            <mc:Fallback xmlns="">
               <p:pic>
                 <p:nvPicPr>
                   <p:cNvPr id="418" name="Ink 417">
@@ -17635,6 +18018,741 @@
           </a:p>
         </p:txBody>
       </p:sp>
+      <p:grpSp>
+        <p:nvGrpSpPr>
+          <p:cNvPr id="2" name="Group 1">
+            <a:extLst>
+              <a:ext uri="{FF2B5EF4-FFF2-40B4-BE49-F238E27FC236}">
+                <a16:creationId xmlns:a16="http://schemas.microsoft.com/office/drawing/2014/main" id="{2CB028CD-FAB7-0BAA-7C54-5355360A3F24}"/>
+              </a:ext>
+            </a:extLst>
+          </p:cNvPr>
+          <p:cNvGrpSpPr/>
+          <p:nvPr/>
+        </p:nvGrpSpPr>
+        <p:grpSpPr>
+          <a:xfrm>
+            <a:off x="8456607" y="5460120"/>
+            <a:ext cx="28440" cy="2158200"/>
+            <a:chOff x="11240032" y="2107395"/>
+            <a:chExt cx="28440" cy="2158200"/>
+          </a:xfrm>
+        </p:grpSpPr>
+        <mc:AlternateContent xmlns:mc="http://schemas.openxmlformats.org/markup-compatibility/2006" xmlns:p14="http://schemas.microsoft.com/office/powerpoint/2010/main">
+          <mc:Choice Requires="p14">
+            <p:contentPart p14:bwMode="auto" r:id="rId263">
+              <p14:nvContentPartPr>
+                <p14:cNvPr id="3" name="Ink 2">
+                  <a:extLst>
+                    <a:ext uri="{FF2B5EF4-FFF2-40B4-BE49-F238E27FC236}">
+                      <a16:creationId xmlns:a16="http://schemas.microsoft.com/office/drawing/2014/main" id="{37A6C1AB-FC7B-CBD0-00EF-EB7DDBDF50FB}"/>
+                    </a:ext>
+                  </a:extLst>
+                </p14:cNvPr>
+                <p14:cNvContentPartPr/>
+                <p14:nvPr/>
+              </p14:nvContentPartPr>
+              <p14:xfrm>
+                <a:off x="11243992" y="2107395"/>
+                <a:ext cx="360" cy="66960"/>
+              </p14:xfrm>
+            </p:contentPart>
+          </mc:Choice>
+          <mc:Fallback xmlns="">
+            <p:pic>
+              <p:nvPicPr>
+                <p:cNvPr id="194" name="Ink 193">
+                  <a:extLst>
+                    <a:ext uri="{FF2B5EF4-FFF2-40B4-BE49-F238E27FC236}">
+                      <a16:creationId xmlns:a16="http://schemas.microsoft.com/office/drawing/2014/main" id="{3B3BC56F-BEFB-521A-617E-E38585D41614}"/>
+                    </a:ext>
+                  </a:extLst>
+                </p:cNvPr>
+                <p:cNvPicPr/>
+                <p:nvPr/>
+              </p:nvPicPr>
+              <p:blipFill>
+                <a:blip r:embed="rId15"/>
+                <a:stretch>
+                  <a:fillRect/>
+                </a:stretch>
+              </p:blipFill>
+              <p:spPr>
+                <a:xfrm>
+                  <a:off x="11225992" y="2089755"/>
+                  <a:ext cx="36000" cy="102600"/>
+                </a:xfrm>
+                <a:prstGeom prst="rect">
+                  <a:avLst/>
+                </a:prstGeom>
+              </p:spPr>
+            </p:pic>
+          </mc:Fallback>
+        </mc:AlternateContent>
+        <mc:AlternateContent xmlns:mc="http://schemas.openxmlformats.org/markup-compatibility/2006" xmlns:p14="http://schemas.microsoft.com/office/powerpoint/2010/main">
+          <mc:Choice Requires="p14">
+            <p:contentPart p14:bwMode="auto" r:id="rId264">
+              <p14:nvContentPartPr>
+                <p14:cNvPr id="4" name="Ink 3">
+                  <a:extLst>
+                    <a:ext uri="{FF2B5EF4-FFF2-40B4-BE49-F238E27FC236}">
+                      <a16:creationId xmlns:a16="http://schemas.microsoft.com/office/drawing/2014/main" id="{C64B2742-F6B9-351A-6B0C-18F9E5E6C026}"/>
+                    </a:ext>
+                  </a:extLst>
+                </p14:cNvPr>
+                <p14:cNvContentPartPr/>
+                <p14:nvPr/>
+              </p14:nvContentPartPr>
+              <p14:xfrm>
+                <a:off x="11240032" y="2292075"/>
+                <a:ext cx="360" cy="32400"/>
+              </p14:xfrm>
+            </p:contentPart>
+          </mc:Choice>
+          <mc:Fallback xmlns="">
+            <p:pic>
+              <p:nvPicPr>
+                <p:cNvPr id="195" name="Ink 194">
+                  <a:extLst>
+                    <a:ext uri="{FF2B5EF4-FFF2-40B4-BE49-F238E27FC236}">
+                      <a16:creationId xmlns:a16="http://schemas.microsoft.com/office/drawing/2014/main" id="{72CE8BB7-F150-DA0D-633D-C6EAF5E3BF8D}"/>
+                    </a:ext>
+                  </a:extLst>
+                </p:cNvPr>
+                <p:cNvPicPr/>
+                <p:nvPr/>
+              </p:nvPicPr>
+              <p:blipFill>
+                <a:blip r:embed="rId17"/>
+                <a:stretch>
+                  <a:fillRect/>
+                </a:stretch>
+              </p:blipFill>
+              <p:spPr>
+                <a:xfrm>
+                  <a:off x="11222392" y="2274075"/>
+                  <a:ext cx="36000" cy="68040"/>
+                </a:xfrm>
+                <a:prstGeom prst="rect">
+                  <a:avLst/>
+                </a:prstGeom>
+              </p:spPr>
+            </p:pic>
+          </mc:Fallback>
+        </mc:AlternateContent>
+        <mc:AlternateContent xmlns:mc="http://schemas.openxmlformats.org/markup-compatibility/2006" xmlns:p14="http://schemas.microsoft.com/office/powerpoint/2010/main">
+          <mc:Choice Requires="p14">
+            <p:contentPart p14:bwMode="auto" r:id="rId265">
+              <p14:nvContentPartPr>
+                <p14:cNvPr id="5" name="Ink 4">
+                  <a:extLst>
+                    <a:ext uri="{FF2B5EF4-FFF2-40B4-BE49-F238E27FC236}">
+                      <a16:creationId xmlns:a16="http://schemas.microsoft.com/office/drawing/2014/main" id="{C7A6A8A3-44E1-82DF-253A-5D76E29E4F9A}"/>
+                    </a:ext>
+                  </a:extLst>
+                </p14:cNvPr>
+                <p14:cNvContentPartPr/>
+                <p14:nvPr/>
+              </p14:nvContentPartPr>
+              <p14:xfrm>
+                <a:off x="11240032" y="2434995"/>
+                <a:ext cx="360" cy="94320"/>
+              </p14:xfrm>
+            </p:contentPart>
+          </mc:Choice>
+          <mc:Fallback xmlns="">
+            <p:pic>
+              <p:nvPicPr>
+                <p:cNvPr id="196" name="Ink 195">
+                  <a:extLst>
+                    <a:ext uri="{FF2B5EF4-FFF2-40B4-BE49-F238E27FC236}">
+                      <a16:creationId xmlns:a16="http://schemas.microsoft.com/office/drawing/2014/main" id="{758241D8-9DDC-FCC2-35B4-99A4298A654E}"/>
+                    </a:ext>
+                  </a:extLst>
+                </p:cNvPr>
+                <p:cNvPicPr/>
+                <p:nvPr/>
+              </p:nvPicPr>
+              <p:blipFill>
+                <a:blip r:embed="rId19"/>
+                <a:stretch>
+                  <a:fillRect/>
+                </a:stretch>
+              </p:blipFill>
+              <p:spPr>
+                <a:xfrm>
+                  <a:off x="11222392" y="2416995"/>
+                  <a:ext cx="36000" cy="129960"/>
+                </a:xfrm>
+                <a:prstGeom prst="rect">
+                  <a:avLst/>
+                </a:prstGeom>
+              </p:spPr>
+            </p:pic>
+          </mc:Fallback>
+        </mc:AlternateContent>
+        <mc:AlternateContent xmlns:mc="http://schemas.openxmlformats.org/markup-compatibility/2006" xmlns:p14="http://schemas.microsoft.com/office/powerpoint/2010/main">
+          <mc:Choice Requires="p14">
+            <p:contentPart p14:bwMode="auto" r:id="rId266">
+              <p14:nvContentPartPr>
+                <p14:cNvPr id="6" name="Ink 5">
+                  <a:extLst>
+                    <a:ext uri="{FF2B5EF4-FFF2-40B4-BE49-F238E27FC236}">
+                      <a16:creationId xmlns:a16="http://schemas.microsoft.com/office/drawing/2014/main" id="{4CE591E1-0C2E-36BF-5FB8-C928E3251B30}"/>
+                    </a:ext>
+                  </a:extLst>
+                </p14:cNvPr>
+                <p14:cNvContentPartPr/>
+                <p14:nvPr/>
+              </p14:nvContentPartPr>
+              <p14:xfrm>
+                <a:off x="11240032" y="2627955"/>
+                <a:ext cx="360" cy="74160"/>
+              </p14:xfrm>
+            </p:contentPart>
+          </mc:Choice>
+          <mc:Fallback xmlns="">
+            <p:pic>
+              <p:nvPicPr>
+                <p:cNvPr id="197" name="Ink 196">
+                  <a:extLst>
+                    <a:ext uri="{FF2B5EF4-FFF2-40B4-BE49-F238E27FC236}">
+                      <a16:creationId xmlns:a16="http://schemas.microsoft.com/office/drawing/2014/main" id="{DC97750A-1A17-8AB2-A594-54875C9AC924}"/>
+                    </a:ext>
+                  </a:extLst>
+                </p:cNvPr>
+                <p:cNvPicPr/>
+                <p:nvPr/>
+              </p:nvPicPr>
+              <p:blipFill>
+                <a:blip r:embed="rId21"/>
+                <a:stretch>
+                  <a:fillRect/>
+                </a:stretch>
+              </p:blipFill>
+              <p:spPr>
+                <a:xfrm>
+                  <a:off x="11222392" y="2610315"/>
+                  <a:ext cx="36000" cy="109800"/>
+                </a:xfrm>
+                <a:prstGeom prst="rect">
+                  <a:avLst/>
+                </a:prstGeom>
+              </p:spPr>
+            </p:pic>
+          </mc:Fallback>
+        </mc:AlternateContent>
+        <mc:AlternateContent xmlns:mc="http://schemas.openxmlformats.org/markup-compatibility/2006" xmlns:p14="http://schemas.microsoft.com/office/powerpoint/2010/main">
+          <mc:Choice Requires="p14">
+            <p:contentPart p14:bwMode="auto" r:id="rId267">
+              <p14:nvContentPartPr>
+                <p14:cNvPr id="7" name="Ink 6">
+                  <a:extLst>
+                    <a:ext uri="{FF2B5EF4-FFF2-40B4-BE49-F238E27FC236}">
+                      <a16:creationId xmlns:a16="http://schemas.microsoft.com/office/drawing/2014/main" id="{0DB4C689-0F30-F651-A8B4-613CCA107F5B}"/>
+                    </a:ext>
+                  </a:extLst>
+                </p14:cNvPr>
+                <p14:cNvContentPartPr/>
+                <p14:nvPr/>
+              </p14:nvContentPartPr>
+              <p14:xfrm>
+                <a:off x="11240032" y="2794635"/>
+                <a:ext cx="360" cy="70560"/>
+              </p14:xfrm>
+            </p:contentPart>
+          </mc:Choice>
+          <mc:Fallback xmlns="">
+            <p:pic>
+              <p:nvPicPr>
+                <p:cNvPr id="198" name="Ink 197">
+                  <a:extLst>
+                    <a:ext uri="{FF2B5EF4-FFF2-40B4-BE49-F238E27FC236}">
+                      <a16:creationId xmlns:a16="http://schemas.microsoft.com/office/drawing/2014/main" id="{699E8538-39F1-0771-53A0-A4B70B459C1B}"/>
+                    </a:ext>
+                  </a:extLst>
+                </p:cNvPr>
+                <p:cNvPicPr/>
+                <p:nvPr/>
+              </p:nvPicPr>
+              <p:blipFill>
+                <a:blip r:embed="rId23"/>
+                <a:stretch>
+                  <a:fillRect/>
+                </a:stretch>
+              </p:blipFill>
+              <p:spPr>
+                <a:xfrm>
+                  <a:off x="11222392" y="2776635"/>
+                  <a:ext cx="36000" cy="106200"/>
+                </a:xfrm>
+                <a:prstGeom prst="rect">
+                  <a:avLst/>
+                </a:prstGeom>
+              </p:spPr>
+            </p:pic>
+          </mc:Fallback>
+        </mc:AlternateContent>
+        <mc:AlternateContent xmlns:mc="http://schemas.openxmlformats.org/markup-compatibility/2006" xmlns:p14="http://schemas.microsoft.com/office/powerpoint/2010/main">
+          <mc:Choice Requires="p14">
+            <p:contentPart p14:bwMode="auto" r:id="rId268">
+              <p14:nvContentPartPr>
+                <p14:cNvPr id="8" name="Ink 7">
+                  <a:extLst>
+                    <a:ext uri="{FF2B5EF4-FFF2-40B4-BE49-F238E27FC236}">
+                      <a16:creationId xmlns:a16="http://schemas.microsoft.com/office/drawing/2014/main" id="{77B10402-08E0-E2E8-882E-49FBD530BEDE}"/>
+                    </a:ext>
+                  </a:extLst>
+                </p14:cNvPr>
+                <p14:cNvContentPartPr/>
+                <p14:nvPr/>
+              </p14:nvContentPartPr>
+              <p14:xfrm>
+                <a:off x="11240032" y="2977515"/>
+                <a:ext cx="360" cy="52200"/>
+              </p14:xfrm>
+            </p:contentPart>
+          </mc:Choice>
+          <mc:Fallback xmlns="">
+            <p:pic>
+              <p:nvPicPr>
+                <p:cNvPr id="199" name="Ink 198">
+                  <a:extLst>
+                    <a:ext uri="{FF2B5EF4-FFF2-40B4-BE49-F238E27FC236}">
+                      <a16:creationId xmlns:a16="http://schemas.microsoft.com/office/drawing/2014/main" id="{AD9E37EF-CF11-02BA-A3DA-3A83D84DCD9E}"/>
+                    </a:ext>
+                  </a:extLst>
+                </p:cNvPr>
+                <p:cNvPicPr/>
+                <p:nvPr/>
+              </p:nvPicPr>
+              <p:blipFill>
+                <a:blip r:embed="rId25"/>
+                <a:stretch>
+                  <a:fillRect/>
+                </a:stretch>
+              </p:blipFill>
+              <p:spPr>
+                <a:xfrm>
+                  <a:off x="11222392" y="2959875"/>
+                  <a:ext cx="36000" cy="87840"/>
+                </a:xfrm>
+                <a:prstGeom prst="rect">
+                  <a:avLst/>
+                </a:prstGeom>
+              </p:spPr>
+            </p:pic>
+          </mc:Fallback>
+        </mc:AlternateContent>
+        <mc:AlternateContent xmlns:mc="http://schemas.openxmlformats.org/markup-compatibility/2006" xmlns:p14="http://schemas.microsoft.com/office/powerpoint/2010/main">
+          <mc:Choice Requires="p14">
+            <p:contentPart p14:bwMode="auto" r:id="rId269">
+              <p14:nvContentPartPr>
+                <p14:cNvPr id="9" name="Ink 8">
+                  <a:extLst>
+                    <a:ext uri="{FF2B5EF4-FFF2-40B4-BE49-F238E27FC236}">
+                      <a16:creationId xmlns:a16="http://schemas.microsoft.com/office/drawing/2014/main" id="{D397462E-2CAC-9442-7222-C6D83E4CFCDD}"/>
+                    </a:ext>
+                  </a:extLst>
+                </p14:cNvPr>
+                <p14:cNvContentPartPr/>
+                <p14:nvPr/>
+              </p14:nvContentPartPr>
+              <p14:xfrm>
+                <a:off x="11254072" y="3144195"/>
+                <a:ext cx="360" cy="360"/>
+              </p14:xfrm>
+            </p:contentPart>
+          </mc:Choice>
+          <mc:Fallback xmlns="">
+            <p:pic>
+              <p:nvPicPr>
+                <p:cNvPr id="200" name="Ink 199">
+                  <a:extLst>
+                    <a:ext uri="{FF2B5EF4-FFF2-40B4-BE49-F238E27FC236}">
+                      <a16:creationId xmlns:a16="http://schemas.microsoft.com/office/drawing/2014/main" id="{BA84DFCF-9267-A272-936A-AF68658FE103}"/>
+                    </a:ext>
+                  </a:extLst>
+                </p:cNvPr>
+                <p:cNvPicPr/>
+                <p:nvPr/>
+              </p:nvPicPr>
+              <p:blipFill>
+                <a:blip r:embed="rId27"/>
+                <a:stretch>
+                  <a:fillRect/>
+                </a:stretch>
+              </p:blipFill>
+              <p:spPr>
+                <a:xfrm>
+                  <a:off x="11236432" y="3126555"/>
+                  <a:ext cx="36000" cy="36000"/>
+                </a:xfrm>
+                <a:prstGeom prst="rect">
+                  <a:avLst/>
+                </a:prstGeom>
+              </p:spPr>
+            </p:pic>
+          </mc:Fallback>
+        </mc:AlternateContent>
+        <mc:AlternateContent xmlns:mc="http://schemas.openxmlformats.org/markup-compatibility/2006" xmlns:p14="http://schemas.microsoft.com/office/powerpoint/2010/main">
+          <mc:Choice Requires="p14">
+            <p:contentPart p14:bwMode="auto" r:id="rId270">
+              <p14:nvContentPartPr>
+                <p14:cNvPr id="10" name="Ink 9">
+                  <a:extLst>
+                    <a:ext uri="{FF2B5EF4-FFF2-40B4-BE49-F238E27FC236}">
+                      <a16:creationId xmlns:a16="http://schemas.microsoft.com/office/drawing/2014/main" id="{620D4C9D-07E7-C1F0-A7B9-4FF1A0321870}"/>
+                    </a:ext>
+                  </a:extLst>
+                </p14:cNvPr>
+                <p14:cNvContentPartPr/>
+                <p14:nvPr/>
+              </p14:nvContentPartPr>
+              <p14:xfrm>
+                <a:off x="11258032" y="3270555"/>
+                <a:ext cx="360" cy="37080"/>
+              </p14:xfrm>
+            </p:contentPart>
+          </mc:Choice>
+          <mc:Fallback xmlns="">
+            <p:pic>
+              <p:nvPicPr>
+                <p:cNvPr id="201" name="Ink 200">
+                  <a:extLst>
+                    <a:ext uri="{FF2B5EF4-FFF2-40B4-BE49-F238E27FC236}">
+                      <a16:creationId xmlns:a16="http://schemas.microsoft.com/office/drawing/2014/main" id="{A945AF1E-8FED-F49E-2360-75A22D459D9A}"/>
+                    </a:ext>
+                  </a:extLst>
+                </p:cNvPr>
+                <p:cNvPicPr/>
+                <p:nvPr/>
+              </p:nvPicPr>
+              <p:blipFill>
+                <a:blip r:embed="rId29"/>
+                <a:stretch>
+                  <a:fillRect/>
+                </a:stretch>
+              </p:blipFill>
+              <p:spPr>
+                <a:xfrm>
+                  <a:off x="11240392" y="3252555"/>
+                  <a:ext cx="36000" cy="72720"/>
+                </a:xfrm>
+                <a:prstGeom prst="rect">
+                  <a:avLst/>
+                </a:prstGeom>
+              </p:spPr>
+            </p:pic>
+          </mc:Fallback>
+        </mc:AlternateContent>
+        <mc:AlternateContent xmlns:mc="http://schemas.openxmlformats.org/markup-compatibility/2006" xmlns:p14="http://schemas.microsoft.com/office/powerpoint/2010/main">
+          <mc:Choice Requires="p14">
+            <p:contentPart p14:bwMode="auto" r:id="rId271">
+              <p14:nvContentPartPr>
+                <p14:cNvPr id="11" name="Ink 10">
+                  <a:extLst>
+                    <a:ext uri="{FF2B5EF4-FFF2-40B4-BE49-F238E27FC236}">
+                      <a16:creationId xmlns:a16="http://schemas.microsoft.com/office/drawing/2014/main" id="{2424A557-0939-CB34-A682-51CA8359C28F}"/>
+                    </a:ext>
+                  </a:extLst>
+                </p14:cNvPr>
+                <p14:cNvContentPartPr/>
+                <p14:nvPr/>
+              </p14:nvContentPartPr>
+              <p14:xfrm>
+                <a:off x="11258032" y="3423915"/>
+                <a:ext cx="360" cy="46080"/>
+              </p14:xfrm>
+            </p:contentPart>
+          </mc:Choice>
+          <mc:Fallback xmlns="">
+            <p:pic>
+              <p:nvPicPr>
+                <p:cNvPr id="202" name="Ink 201">
+                  <a:extLst>
+                    <a:ext uri="{FF2B5EF4-FFF2-40B4-BE49-F238E27FC236}">
+                      <a16:creationId xmlns:a16="http://schemas.microsoft.com/office/drawing/2014/main" id="{EB749685-BDDD-7603-C9E4-D8091AC7819E}"/>
+                    </a:ext>
+                  </a:extLst>
+                </p:cNvPr>
+                <p:cNvPicPr/>
+                <p:nvPr/>
+              </p:nvPicPr>
+              <p:blipFill>
+                <a:blip r:embed="rId31"/>
+                <a:stretch>
+                  <a:fillRect/>
+                </a:stretch>
+              </p:blipFill>
+              <p:spPr>
+                <a:xfrm>
+                  <a:off x="11240392" y="3406275"/>
+                  <a:ext cx="36000" cy="81720"/>
+                </a:xfrm>
+                <a:prstGeom prst="rect">
+                  <a:avLst/>
+                </a:prstGeom>
+              </p:spPr>
+            </p:pic>
+          </mc:Fallback>
+        </mc:AlternateContent>
+        <mc:AlternateContent xmlns:mc="http://schemas.openxmlformats.org/markup-compatibility/2006" xmlns:p14="http://schemas.microsoft.com/office/powerpoint/2010/main">
+          <mc:Choice Requires="p14">
+            <p:contentPart p14:bwMode="auto" r:id="rId272">
+              <p14:nvContentPartPr>
+                <p14:cNvPr id="13" name="Ink 12">
+                  <a:extLst>
+                    <a:ext uri="{FF2B5EF4-FFF2-40B4-BE49-F238E27FC236}">
+                      <a16:creationId xmlns:a16="http://schemas.microsoft.com/office/drawing/2014/main" id="{C4D83EF4-EA5F-0D85-E6AD-2E83EAD05BDB}"/>
+                    </a:ext>
+                  </a:extLst>
+                </p14:cNvPr>
+                <p14:cNvContentPartPr/>
+                <p14:nvPr/>
+              </p14:nvContentPartPr>
+              <p14:xfrm>
+                <a:off x="11254792" y="3571515"/>
+                <a:ext cx="360" cy="52560"/>
+              </p14:xfrm>
+            </p:contentPart>
+          </mc:Choice>
+          <mc:Fallback xmlns="">
+            <p:pic>
+              <p:nvPicPr>
+                <p:cNvPr id="203" name="Ink 202">
+                  <a:extLst>
+                    <a:ext uri="{FF2B5EF4-FFF2-40B4-BE49-F238E27FC236}">
+                      <a16:creationId xmlns:a16="http://schemas.microsoft.com/office/drawing/2014/main" id="{B86E51A6-6A2B-F260-F7D9-BD701E5BD4F1}"/>
+                    </a:ext>
+                  </a:extLst>
+                </p:cNvPr>
+                <p:cNvPicPr/>
+                <p:nvPr/>
+              </p:nvPicPr>
+              <p:blipFill>
+                <a:blip r:embed="rId33"/>
+                <a:stretch>
+                  <a:fillRect/>
+                </a:stretch>
+              </p:blipFill>
+              <p:spPr>
+                <a:xfrm>
+                  <a:off x="11236792" y="3553515"/>
+                  <a:ext cx="36000" cy="88200"/>
+                </a:xfrm>
+                <a:prstGeom prst="rect">
+                  <a:avLst/>
+                </a:prstGeom>
+              </p:spPr>
+            </p:pic>
+          </mc:Fallback>
+        </mc:AlternateContent>
+        <mc:AlternateContent xmlns:mc="http://schemas.openxmlformats.org/markup-compatibility/2006" xmlns:p14="http://schemas.microsoft.com/office/powerpoint/2010/main">
+          <mc:Choice Requires="p14">
+            <p:contentPart p14:bwMode="auto" r:id="rId273">
+              <p14:nvContentPartPr>
+                <p14:cNvPr id="14" name="Ink 13">
+                  <a:extLst>
+                    <a:ext uri="{FF2B5EF4-FFF2-40B4-BE49-F238E27FC236}">
+                      <a16:creationId xmlns:a16="http://schemas.microsoft.com/office/drawing/2014/main" id="{68D1C6C2-EB65-9FB6-8609-7677DBE7A967}"/>
+                    </a:ext>
+                  </a:extLst>
+                </p14:cNvPr>
+                <p14:cNvContentPartPr/>
+                <p14:nvPr/>
+              </p14:nvContentPartPr>
+              <p14:xfrm>
+                <a:off x="11254792" y="3729195"/>
+                <a:ext cx="12960" cy="123480"/>
+              </p14:xfrm>
+            </p:contentPart>
+          </mc:Choice>
+          <mc:Fallback xmlns="">
+            <p:pic>
+              <p:nvPicPr>
+                <p:cNvPr id="204" name="Ink 203">
+                  <a:extLst>
+                    <a:ext uri="{FF2B5EF4-FFF2-40B4-BE49-F238E27FC236}">
+                      <a16:creationId xmlns:a16="http://schemas.microsoft.com/office/drawing/2014/main" id="{85799632-F2D8-29A4-5F74-179EB1F9C0B1}"/>
+                    </a:ext>
+                  </a:extLst>
+                </p:cNvPr>
+                <p:cNvPicPr/>
+                <p:nvPr/>
+              </p:nvPicPr>
+              <p:blipFill>
+                <a:blip r:embed="rId35"/>
+                <a:stretch>
+                  <a:fillRect/>
+                </a:stretch>
+              </p:blipFill>
+              <p:spPr>
+                <a:xfrm>
+                  <a:off x="11236792" y="3711555"/>
+                  <a:ext cx="48600" cy="159120"/>
+                </a:xfrm>
+                <a:prstGeom prst="rect">
+                  <a:avLst/>
+                </a:prstGeom>
+              </p:spPr>
+            </p:pic>
+          </mc:Fallback>
+        </mc:AlternateContent>
+        <mc:AlternateContent xmlns:mc="http://schemas.openxmlformats.org/markup-compatibility/2006" xmlns:p14="http://schemas.microsoft.com/office/powerpoint/2010/main">
+          <mc:Choice Requires="p14">
+            <p:contentPart p14:bwMode="auto" r:id="rId274">
+              <p14:nvContentPartPr>
+                <p14:cNvPr id="21" name="Ink 20">
+                  <a:extLst>
+                    <a:ext uri="{FF2B5EF4-FFF2-40B4-BE49-F238E27FC236}">
+                      <a16:creationId xmlns:a16="http://schemas.microsoft.com/office/drawing/2014/main" id="{DAEB000A-5CC0-39CE-9990-AA65D0A7CB94}"/>
+                    </a:ext>
+                  </a:extLst>
+                </p14:cNvPr>
+                <p14:cNvContentPartPr/>
+                <p14:nvPr/>
+              </p14:nvContentPartPr>
+              <p14:xfrm>
+                <a:off x="11261272" y="3969675"/>
+                <a:ext cx="360" cy="26280"/>
+              </p14:xfrm>
+            </p:contentPart>
+          </mc:Choice>
+          <mc:Fallback xmlns="">
+            <p:pic>
+              <p:nvPicPr>
+                <p:cNvPr id="205" name="Ink 204">
+                  <a:extLst>
+                    <a:ext uri="{FF2B5EF4-FFF2-40B4-BE49-F238E27FC236}">
+                      <a16:creationId xmlns:a16="http://schemas.microsoft.com/office/drawing/2014/main" id="{6739B947-44EF-4501-42F5-D448A32FD37E}"/>
+                    </a:ext>
+                  </a:extLst>
+                </p:cNvPr>
+                <p:cNvPicPr/>
+                <p:nvPr/>
+              </p:nvPicPr>
+              <p:blipFill>
+                <a:blip r:embed="rId37"/>
+                <a:stretch>
+                  <a:fillRect/>
+                </a:stretch>
+              </p:blipFill>
+              <p:spPr>
+                <a:xfrm>
+                  <a:off x="11243632" y="3951675"/>
+                  <a:ext cx="36000" cy="61920"/>
+                </a:xfrm>
+                <a:prstGeom prst="rect">
+                  <a:avLst/>
+                </a:prstGeom>
+              </p:spPr>
+            </p:pic>
+          </mc:Fallback>
+        </mc:AlternateContent>
+        <mc:AlternateContent xmlns:mc="http://schemas.openxmlformats.org/markup-compatibility/2006" xmlns:p14="http://schemas.microsoft.com/office/powerpoint/2010/main">
+          <mc:Choice Requires="p14">
+            <p:contentPart p14:bwMode="auto" r:id="rId275">
+              <p14:nvContentPartPr>
+                <p14:cNvPr id="23" name="Ink 22">
+                  <a:extLst>
+                    <a:ext uri="{FF2B5EF4-FFF2-40B4-BE49-F238E27FC236}">
+                      <a16:creationId xmlns:a16="http://schemas.microsoft.com/office/drawing/2014/main" id="{3CA22940-BD44-8CE9-CC2D-93F707749D41}"/>
+                    </a:ext>
+                  </a:extLst>
+                </p14:cNvPr>
+                <p14:cNvContentPartPr/>
+                <p14:nvPr/>
+              </p14:nvContentPartPr>
+              <p14:xfrm>
+                <a:off x="11261272" y="4052835"/>
+                <a:ext cx="360" cy="53280"/>
+              </p14:xfrm>
+            </p:contentPart>
+          </mc:Choice>
+          <mc:Fallback xmlns="">
+            <p:pic>
+              <p:nvPicPr>
+                <p:cNvPr id="206" name="Ink 205">
+                  <a:extLst>
+                    <a:ext uri="{FF2B5EF4-FFF2-40B4-BE49-F238E27FC236}">
+                      <a16:creationId xmlns:a16="http://schemas.microsoft.com/office/drawing/2014/main" id="{7EA2612F-7546-36C5-47CF-69FA60902D92}"/>
+                    </a:ext>
+                  </a:extLst>
+                </p:cNvPr>
+                <p:cNvPicPr/>
+                <p:nvPr/>
+              </p:nvPicPr>
+              <p:blipFill>
+                <a:blip r:embed="rId39"/>
+                <a:stretch>
+                  <a:fillRect/>
+                </a:stretch>
+              </p:blipFill>
+              <p:spPr>
+                <a:xfrm>
+                  <a:off x="11243632" y="4035195"/>
+                  <a:ext cx="36000" cy="88920"/>
+                </a:xfrm>
+                <a:prstGeom prst="rect">
+                  <a:avLst/>
+                </a:prstGeom>
+              </p:spPr>
+            </p:pic>
+          </mc:Fallback>
+        </mc:AlternateContent>
+        <mc:AlternateContent xmlns:mc="http://schemas.openxmlformats.org/markup-compatibility/2006" xmlns:p14="http://schemas.microsoft.com/office/powerpoint/2010/main">
+          <mc:Choice Requires="p14">
+            <p:contentPart p14:bwMode="auto" r:id="rId276">
+              <p14:nvContentPartPr>
+                <p14:cNvPr id="24" name="Ink 23">
+                  <a:extLst>
+                    <a:ext uri="{FF2B5EF4-FFF2-40B4-BE49-F238E27FC236}">
+                      <a16:creationId xmlns:a16="http://schemas.microsoft.com/office/drawing/2014/main" id="{72EB12E5-C15B-68D4-5E81-675DA9C5347C}"/>
+                    </a:ext>
+                  </a:extLst>
+                </p14:cNvPr>
+                <p14:cNvContentPartPr/>
+                <p14:nvPr/>
+              </p14:nvContentPartPr>
+              <p14:xfrm>
+                <a:off x="11268112" y="4175955"/>
+                <a:ext cx="360" cy="89640"/>
+              </p14:xfrm>
+            </p:contentPart>
+          </mc:Choice>
+          <mc:Fallback xmlns="">
+            <p:pic>
+              <p:nvPicPr>
+                <p:cNvPr id="207" name="Ink 206">
+                  <a:extLst>
+                    <a:ext uri="{FF2B5EF4-FFF2-40B4-BE49-F238E27FC236}">
+                      <a16:creationId xmlns:a16="http://schemas.microsoft.com/office/drawing/2014/main" id="{25E7605A-FC77-8631-D48B-0480151D40AC}"/>
+                    </a:ext>
+                  </a:extLst>
+                </p:cNvPr>
+                <p:cNvPicPr/>
+                <p:nvPr/>
+              </p:nvPicPr>
+              <p:blipFill>
+                <a:blip r:embed="rId41"/>
+                <a:stretch>
+                  <a:fillRect/>
+                </a:stretch>
+              </p:blipFill>
+              <p:spPr>
+                <a:xfrm>
+                  <a:off x="11250112" y="4158315"/>
+                  <a:ext cx="36000" cy="125280"/>
+                </a:xfrm>
+                <a:prstGeom prst="rect">
+                  <a:avLst/>
+                </a:prstGeom>
+              </p:spPr>
+            </p:pic>
+          </mc:Fallback>
+        </mc:AlternateContent>
+      </p:grpSp>
     </p:spTree>
     <p:extLst>
       <p:ext uri="{BB962C8B-B14F-4D97-AF65-F5344CB8AC3E}">
